--- a/presentation.pptx
+++ b/presentation.pptx
@@ -939,7 +939,7 @@
           <a:bodyPr/>
           <a:lstStyle/>
           <a:p>
-            <a:fld id="{9637EF54-1728-DC42-B539-83B3F1DA260F}" type="datetime1">
+            <a:fld id="{8937BC03-0C09-3541-A6CA-B9A07D0F1D37}" type="datetime1">
               <a:rPr lang="en-US" smtClean="0"/>
               <a:t>6/6/16</a:t>
             </a:fld>
@@ -962,10 +962,6 @@
           <a:bodyPr/>
           <a:lstStyle/>
           <a:p>
-            <a:r>
-              <a:rPr lang="en-US" smtClean="0"/>
-              <a:t>https://github.com/StoneyJackson/git-ccscne-2016</a:t>
-            </a:r>
             <a:endParaRPr lang="en-US"/>
           </a:p>
         </p:txBody>
@@ -1113,7 +1109,7 @@
           <a:bodyPr/>
           <a:lstStyle/>
           <a:p>
-            <a:fld id="{3A4DAA0A-A425-D143-8736-3C4986C1A6C0}" type="datetime1">
+            <a:fld id="{606299C8-5F78-EF47-B29B-B4A5833F4288}" type="datetime1">
               <a:rPr lang="en-US" smtClean="0"/>
               <a:t>6/6/16</a:t>
             </a:fld>
@@ -1136,10 +1132,6 @@
           <a:bodyPr/>
           <a:lstStyle/>
           <a:p>
-            <a:r>
-              <a:rPr lang="en-US" smtClean="0"/>
-              <a:t>https://github.com/StoneyJackson/git-ccscne-2016</a:t>
-            </a:r>
             <a:endParaRPr lang="en-US"/>
           </a:p>
         </p:txBody>
@@ -1297,7 +1289,7 @@
           <a:bodyPr/>
           <a:lstStyle/>
           <a:p>
-            <a:fld id="{113C958C-844A-0843-8A5A-8A0491185A78}" type="datetime1">
+            <a:fld id="{F063F1F1-A86F-DF42-AFA3-7C9A041CDC47}" type="datetime1">
               <a:rPr lang="en-US" smtClean="0"/>
               <a:t>6/6/16</a:t>
             </a:fld>
@@ -1320,10 +1312,6 @@
           <a:bodyPr/>
           <a:lstStyle/>
           <a:p>
-            <a:r>
-              <a:rPr lang="en-US" smtClean="0"/>
-              <a:t>https://github.com/StoneyJackson/git-ccscne-2016</a:t>
-            </a:r>
             <a:endParaRPr lang="en-US"/>
           </a:p>
         </p:txBody>
@@ -1471,7 +1459,7 @@
           <a:bodyPr/>
           <a:lstStyle/>
           <a:p>
-            <a:fld id="{4F3BE216-2110-CF47-8E6B-50B6C2C5B54A}" type="datetime1">
+            <a:fld id="{D3A08924-5E09-4A4B-A06A-CCD0D5FF2E9A}" type="datetime1">
               <a:rPr lang="en-US" smtClean="0"/>
               <a:t>6/6/16</a:t>
             </a:fld>
@@ -1494,10 +1482,6 @@
           <a:bodyPr/>
           <a:lstStyle/>
           <a:p>
-            <a:r>
-              <a:rPr lang="en-US" smtClean="0"/>
-              <a:t>https://github.com/StoneyJackson/git-ccscne-2016</a:t>
-            </a:r>
             <a:endParaRPr lang="en-US"/>
           </a:p>
         </p:txBody>
@@ -1721,7 +1705,7 @@
           <a:bodyPr/>
           <a:lstStyle/>
           <a:p>
-            <a:fld id="{3FFE9EC6-FB74-4E4D-A821-3C88E9472CC1}" type="datetime1">
+            <a:fld id="{363CC327-5D43-564A-AE54-79308E5C447F}" type="datetime1">
               <a:rPr lang="en-US" smtClean="0"/>
               <a:t>6/6/16</a:t>
             </a:fld>
@@ -1744,10 +1728,6 @@
           <a:bodyPr/>
           <a:lstStyle/>
           <a:p>
-            <a:r>
-              <a:rPr lang="en-US" smtClean="0"/>
-              <a:t>https://github.com/StoneyJackson/git-ccscne-2016</a:t>
-            </a:r>
             <a:endParaRPr lang="en-US"/>
           </a:p>
         </p:txBody>
@@ -2013,7 +1993,7 @@
           <a:bodyPr/>
           <a:lstStyle/>
           <a:p>
-            <a:fld id="{73986AAE-8C50-5B43-B84E-A2C597837A88}" type="datetime1">
+            <a:fld id="{7DE42D0E-7782-CB4E-9F07-66D8D42C75F1}" type="datetime1">
               <a:rPr lang="en-US" smtClean="0"/>
               <a:t>6/6/16</a:t>
             </a:fld>
@@ -2036,10 +2016,6 @@
           <a:bodyPr/>
           <a:lstStyle/>
           <a:p>
-            <a:r>
-              <a:rPr lang="en-US" smtClean="0"/>
-              <a:t>https://github.com/StoneyJackson/git-ccscne-2016</a:t>
-            </a:r>
             <a:endParaRPr lang="en-US"/>
           </a:p>
         </p:txBody>
@@ -2439,7 +2415,7 @@
           <a:bodyPr/>
           <a:lstStyle/>
           <a:p>
-            <a:fld id="{119A46C2-57D2-EB4B-AB04-C30A49813490}" type="datetime1">
+            <a:fld id="{8A315A09-4495-A64C-B352-7D3CB67BC26B}" type="datetime1">
               <a:rPr lang="en-US" smtClean="0"/>
               <a:t>6/6/16</a:t>
             </a:fld>
@@ -2462,10 +2438,6 @@
           <a:bodyPr/>
           <a:lstStyle/>
           <a:p>
-            <a:r>
-              <a:rPr lang="en-US" smtClean="0"/>
-              <a:t>https://github.com/StoneyJackson/git-ccscne-2016</a:t>
-            </a:r>
             <a:endParaRPr lang="en-US"/>
           </a:p>
         </p:txBody>
@@ -2561,7 +2533,7 @@
           <a:bodyPr/>
           <a:lstStyle/>
           <a:p>
-            <a:fld id="{56F786E2-B885-D54E-9F4F-4C5442F065E0}" type="datetime1">
+            <a:fld id="{36ABAD06-32E2-C748-AF2E-D06EF969E7FA}" type="datetime1">
               <a:rPr lang="en-US" smtClean="0"/>
               <a:t>6/6/16</a:t>
             </a:fld>
@@ -2584,10 +2556,6 @@
           <a:bodyPr/>
           <a:lstStyle/>
           <a:p>
-            <a:r>
-              <a:rPr lang="en-US" smtClean="0"/>
-              <a:t>https://github.com/StoneyJackson/git-ccscne-2016</a:t>
-            </a:r>
             <a:endParaRPr lang="en-US"/>
           </a:p>
         </p:txBody>
@@ -2660,7 +2628,7 @@
           <a:bodyPr/>
           <a:lstStyle/>
           <a:p>
-            <a:fld id="{E9E382DA-9893-C247-B081-D905EFCB8494}" type="datetime1">
+            <a:fld id="{BAC54209-E09B-A94F-BD90-F93B40DD4647}" type="datetime1">
               <a:rPr lang="en-US" smtClean="0"/>
               <a:t>6/6/16</a:t>
             </a:fld>
@@ -2683,10 +2651,6 @@
           <a:bodyPr/>
           <a:lstStyle/>
           <a:p>
-            <a:r>
-              <a:rPr lang="en-US" smtClean="0"/>
-              <a:t>https://github.com/StoneyJackson/git-ccscne-2016</a:t>
-            </a:r>
             <a:endParaRPr lang="en-US"/>
           </a:p>
         </p:txBody>
@@ -2941,7 +2905,7 @@
           <a:bodyPr/>
           <a:lstStyle/>
           <a:p>
-            <a:fld id="{9D226C6B-DC99-2B4D-ABED-ECE84241F6C4}" type="datetime1">
+            <a:fld id="{9A488A7C-F951-9448-A701-9DCE680DE259}" type="datetime1">
               <a:rPr lang="en-US" smtClean="0"/>
               <a:t>6/6/16</a:t>
             </a:fld>
@@ -2964,10 +2928,6 @@
           <a:bodyPr/>
           <a:lstStyle/>
           <a:p>
-            <a:r>
-              <a:rPr lang="en-US" smtClean="0"/>
-              <a:t>https://github.com/StoneyJackson/git-ccscne-2016</a:t>
-            </a:r>
             <a:endParaRPr lang="en-US"/>
           </a:p>
         </p:txBody>
@@ -3198,7 +3158,7 @@
           <a:bodyPr/>
           <a:lstStyle/>
           <a:p>
-            <a:fld id="{DCD31B3C-16A4-8642-90BE-BFC0261D2C33}" type="datetime1">
+            <a:fld id="{85FF7565-78B0-2649-BE2B-CA43C1EB355B}" type="datetime1">
               <a:rPr lang="en-US" smtClean="0"/>
               <a:t>6/6/16</a:t>
             </a:fld>
@@ -3221,10 +3181,6 @@
           <a:bodyPr/>
           <a:lstStyle/>
           <a:p>
-            <a:r>
-              <a:rPr lang="en-US" smtClean="0"/>
-              <a:t>https://github.com/StoneyJackson/git-ccscne-2016</a:t>
-            </a:r>
             <a:endParaRPr lang="en-US"/>
           </a:p>
         </p:txBody>
@@ -3415,7 +3371,7 @@
             </a:lvl1pPr>
           </a:lstStyle>
           <a:p>
-            <a:fld id="{77DCCFEC-7971-7047-AB0C-FDB9B6FC5745}" type="datetime1">
+            <a:fld id="{B8147F35-C6B9-C94A-B58B-11496917C382}" type="datetime1">
               <a:rPr lang="en-US" smtClean="0"/>
               <a:t>6/6/16</a:t>
             </a:fld>
@@ -3456,10 +3412,6 @@
             </a:lvl1pPr>
           </a:lstStyle>
           <a:p>
-            <a:r>
-              <a:rPr lang="en-US" smtClean="0"/>
-              <a:t>https://github.com/StoneyJackson/git-ccscne-2016</a:t>
-            </a:r>
             <a:endParaRPr lang="en-US" dirty="0"/>
           </a:p>
         </p:txBody>
@@ -3551,7 +3503,7 @@
     <p:sldLayoutId id="2147483658" r:id="rId10"/>
     <p:sldLayoutId id="2147483659" r:id="rId11"/>
   </p:sldLayoutIdLst>
-  <p:hf hdr="0" dt="0"/>
+  <p:hf hdr="0" ftr="0" dt="0"/>
   <p:txStyles>
     <p:titleStyle>
       <a:lvl1pPr algn="ctr" defTabSz="457200" rtl="0" eaLnBrk="1" latinLnBrk="0" hangingPunct="1">
@@ -3914,45 +3866,6 @@
           </a:p>
         </p:txBody>
       </p:sp>
-      <p:sp>
-        <p:nvSpPr>
-          <p:cNvPr id="5" name="Footer Placeholder 4"/>
-          <p:cNvSpPr>
-            <a:spLocks noGrp="1"/>
-          </p:cNvSpPr>
-          <p:nvPr>
-            <p:ph type="ftr" sz="quarter" idx="11"/>
-          </p:nvPr>
-        </p:nvSpPr>
-        <p:spPr/>
-        <p:txBody>
-          <a:bodyPr/>
-          <a:lstStyle/>
-          <a:p>
-            <a:r>
-              <a:rPr lang="en-US" dirty="0" smtClean="0"/>
-              <a:t>https://</a:t>
-            </a:r>
-            <a:r>
-              <a:rPr lang="en-US" dirty="0" err="1" smtClean="0"/>
-              <a:t>github.com</a:t>
-            </a:r>
-            <a:r>
-              <a:rPr lang="en-US" dirty="0" smtClean="0"/>
-              <a:t>/</a:t>
-            </a:r>
-            <a:r>
-              <a:rPr lang="en-US" dirty="0" err="1" smtClean="0"/>
-              <a:t>StoneyJackson</a:t>
-            </a:r>
-            <a:r>
-              <a:rPr lang="en-US" dirty="0" smtClean="0"/>
-              <a:t>/git-ccscne-2016</a:t>
-            </a:r>
-            <a:endParaRPr lang="en-US" dirty="0"/>
-          </a:p>
-        </p:txBody>
-      </p:sp>
     </p:spTree>
     <p:extLst>
       <p:ext uri="{BB962C8B-B14F-4D97-AF65-F5344CB8AC3E}">
@@ -4437,29 +4350,6 @@
           </a:p>
         </p:txBody>
       </p:sp>
-      <p:sp>
-        <p:nvSpPr>
-          <p:cNvPr id="10" name="Footer Placeholder 9"/>
-          <p:cNvSpPr>
-            <a:spLocks noGrp="1"/>
-          </p:cNvSpPr>
-          <p:nvPr>
-            <p:ph type="ftr" sz="quarter" idx="11"/>
-          </p:nvPr>
-        </p:nvSpPr>
-        <p:spPr/>
-        <p:txBody>
-          <a:bodyPr/>
-          <a:lstStyle/>
-          <a:p>
-            <a:r>
-              <a:rPr lang="en-US" smtClean="0"/>
-              <a:t>https://github.com/StoneyJackson/git-ccscne-2016</a:t>
-            </a:r>
-            <a:endParaRPr lang="en-US"/>
-          </a:p>
-        </p:txBody>
-      </p:sp>
     </p:spTree>
     <p:extLst>
       <p:ext uri="{BB962C8B-B14F-4D97-AF65-F5344CB8AC3E}">
@@ -4988,29 +4878,6 @@
           </a:p>
         </p:txBody>
       </p:sp>
-      <p:sp>
-        <p:nvSpPr>
-          <p:cNvPr id="12" name="Footer Placeholder 11"/>
-          <p:cNvSpPr>
-            <a:spLocks noGrp="1"/>
-          </p:cNvSpPr>
-          <p:nvPr>
-            <p:ph type="ftr" sz="quarter" idx="11"/>
-          </p:nvPr>
-        </p:nvSpPr>
-        <p:spPr/>
-        <p:txBody>
-          <a:bodyPr/>
-          <a:lstStyle/>
-          <a:p>
-            <a:r>
-              <a:rPr lang="en-US" smtClean="0"/>
-              <a:t>https://github.com/StoneyJackson/git-ccscne-2016</a:t>
-            </a:r>
-            <a:endParaRPr lang="en-US"/>
-          </a:p>
-        </p:txBody>
-      </p:sp>
     </p:spTree>
     <p:extLst>
       <p:ext uri="{BB962C8B-B14F-4D97-AF65-F5344CB8AC3E}">
@@ -5577,29 +5444,6 @@
           </a:p>
         </p:txBody>
       </p:sp>
-      <p:sp>
-        <p:nvSpPr>
-          <p:cNvPr id="12" name="Footer Placeholder 11"/>
-          <p:cNvSpPr>
-            <a:spLocks noGrp="1"/>
-          </p:cNvSpPr>
-          <p:nvPr>
-            <p:ph type="ftr" sz="quarter" idx="11"/>
-          </p:nvPr>
-        </p:nvSpPr>
-        <p:spPr/>
-        <p:txBody>
-          <a:bodyPr/>
-          <a:lstStyle/>
-          <a:p>
-            <a:r>
-              <a:rPr lang="en-US" smtClean="0"/>
-              <a:t>https://github.com/StoneyJackson/git-ccscne-2016</a:t>
-            </a:r>
-            <a:endParaRPr lang="en-US"/>
-          </a:p>
-        </p:txBody>
-      </p:sp>
     </p:spTree>
     <p:extLst>
       <p:ext uri="{BB962C8B-B14F-4D97-AF65-F5344CB8AC3E}">
@@ -6206,29 +6050,6 @@
           </a:p>
         </p:txBody>
       </p:sp>
-      <p:sp>
-        <p:nvSpPr>
-          <p:cNvPr id="12" name="Footer Placeholder 11"/>
-          <p:cNvSpPr>
-            <a:spLocks noGrp="1"/>
-          </p:cNvSpPr>
-          <p:nvPr>
-            <p:ph type="ftr" sz="quarter" idx="11"/>
-          </p:nvPr>
-        </p:nvSpPr>
-        <p:spPr/>
-        <p:txBody>
-          <a:bodyPr/>
-          <a:lstStyle/>
-          <a:p>
-            <a:r>
-              <a:rPr lang="en-US" smtClean="0"/>
-              <a:t>https://github.com/StoneyJackson/git-ccscne-2016</a:t>
-            </a:r>
-            <a:endParaRPr lang="en-US"/>
-          </a:p>
-        </p:txBody>
-      </p:sp>
     </p:spTree>
     <p:extLst>
       <p:ext uri="{BB962C8B-B14F-4D97-AF65-F5344CB8AC3E}">
@@ -6873,29 +6694,6 @@
           </a:p>
         </p:txBody>
       </p:sp>
-      <p:sp>
-        <p:nvSpPr>
-          <p:cNvPr id="12" name="Footer Placeholder 11"/>
-          <p:cNvSpPr>
-            <a:spLocks noGrp="1"/>
-          </p:cNvSpPr>
-          <p:nvPr>
-            <p:ph type="ftr" sz="quarter" idx="11"/>
-          </p:nvPr>
-        </p:nvSpPr>
-        <p:spPr/>
-        <p:txBody>
-          <a:bodyPr/>
-          <a:lstStyle/>
-          <a:p>
-            <a:r>
-              <a:rPr lang="en-US" smtClean="0"/>
-              <a:t>https://github.com/StoneyJackson/git-ccscne-2016</a:t>
-            </a:r>
-            <a:endParaRPr lang="en-US"/>
-          </a:p>
-        </p:txBody>
-      </p:sp>
     </p:spTree>
     <p:extLst>
       <p:ext uri="{BB962C8B-B14F-4D97-AF65-F5344CB8AC3E}">
@@ -7494,29 +7292,6 @@
           </a:p>
         </p:txBody>
       </p:sp>
-      <p:sp>
-        <p:nvSpPr>
-          <p:cNvPr id="10" name="Footer Placeholder 9"/>
-          <p:cNvSpPr>
-            <a:spLocks noGrp="1"/>
-          </p:cNvSpPr>
-          <p:nvPr>
-            <p:ph type="ftr" sz="quarter" idx="11"/>
-          </p:nvPr>
-        </p:nvSpPr>
-        <p:spPr/>
-        <p:txBody>
-          <a:bodyPr/>
-          <a:lstStyle/>
-          <a:p>
-            <a:r>
-              <a:rPr lang="en-US" smtClean="0"/>
-              <a:t>https://github.com/StoneyJackson/git-ccscne-2016</a:t>
-            </a:r>
-            <a:endParaRPr lang="en-US"/>
-          </a:p>
-        </p:txBody>
-      </p:sp>
     </p:spTree>
     <p:extLst>
       <p:ext uri="{BB962C8B-B14F-4D97-AF65-F5344CB8AC3E}">
@@ -8157,29 +7932,6 @@
           </a:p>
         </p:txBody>
       </p:sp>
-      <p:sp>
-        <p:nvSpPr>
-          <p:cNvPr id="12" name="Footer Placeholder 11"/>
-          <p:cNvSpPr>
-            <a:spLocks noGrp="1"/>
-          </p:cNvSpPr>
-          <p:nvPr>
-            <p:ph type="ftr" sz="quarter" idx="11"/>
-          </p:nvPr>
-        </p:nvSpPr>
-        <p:spPr/>
-        <p:txBody>
-          <a:bodyPr/>
-          <a:lstStyle/>
-          <a:p>
-            <a:r>
-              <a:rPr lang="en-US" smtClean="0"/>
-              <a:t>https://github.com/StoneyJackson/git-ccscne-2016</a:t>
-            </a:r>
-            <a:endParaRPr lang="en-US"/>
-          </a:p>
-        </p:txBody>
-      </p:sp>
     </p:spTree>
     <p:extLst>
       <p:ext uri="{BB962C8B-B14F-4D97-AF65-F5344CB8AC3E}">
@@ -8896,29 +8648,6 @@
           </a:p>
         </p:txBody>
       </p:sp>
-      <p:sp>
-        <p:nvSpPr>
-          <p:cNvPr id="10" name="Footer Placeholder 9"/>
-          <p:cNvSpPr>
-            <a:spLocks noGrp="1"/>
-          </p:cNvSpPr>
-          <p:nvPr>
-            <p:ph type="ftr" sz="quarter" idx="11"/>
-          </p:nvPr>
-        </p:nvSpPr>
-        <p:spPr/>
-        <p:txBody>
-          <a:bodyPr/>
-          <a:lstStyle/>
-          <a:p>
-            <a:r>
-              <a:rPr lang="en-US" smtClean="0"/>
-              <a:t>https://github.com/StoneyJackson/git-ccscne-2016</a:t>
-            </a:r>
-            <a:endParaRPr lang="en-US"/>
-          </a:p>
-        </p:txBody>
-      </p:sp>
     </p:spTree>
     <p:extLst>
       <p:ext uri="{BB962C8B-B14F-4D97-AF65-F5344CB8AC3E}">
@@ -9636,29 +9365,6 @@
           </a:p>
         </p:txBody>
       </p:sp>
-      <p:sp>
-        <p:nvSpPr>
-          <p:cNvPr id="12" name="Footer Placeholder 11"/>
-          <p:cNvSpPr>
-            <a:spLocks noGrp="1"/>
-          </p:cNvSpPr>
-          <p:nvPr>
-            <p:ph type="ftr" sz="quarter" idx="11"/>
-          </p:nvPr>
-        </p:nvSpPr>
-        <p:spPr/>
-        <p:txBody>
-          <a:bodyPr/>
-          <a:lstStyle/>
-          <a:p>
-            <a:r>
-              <a:rPr lang="en-US" smtClean="0"/>
-              <a:t>https://github.com/StoneyJackson/git-ccscne-2016</a:t>
-            </a:r>
-            <a:endParaRPr lang="en-US"/>
-          </a:p>
-        </p:txBody>
-      </p:sp>
     </p:spTree>
     <p:extLst>
       <p:ext uri="{BB962C8B-B14F-4D97-AF65-F5344CB8AC3E}">
@@ -10414,29 +10120,6 @@
           </a:p>
         </p:txBody>
       </p:sp>
-      <p:sp>
-        <p:nvSpPr>
-          <p:cNvPr id="12" name="Footer Placeholder 11"/>
-          <p:cNvSpPr>
-            <a:spLocks noGrp="1"/>
-          </p:cNvSpPr>
-          <p:nvPr>
-            <p:ph type="ftr" sz="quarter" idx="11"/>
-          </p:nvPr>
-        </p:nvSpPr>
-        <p:spPr/>
-        <p:txBody>
-          <a:bodyPr/>
-          <a:lstStyle/>
-          <a:p>
-            <a:r>
-              <a:rPr lang="en-US" smtClean="0"/>
-              <a:t>https://github.com/StoneyJackson/git-ccscne-2016</a:t>
-            </a:r>
-            <a:endParaRPr lang="en-US"/>
-          </a:p>
-        </p:txBody>
-      </p:sp>
     </p:spTree>
     <p:extLst>
       <p:ext uri="{BB962C8B-B14F-4D97-AF65-F5344CB8AC3E}">
@@ -10562,29 +10245,6 @@
           </a:p>
         </p:txBody>
       </p:sp>
-      <p:sp>
-        <p:nvSpPr>
-          <p:cNvPr id="5" name="Footer Placeholder 4"/>
-          <p:cNvSpPr>
-            <a:spLocks noGrp="1"/>
-          </p:cNvSpPr>
-          <p:nvPr>
-            <p:ph type="ftr" sz="quarter" idx="11"/>
-          </p:nvPr>
-        </p:nvSpPr>
-        <p:spPr/>
-        <p:txBody>
-          <a:bodyPr/>
-          <a:lstStyle/>
-          <a:p>
-            <a:r>
-              <a:rPr lang="en-US" smtClean="0"/>
-              <a:t>https://github.com/StoneyJackson/git-ccscne-2016</a:t>
-            </a:r>
-            <a:endParaRPr lang="en-US"/>
-          </a:p>
-        </p:txBody>
-      </p:sp>
     </p:spTree>
     <p:extLst>
       <p:ext uri="{BB962C8B-B14F-4D97-AF65-F5344CB8AC3E}">
@@ -10980,29 +10640,6 @@
           </a:p>
         </p:txBody>
       </p:sp>
-      <p:sp>
-        <p:nvSpPr>
-          <p:cNvPr id="3" name="Footer Placeholder 2"/>
-          <p:cNvSpPr>
-            <a:spLocks noGrp="1"/>
-          </p:cNvSpPr>
-          <p:nvPr>
-            <p:ph type="ftr" sz="quarter" idx="11"/>
-          </p:nvPr>
-        </p:nvSpPr>
-        <p:spPr/>
-        <p:txBody>
-          <a:bodyPr/>
-          <a:lstStyle/>
-          <a:p>
-            <a:r>
-              <a:rPr lang="en-US" smtClean="0"/>
-              <a:t>https://github.com/StoneyJackson/git-ccscne-2016</a:t>
-            </a:r>
-            <a:endParaRPr lang="en-US"/>
-          </a:p>
-        </p:txBody>
-      </p:sp>
     </p:spTree>
     <p:extLst>
       <p:ext uri="{BB962C8B-B14F-4D97-AF65-F5344CB8AC3E}">
@@ -11465,29 +11102,6 @@
           </a:p>
         </p:txBody>
       </p:sp>
-      <p:sp>
-        <p:nvSpPr>
-          <p:cNvPr id="3" name="Footer Placeholder 2"/>
-          <p:cNvSpPr>
-            <a:spLocks noGrp="1"/>
-          </p:cNvSpPr>
-          <p:nvPr>
-            <p:ph type="ftr" sz="quarter" idx="11"/>
-          </p:nvPr>
-        </p:nvSpPr>
-        <p:spPr/>
-        <p:txBody>
-          <a:bodyPr/>
-          <a:lstStyle/>
-          <a:p>
-            <a:r>
-              <a:rPr lang="en-US" smtClean="0"/>
-              <a:t>https://github.com/StoneyJackson/git-ccscne-2016</a:t>
-            </a:r>
-            <a:endParaRPr lang="en-US"/>
-          </a:p>
-        </p:txBody>
-      </p:sp>
     </p:spTree>
     <p:extLst>
       <p:ext uri="{BB962C8B-B14F-4D97-AF65-F5344CB8AC3E}">
@@ -12036,29 +11650,6 @@
           </a:p>
         </p:txBody>
       </p:sp>
-      <p:sp>
-        <p:nvSpPr>
-          <p:cNvPr id="3" name="Footer Placeholder 2"/>
-          <p:cNvSpPr>
-            <a:spLocks noGrp="1"/>
-          </p:cNvSpPr>
-          <p:nvPr>
-            <p:ph type="ftr" sz="quarter" idx="11"/>
-          </p:nvPr>
-        </p:nvSpPr>
-        <p:spPr/>
-        <p:txBody>
-          <a:bodyPr/>
-          <a:lstStyle/>
-          <a:p>
-            <a:r>
-              <a:rPr lang="en-US" smtClean="0"/>
-              <a:t>https://github.com/StoneyJackson/git-ccscne-2016</a:t>
-            </a:r>
-            <a:endParaRPr lang="en-US"/>
-          </a:p>
-        </p:txBody>
-      </p:sp>
     </p:spTree>
     <p:extLst>
       <p:ext uri="{BB962C8B-B14F-4D97-AF65-F5344CB8AC3E}">
@@ -12722,29 +12313,6 @@
           </a:p>
         </p:txBody>
       </p:sp>
-      <p:sp>
-        <p:nvSpPr>
-          <p:cNvPr id="3" name="Footer Placeholder 2"/>
-          <p:cNvSpPr>
-            <a:spLocks noGrp="1"/>
-          </p:cNvSpPr>
-          <p:nvPr>
-            <p:ph type="ftr" sz="quarter" idx="11"/>
-          </p:nvPr>
-        </p:nvSpPr>
-        <p:spPr/>
-        <p:txBody>
-          <a:bodyPr/>
-          <a:lstStyle/>
-          <a:p>
-            <a:r>
-              <a:rPr lang="en-US" smtClean="0"/>
-              <a:t>https://github.com/StoneyJackson/git-ccscne-2016</a:t>
-            </a:r>
-            <a:endParaRPr lang="en-US"/>
-          </a:p>
-        </p:txBody>
-      </p:sp>
     </p:spTree>
     <p:extLst>
       <p:ext uri="{BB962C8B-B14F-4D97-AF65-F5344CB8AC3E}">
@@ -13426,29 +12994,6 @@
           </a:p>
         </p:txBody>
       </p:sp>
-      <p:sp>
-        <p:nvSpPr>
-          <p:cNvPr id="3" name="Footer Placeholder 2"/>
-          <p:cNvSpPr>
-            <a:spLocks noGrp="1"/>
-          </p:cNvSpPr>
-          <p:nvPr>
-            <p:ph type="ftr" sz="quarter" idx="11"/>
-          </p:nvPr>
-        </p:nvSpPr>
-        <p:spPr/>
-        <p:txBody>
-          <a:bodyPr/>
-          <a:lstStyle/>
-          <a:p>
-            <a:r>
-              <a:rPr lang="en-US" smtClean="0"/>
-              <a:t>https://github.com/StoneyJackson/git-ccscne-2016</a:t>
-            </a:r>
-            <a:endParaRPr lang="en-US"/>
-          </a:p>
-        </p:txBody>
-      </p:sp>
     </p:spTree>
     <p:extLst>
       <p:ext uri="{BB962C8B-B14F-4D97-AF65-F5344CB8AC3E}">
@@ -14136,29 +13681,6 @@
           </a:p>
         </p:txBody>
       </p:sp>
-      <p:sp>
-        <p:nvSpPr>
-          <p:cNvPr id="4" name="Footer Placeholder 3"/>
-          <p:cNvSpPr>
-            <a:spLocks noGrp="1"/>
-          </p:cNvSpPr>
-          <p:nvPr>
-            <p:ph type="ftr" sz="quarter" idx="11"/>
-          </p:nvPr>
-        </p:nvSpPr>
-        <p:spPr/>
-        <p:txBody>
-          <a:bodyPr/>
-          <a:lstStyle/>
-          <a:p>
-            <a:r>
-              <a:rPr lang="en-US" smtClean="0"/>
-              <a:t>https://github.com/StoneyJackson/git-ccscne-2016</a:t>
-            </a:r>
-            <a:endParaRPr lang="en-US"/>
-          </a:p>
-        </p:txBody>
-      </p:sp>
     </p:spTree>
     <p:extLst>
       <p:ext uri="{BB962C8B-B14F-4D97-AF65-F5344CB8AC3E}">
@@ -14944,29 +14466,6 @@
           </a:p>
         </p:txBody>
       </p:sp>
-      <p:sp>
-        <p:nvSpPr>
-          <p:cNvPr id="3" name="Footer Placeholder 2"/>
-          <p:cNvSpPr>
-            <a:spLocks noGrp="1"/>
-          </p:cNvSpPr>
-          <p:nvPr>
-            <p:ph type="ftr" sz="quarter" idx="11"/>
-          </p:nvPr>
-        </p:nvSpPr>
-        <p:spPr/>
-        <p:txBody>
-          <a:bodyPr/>
-          <a:lstStyle/>
-          <a:p>
-            <a:r>
-              <a:rPr lang="en-US" smtClean="0"/>
-              <a:t>https://github.com/StoneyJackson/git-ccscne-2016</a:t>
-            </a:r>
-            <a:endParaRPr lang="en-US"/>
-          </a:p>
-        </p:txBody>
-      </p:sp>
     </p:spTree>
     <p:extLst>
       <p:ext uri="{BB962C8B-B14F-4D97-AF65-F5344CB8AC3E}">
@@ -15828,29 +15327,6 @@
           </a:p>
         </p:txBody>
       </p:sp>
-      <p:sp>
-        <p:nvSpPr>
-          <p:cNvPr id="3" name="Footer Placeholder 2"/>
-          <p:cNvSpPr>
-            <a:spLocks noGrp="1"/>
-          </p:cNvSpPr>
-          <p:nvPr>
-            <p:ph type="ftr" sz="quarter" idx="11"/>
-          </p:nvPr>
-        </p:nvSpPr>
-        <p:spPr/>
-        <p:txBody>
-          <a:bodyPr/>
-          <a:lstStyle/>
-          <a:p>
-            <a:r>
-              <a:rPr lang="en-US" smtClean="0"/>
-              <a:t>https://github.com/StoneyJackson/git-ccscne-2016</a:t>
-            </a:r>
-            <a:endParaRPr lang="en-US"/>
-          </a:p>
-        </p:txBody>
-      </p:sp>
     </p:spTree>
     <p:extLst>
       <p:ext uri="{BB962C8B-B14F-4D97-AF65-F5344CB8AC3E}">
@@ -16764,29 +16240,6 @@
           </a:p>
         </p:txBody>
       </p:sp>
-      <p:sp>
-        <p:nvSpPr>
-          <p:cNvPr id="3" name="Footer Placeholder 2"/>
-          <p:cNvSpPr>
-            <a:spLocks noGrp="1"/>
-          </p:cNvSpPr>
-          <p:nvPr>
-            <p:ph type="ftr" sz="quarter" idx="11"/>
-          </p:nvPr>
-        </p:nvSpPr>
-        <p:spPr/>
-        <p:txBody>
-          <a:bodyPr/>
-          <a:lstStyle/>
-          <a:p>
-            <a:r>
-              <a:rPr lang="en-US" smtClean="0"/>
-              <a:t>https://github.com/StoneyJackson/git-ccscne-2016</a:t>
-            </a:r>
-            <a:endParaRPr lang="en-US"/>
-          </a:p>
-        </p:txBody>
-      </p:sp>
     </p:spTree>
     <p:extLst>
       <p:ext uri="{BB962C8B-B14F-4D97-AF65-F5344CB8AC3E}">
@@ -17807,29 +17260,6 @@
           </a:p>
         </p:txBody>
       </p:sp>
-      <p:sp>
-        <p:nvSpPr>
-          <p:cNvPr id="3" name="Footer Placeholder 2"/>
-          <p:cNvSpPr>
-            <a:spLocks noGrp="1"/>
-          </p:cNvSpPr>
-          <p:nvPr>
-            <p:ph type="ftr" sz="quarter" idx="11"/>
-          </p:nvPr>
-        </p:nvSpPr>
-        <p:spPr/>
-        <p:txBody>
-          <a:bodyPr/>
-          <a:lstStyle/>
-          <a:p>
-            <a:r>
-              <a:rPr lang="en-US" smtClean="0"/>
-              <a:t>https://github.com/StoneyJackson/git-ccscne-2016</a:t>
-            </a:r>
-            <a:endParaRPr lang="en-US"/>
-          </a:p>
-        </p:txBody>
-      </p:sp>
     </p:spTree>
     <p:extLst>
       <p:ext uri="{BB962C8B-B14F-4D97-AF65-F5344CB8AC3E}">
@@ -18001,29 +17431,6 @@
           </a:p>
         </p:txBody>
       </p:sp>
-      <p:sp>
-        <p:nvSpPr>
-          <p:cNvPr id="6" name="Footer Placeholder 5"/>
-          <p:cNvSpPr>
-            <a:spLocks noGrp="1"/>
-          </p:cNvSpPr>
-          <p:nvPr>
-            <p:ph type="ftr" sz="quarter" idx="11"/>
-          </p:nvPr>
-        </p:nvSpPr>
-        <p:spPr/>
-        <p:txBody>
-          <a:bodyPr/>
-          <a:lstStyle/>
-          <a:p>
-            <a:r>
-              <a:rPr lang="en-US" smtClean="0"/>
-              <a:t>https://github.com/StoneyJackson/git-ccscne-2016</a:t>
-            </a:r>
-            <a:endParaRPr lang="en-US"/>
-          </a:p>
-        </p:txBody>
-      </p:sp>
     </p:spTree>
     <p:extLst>
       <p:ext uri="{BB962C8B-B14F-4D97-AF65-F5344CB8AC3E}">
@@ -19239,29 +18646,6 @@
           </a:p>
         </p:txBody>
       </p:sp>
-      <p:sp>
-        <p:nvSpPr>
-          <p:cNvPr id="3" name="Footer Placeholder 2"/>
-          <p:cNvSpPr>
-            <a:spLocks noGrp="1"/>
-          </p:cNvSpPr>
-          <p:nvPr>
-            <p:ph type="ftr" sz="quarter" idx="11"/>
-          </p:nvPr>
-        </p:nvSpPr>
-        <p:spPr/>
-        <p:txBody>
-          <a:bodyPr/>
-          <a:lstStyle/>
-          <a:p>
-            <a:r>
-              <a:rPr lang="en-US" smtClean="0"/>
-              <a:t>https://github.com/StoneyJackson/git-ccscne-2016</a:t>
-            </a:r>
-            <a:endParaRPr lang="en-US"/>
-          </a:p>
-        </p:txBody>
-      </p:sp>
     </p:spTree>
     <p:extLst>
       <p:ext uri="{BB962C8B-B14F-4D97-AF65-F5344CB8AC3E}">
@@ -20255,29 +19639,6 @@
           </a:p>
         </p:txBody>
       </p:sp>
-      <p:sp>
-        <p:nvSpPr>
-          <p:cNvPr id="3" name="Footer Placeholder 2"/>
-          <p:cNvSpPr>
-            <a:spLocks noGrp="1"/>
-          </p:cNvSpPr>
-          <p:nvPr>
-            <p:ph type="ftr" sz="quarter" idx="11"/>
-          </p:nvPr>
-        </p:nvSpPr>
-        <p:spPr/>
-        <p:txBody>
-          <a:bodyPr/>
-          <a:lstStyle/>
-          <a:p>
-            <a:r>
-              <a:rPr lang="en-US" smtClean="0"/>
-              <a:t>https://github.com/StoneyJackson/git-ccscne-2016</a:t>
-            </a:r>
-            <a:endParaRPr lang="en-US"/>
-          </a:p>
-        </p:txBody>
-      </p:sp>
     </p:spTree>
     <p:extLst>
       <p:ext uri="{BB962C8B-B14F-4D97-AF65-F5344CB8AC3E}">
@@ -21347,29 +20708,6 @@
           </a:p>
         </p:txBody>
       </p:sp>
-      <p:sp>
-        <p:nvSpPr>
-          <p:cNvPr id="3" name="Footer Placeholder 2"/>
-          <p:cNvSpPr>
-            <a:spLocks noGrp="1"/>
-          </p:cNvSpPr>
-          <p:nvPr>
-            <p:ph type="ftr" sz="quarter" idx="11"/>
-          </p:nvPr>
-        </p:nvSpPr>
-        <p:spPr/>
-        <p:txBody>
-          <a:bodyPr/>
-          <a:lstStyle/>
-          <a:p>
-            <a:r>
-              <a:rPr lang="en-US" smtClean="0"/>
-              <a:t>https://github.com/StoneyJackson/git-ccscne-2016</a:t>
-            </a:r>
-            <a:endParaRPr lang="en-US"/>
-          </a:p>
-        </p:txBody>
-      </p:sp>
     </p:spTree>
     <p:extLst>
       <p:ext uri="{BB962C8B-B14F-4D97-AF65-F5344CB8AC3E}">
@@ -22436,29 +21774,6 @@
           </a:p>
         </p:txBody>
       </p:sp>
-      <p:sp>
-        <p:nvSpPr>
-          <p:cNvPr id="3" name="Footer Placeholder 2"/>
-          <p:cNvSpPr>
-            <a:spLocks noGrp="1"/>
-          </p:cNvSpPr>
-          <p:nvPr>
-            <p:ph type="ftr" sz="quarter" idx="11"/>
-          </p:nvPr>
-        </p:nvSpPr>
-        <p:spPr/>
-        <p:txBody>
-          <a:bodyPr/>
-          <a:lstStyle/>
-          <a:p>
-            <a:r>
-              <a:rPr lang="en-US" smtClean="0"/>
-              <a:t>https://github.com/StoneyJackson/git-ccscne-2016</a:t>
-            </a:r>
-            <a:endParaRPr lang="en-US"/>
-          </a:p>
-        </p:txBody>
-      </p:sp>
     </p:spTree>
     <p:extLst>
       <p:ext uri="{BB962C8B-B14F-4D97-AF65-F5344CB8AC3E}">
@@ -23610,29 +22925,6 @@
           </a:p>
         </p:txBody>
       </p:sp>
-      <p:sp>
-        <p:nvSpPr>
-          <p:cNvPr id="3" name="Footer Placeholder 2"/>
-          <p:cNvSpPr>
-            <a:spLocks noGrp="1"/>
-          </p:cNvSpPr>
-          <p:nvPr>
-            <p:ph type="ftr" sz="quarter" idx="11"/>
-          </p:nvPr>
-        </p:nvSpPr>
-        <p:spPr/>
-        <p:txBody>
-          <a:bodyPr/>
-          <a:lstStyle/>
-          <a:p>
-            <a:r>
-              <a:rPr lang="en-US" smtClean="0"/>
-              <a:t>https://github.com/StoneyJackson/git-ccscne-2016</a:t>
-            </a:r>
-            <a:endParaRPr lang="en-US"/>
-          </a:p>
-        </p:txBody>
-      </p:sp>
     </p:spTree>
     <p:extLst>
       <p:ext uri="{BB962C8B-B14F-4D97-AF65-F5344CB8AC3E}">
@@ -24636,29 +23928,6 @@
           </a:p>
         </p:txBody>
       </p:sp>
-      <p:sp>
-        <p:nvSpPr>
-          <p:cNvPr id="3" name="Footer Placeholder 2"/>
-          <p:cNvSpPr>
-            <a:spLocks noGrp="1"/>
-          </p:cNvSpPr>
-          <p:nvPr>
-            <p:ph type="ftr" sz="quarter" idx="11"/>
-          </p:nvPr>
-        </p:nvSpPr>
-        <p:spPr/>
-        <p:txBody>
-          <a:bodyPr/>
-          <a:lstStyle/>
-          <a:p>
-            <a:r>
-              <a:rPr lang="en-US" smtClean="0"/>
-              <a:t>https://github.com/StoneyJackson/git-ccscne-2016</a:t>
-            </a:r>
-            <a:endParaRPr lang="en-US"/>
-          </a:p>
-        </p:txBody>
-      </p:sp>
     </p:spTree>
     <p:extLst>
       <p:ext uri="{BB962C8B-B14F-4D97-AF65-F5344CB8AC3E}">
@@ -25662,29 +24931,6 @@
           </a:p>
         </p:txBody>
       </p:sp>
-      <p:sp>
-        <p:nvSpPr>
-          <p:cNvPr id="3" name="Footer Placeholder 2"/>
-          <p:cNvSpPr>
-            <a:spLocks noGrp="1"/>
-          </p:cNvSpPr>
-          <p:nvPr>
-            <p:ph type="ftr" sz="quarter" idx="11"/>
-          </p:nvPr>
-        </p:nvSpPr>
-        <p:spPr/>
-        <p:txBody>
-          <a:bodyPr/>
-          <a:lstStyle/>
-          <a:p>
-            <a:r>
-              <a:rPr lang="en-US" smtClean="0"/>
-              <a:t>https://github.com/StoneyJackson/git-ccscne-2016</a:t>
-            </a:r>
-            <a:endParaRPr lang="en-US"/>
-          </a:p>
-        </p:txBody>
-      </p:sp>
     </p:spTree>
     <p:extLst>
       <p:ext uri="{BB962C8B-B14F-4D97-AF65-F5344CB8AC3E}">
@@ -26612,29 +25858,6 @@
           </a:p>
         </p:txBody>
       </p:sp>
-      <p:sp>
-        <p:nvSpPr>
-          <p:cNvPr id="3" name="Footer Placeholder 2"/>
-          <p:cNvSpPr>
-            <a:spLocks noGrp="1"/>
-          </p:cNvSpPr>
-          <p:nvPr>
-            <p:ph type="ftr" sz="quarter" idx="11"/>
-          </p:nvPr>
-        </p:nvSpPr>
-        <p:spPr/>
-        <p:txBody>
-          <a:bodyPr/>
-          <a:lstStyle/>
-          <a:p>
-            <a:r>
-              <a:rPr lang="en-US" smtClean="0"/>
-              <a:t>https://github.com/StoneyJackson/git-ccscne-2016</a:t>
-            </a:r>
-            <a:endParaRPr lang="en-US"/>
-          </a:p>
-        </p:txBody>
-      </p:sp>
     </p:spTree>
     <p:extLst>
       <p:ext uri="{BB962C8B-B14F-4D97-AF65-F5344CB8AC3E}">
@@ -27538,29 +26761,6 @@
           </a:p>
         </p:txBody>
       </p:sp>
-      <p:sp>
-        <p:nvSpPr>
-          <p:cNvPr id="4" name="Footer Placeholder 3"/>
-          <p:cNvSpPr>
-            <a:spLocks noGrp="1"/>
-          </p:cNvSpPr>
-          <p:nvPr>
-            <p:ph type="ftr" sz="quarter" idx="11"/>
-          </p:nvPr>
-        </p:nvSpPr>
-        <p:spPr/>
-        <p:txBody>
-          <a:bodyPr/>
-          <a:lstStyle/>
-          <a:p>
-            <a:r>
-              <a:rPr lang="en-US" smtClean="0"/>
-              <a:t>https://github.com/StoneyJackson/git-ccscne-2016</a:t>
-            </a:r>
-            <a:endParaRPr lang="en-US"/>
-          </a:p>
-        </p:txBody>
-      </p:sp>
     </p:spTree>
     <p:extLst>
       <p:ext uri="{BB962C8B-B14F-4D97-AF65-F5344CB8AC3E}">
@@ -28462,29 +27662,6 @@
           </a:p>
         </p:txBody>
       </p:sp>
-      <p:sp>
-        <p:nvSpPr>
-          <p:cNvPr id="3" name="Footer Placeholder 2"/>
-          <p:cNvSpPr>
-            <a:spLocks noGrp="1"/>
-          </p:cNvSpPr>
-          <p:nvPr>
-            <p:ph type="ftr" sz="quarter" idx="11"/>
-          </p:nvPr>
-        </p:nvSpPr>
-        <p:spPr/>
-        <p:txBody>
-          <a:bodyPr/>
-          <a:lstStyle/>
-          <a:p>
-            <a:r>
-              <a:rPr lang="en-US" smtClean="0"/>
-              <a:t>https://github.com/StoneyJackson/git-ccscne-2016</a:t>
-            </a:r>
-            <a:endParaRPr lang="en-US"/>
-          </a:p>
-        </p:txBody>
-      </p:sp>
     </p:spTree>
     <p:extLst>
       <p:ext uri="{BB962C8B-B14F-4D97-AF65-F5344CB8AC3E}">
@@ -28701,29 +27878,6 @@
               <a:rPr lang="en-US" smtClean="0"/>
               <a:t>4</a:t>
             </a:fld>
-            <a:endParaRPr lang="en-US"/>
-          </a:p>
-        </p:txBody>
-      </p:sp>
-      <p:sp>
-        <p:nvSpPr>
-          <p:cNvPr id="5" name="Footer Placeholder 4"/>
-          <p:cNvSpPr>
-            <a:spLocks noGrp="1"/>
-          </p:cNvSpPr>
-          <p:nvPr>
-            <p:ph type="ftr" sz="quarter" idx="11"/>
-          </p:nvPr>
-        </p:nvSpPr>
-        <p:spPr/>
-        <p:txBody>
-          <a:bodyPr/>
-          <a:lstStyle/>
-          <a:p>
-            <a:r>
-              <a:rPr lang="en-US" smtClean="0"/>
-              <a:t>https://github.com/StoneyJackson/git-ccscne-2016</a:t>
-            </a:r>
             <a:endParaRPr lang="en-US"/>
           </a:p>
         </p:txBody>
@@ -29798,29 +28952,6 @@
           </a:p>
         </p:txBody>
       </p:sp>
-      <p:sp>
-        <p:nvSpPr>
-          <p:cNvPr id="3" name="Footer Placeholder 2"/>
-          <p:cNvSpPr>
-            <a:spLocks noGrp="1"/>
-          </p:cNvSpPr>
-          <p:nvPr>
-            <p:ph type="ftr" sz="quarter" idx="11"/>
-          </p:nvPr>
-        </p:nvSpPr>
-        <p:spPr/>
-        <p:txBody>
-          <a:bodyPr/>
-          <a:lstStyle/>
-          <a:p>
-            <a:r>
-              <a:rPr lang="en-US" smtClean="0"/>
-              <a:t>https://github.com/StoneyJackson/git-ccscne-2016</a:t>
-            </a:r>
-            <a:endParaRPr lang="en-US"/>
-          </a:p>
-        </p:txBody>
-      </p:sp>
     </p:spTree>
     <p:extLst>
       <p:ext uri="{BB962C8B-B14F-4D97-AF65-F5344CB8AC3E}">
@@ -30884,29 +30015,6 @@
           </a:p>
         </p:txBody>
       </p:sp>
-      <p:sp>
-        <p:nvSpPr>
-          <p:cNvPr id="3" name="Footer Placeholder 2"/>
-          <p:cNvSpPr>
-            <a:spLocks noGrp="1"/>
-          </p:cNvSpPr>
-          <p:nvPr>
-            <p:ph type="ftr" sz="quarter" idx="11"/>
-          </p:nvPr>
-        </p:nvSpPr>
-        <p:spPr/>
-        <p:txBody>
-          <a:bodyPr/>
-          <a:lstStyle/>
-          <a:p>
-            <a:r>
-              <a:rPr lang="en-US" smtClean="0"/>
-              <a:t>https://github.com/StoneyJackson/git-ccscne-2016</a:t>
-            </a:r>
-            <a:endParaRPr lang="en-US"/>
-          </a:p>
-        </p:txBody>
-      </p:sp>
     </p:spTree>
     <p:extLst>
       <p:ext uri="{BB962C8B-B14F-4D97-AF65-F5344CB8AC3E}">
@@ -31966,29 +31074,6 @@
           </a:p>
         </p:txBody>
       </p:sp>
-      <p:sp>
-        <p:nvSpPr>
-          <p:cNvPr id="3" name="Footer Placeholder 2"/>
-          <p:cNvSpPr>
-            <a:spLocks noGrp="1"/>
-          </p:cNvSpPr>
-          <p:nvPr>
-            <p:ph type="ftr" sz="quarter" idx="11"/>
-          </p:nvPr>
-        </p:nvSpPr>
-        <p:spPr/>
-        <p:txBody>
-          <a:bodyPr/>
-          <a:lstStyle/>
-          <a:p>
-            <a:r>
-              <a:rPr lang="en-US" smtClean="0"/>
-              <a:t>https://github.com/StoneyJackson/git-ccscne-2016</a:t>
-            </a:r>
-            <a:endParaRPr lang="en-US"/>
-          </a:p>
-        </p:txBody>
-      </p:sp>
     </p:spTree>
     <p:extLst>
       <p:ext uri="{BB962C8B-B14F-4D97-AF65-F5344CB8AC3E}">
@@ -32990,29 +32075,6 @@
           </a:p>
         </p:txBody>
       </p:sp>
-      <p:sp>
-        <p:nvSpPr>
-          <p:cNvPr id="3" name="Footer Placeholder 2"/>
-          <p:cNvSpPr>
-            <a:spLocks noGrp="1"/>
-          </p:cNvSpPr>
-          <p:nvPr>
-            <p:ph type="ftr" sz="quarter" idx="11"/>
-          </p:nvPr>
-        </p:nvSpPr>
-        <p:spPr/>
-        <p:txBody>
-          <a:bodyPr/>
-          <a:lstStyle/>
-          <a:p>
-            <a:r>
-              <a:rPr lang="en-US" smtClean="0"/>
-              <a:t>https://github.com/StoneyJackson/git-ccscne-2016</a:t>
-            </a:r>
-            <a:endParaRPr lang="en-US"/>
-          </a:p>
-        </p:txBody>
-      </p:sp>
     </p:spTree>
     <p:extLst>
       <p:ext uri="{BB962C8B-B14F-4D97-AF65-F5344CB8AC3E}">
@@ -33147,29 +32209,6 @@
       </p:sp>
       <p:sp>
         <p:nvSpPr>
-          <p:cNvPr id="4" name="Footer Placeholder 3"/>
-          <p:cNvSpPr>
-            <a:spLocks noGrp="1"/>
-          </p:cNvSpPr>
-          <p:nvPr>
-            <p:ph type="ftr" sz="quarter" idx="11"/>
-          </p:nvPr>
-        </p:nvSpPr>
-        <p:spPr/>
-        <p:txBody>
-          <a:bodyPr/>
-          <a:lstStyle/>
-          <a:p>
-            <a:r>
-              <a:rPr lang="en-US" smtClean="0"/>
-              <a:t>https://github.com/StoneyJackson/git-ccscne-2016</a:t>
-            </a:r>
-            <a:endParaRPr lang="en-US"/>
-          </a:p>
-        </p:txBody>
-      </p:sp>
-      <p:sp>
-        <p:nvSpPr>
           <p:cNvPr id="5" name="Slide Number Placeholder 4"/>
           <p:cNvSpPr>
             <a:spLocks noGrp="1"/>
@@ -33306,29 +32345,6 @@
               <a:t>Referenced by activity</a:t>
             </a:r>
             <a:endParaRPr lang="en-US" dirty="0"/>
-          </a:p>
-        </p:txBody>
-      </p:sp>
-      <p:sp>
-        <p:nvSpPr>
-          <p:cNvPr id="4" name="Footer Placeholder 3"/>
-          <p:cNvSpPr>
-            <a:spLocks noGrp="1"/>
-          </p:cNvSpPr>
-          <p:nvPr>
-            <p:ph type="ftr" sz="quarter" idx="11"/>
-          </p:nvPr>
-        </p:nvSpPr>
-        <p:spPr/>
-        <p:txBody>
-          <a:bodyPr/>
-          <a:lstStyle/>
-          <a:p>
-            <a:r>
-              <a:rPr lang="en-US" smtClean="0"/>
-              <a:t>https://github.com/StoneyJackson/git-ccscne-2016</a:t>
-            </a:r>
-            <a:endParaRPr lang="en-US"/>
           </a:p>
         </p:txBody>
       </p:sp>
@@ -34492,29 +33508,6 @@
           </a:p>
         </p:txBody>
       </p:sp>
-      <p:sp>
-        <p:nvSpPr>
-          <p:cNvPr id="2" name="Footer Placeholder 1"/>
-          <p:cNvSpPr>
-            <a:spLocks noGrp="1"/>
-          </p:cNvSpPr>
-          <p:nvPr>
-            <p:ph type="ftr" sz="quarter" idx="11"/>
-          </p:nvPr>
-        </p:nvSpPr>
-        <p:spPr/>
-        <p:txBody>
-          <a:bodyPr/>
-          <a:lstStyle/>
-          <a:p>
-            <a:r>
-              <a:rPr lang="en-US" smtClean="0"/>
-              <a:t>https://github.com/StoneyJackson/git-ccscne-2016</a:t>
-            </a:r>
-            <a:endParaRPr lang="en-US"/>
-          </a:p>
-        </p:txBody>
-      </p:sp>
     </p:spTree>
     <p:extLst>
       <p:ext uri="{BB962C8B-B14F-4D97-AF65-F5344CB8AC3E}">
@@ -34666,29 +33659,6 @@
               <a:t>http://creativecommons.org/licenses/by-sa/4.0/</a:t>
             </a:r>
             <a:endParaRPr lang="en-US" sz="1400" dirty="0"/>
-          </a:p>
-        </p:txBody>
-      </p:sp>
-      <p:sp>
-        <p:nvSpPr>
-          <p:cNvPr id="4" name="Footer Placeholder 3"/>
-          <p:cNvSpPr>
-            <a:spLocks noGrp="1"/>
-          </p:cNvSpPr>
-          <p:nvPr>
-            <p:ph type="ftr" sz="quarter" idx="11"/>
-          </p:nvPr>
-        </p:nvSpPr>
-        <p:spPr/>
-        <p:txBody>
-          <a:bodyPr/>
-          <a:lstStyle/>
-          <a:p>
-            <a:r>
-              <a:rPr lang="en-US" smtClean="0"/>
-              <a:t>https://github.com/StoneyJackson/git-ccscne-2016</a:t>
-            </a:r>
-            <a:endParaRPr lang="en-US"/>
           </a:p>
         </p:txBody>
       </p:sp>
@@ -35139,29 +34109,6 @@
           </a:p>
         </p:txBody>
       </p:sp>
-      <p:sp>
-        <p:nvSpPr>
-          <p:cNvPr id="5" name="Footer Placeholder 4"/>
-          <p:cNvSpPr>
-            <a:spLocks noGrp="1"/>
-          </p:cNvSpPr>
-          <p:nvPr>
-            <p:ph type="ftr" sz="quarter" idx="11"/>
-          </p:nvPr>
-        </p:nvSpPr>
-        <p:spPr/>
-        <p:txBody>
-          <a:bodyPr/>
-          <a:lstStyle/>
-          <a:p>
-            <a:r>
-              <a:rPr lang="en-US" smtClean="0"/>
-              <a:t>https://github.com/StoneyJackson/git-ccscne-2016</a:t>
-            </a:r>
-            <a:endParaRPr lang="en-US"/>
-          </a:p>
-        </p:txBody>
-      </p:sp>
     </p:spTree>
     <p:extLst>
       <p:ext uri="{BB962C8B-B14F-4D97-AF65-F5344CB8AC3E}">
@@ -35469,29 +34416,6 @@
           </a:p>
         </p:txBody>
       </p:sp>
-      <p:sp>
-        <p:nvSpPr>
-          <p:cNvPr id="5" name="Footer Placeholder 4"/>
-          <p:cNvSpPr>
-            <a:spLocks noGrp="1"/>
-          </p:cNvSpPr>
-          <p:nvPr>
-            <p:ph type="ftr" sz="quarter" idx="11"/>
-          </p:nvPr>
-        </p:nvSpPr>
-        <p:spPr/>
-        <p:txBody>
-          <a:bodyPr/>
-          <a:lstStyle/>
-          <a:p>
-            <a:r>
-              <a:rPr lang="en-US" smtClean="0"/>
-              <a:t>https://github.com/StoneyJackson/git-ccscne-2016</a:t>
-            </a:r>
-            <a:endParaRPr lang="en-US"/>
-          </a:p>
-        </p:txBody>
-      </p:sp>
     </p:spTree>
     <p:extLst>
       <p:ext uri="{BB962C8B-B14F-4D97-AF65-F5344CB8AC3E}">
@@ -35845,29 +34769,6 @@
               <a:rPr lang="en-US" smtClean="0"/>
               <a:t>7</a:t>
             </a:fld>
-            <a:endParaRPr lang="en-US"/>
-          </a:p>
-        </p:txBody>
-      </p:sp>
-      <p:sp>
-        <p:nvSpPr>
-          <p:cNvPr id="5" name="Footer Placeholder 4"/>
-          <p:cNvSpPr>
-            <a:spLocks noGrp="1"/>
-          </p:cNvSpPr>
-          <p:nvPr>
-            <p:ph type="ftr" sz="quarter" idx="11"/>
-          </p:nvPr>
-        </p:nvSpPr>
-        <p:spPr/>
-        <p:txBody>
-          <a:bodyPr/>
-          <a:lstStyle/>
-          <a:p>
-            <a:r>
-              <a:rPr lang="en-US" smtClean="0"/>
-              <a:t>https://github.com/StoneyJackson/git-ccscne-2016</a:t>
-            </a:r>
             <a:endParaRPr lang="en-US"/>
           </a:p>
         </p:txBody>
@@ -36349,29 +35250,6 @@
           </a:p>
         </p:txBody>
       </p:sp>
-      <p:sp>
-        <p:nvSpPr>
-          <p:cNvPr id="10" name="Footer Placeholder 9"/>
-          <p:cNvSpPr>
-            <a:spLocks noGrp="1"/>
-          </p:cNvSpPr>
-          <p:nvPr>
-            <p:ph type="ftr" sz="quarter" idx="11"/>
-          </p:nvPr>
-        </p:nvSpPr>
-        <p:spPr/>
-        <p:txBody>
-          <a:bodyPr/>
-          <a:lstStyle/>
-          <a:p>
-            <a:r>
-              <a:rPr lang="en-US" smtClean="0"/>
-              <a:t>https://github.com/StoneyJackson/git-ccscne-2016</a:t>
-            </a:r>
-            <a:endParaRPr lang="en-US"/>
-          </a:p>
-        </p:txBody>
-      </p:sp>
     </p:spTree>
     <p:extLst>
       <p:ext uri="{BB962C8B-B14F-4D97-AF65-F5344CB8AC3E}">
@@ -36814,29 +35692,6 @@
               <a:rPr lang="en-US" smtClean="0"/>
               <a:t>9</a:t>
             </a:fld>
-            <a:endParaRPr lang="en-US"/>
-          </a:p>
-        </p:txBody>
-      </p:sp>
-      <p:sp>
-        <p:nvSpPr>
-          <p:cNvPr id="10" name="Footer Placeholder 9"/>
-          <p:cNvSpPr>
-            <a:spLocks noGrp="1"/>
-          </p:cNvSpPr>
-          <p:nvPr>
-            <p:ph type="ftr" sz="quarter" idx="11"/>
-          </p:nvPr>
-        </p:nvSpPr>
-        <p:spPr/>
-        <p:txBody>
-          <a:bodyPr/>
-          <a:lstStyle/>
-          <a:p>
-            <a:r>
-              <a:rPr lang="en-US" smtClean="0"/>
-              <a:t>https://github.com/StoneyJackson/git-ccscne-2016</a:t>
-            </a:r>
             <a:endParaRPr lang="en-US"/>
           </a:p>
         </p:txBody>

--- a/presentation.pptx
+++ b/presentation.pptx
@@ -33631,8 +33631,25 @@
             <a:pPr lvl="1"/>
             <a:r>
               <a:rPr lang="en-US" sz="1400" dirty="0"/>
-              <a:t>This work is copyrighted by the authors</a:t>
-            </a:r>
+              <a:t>This work is copyrighted by </a:t>
+            </a:r>
+            <a:r>
+              <a:rPr lang="en-US" sz="1400" dirty="0" err="1" smtClean="0"/>
+              <a:t>Darci</a:t>
+            </a:r>
+            <a:r>
+              <a:rPr lang="en-US" sz="1400" dirty="0" smtClean="0"/>
+              <a:t> </a:t>
+            </a:r>
+            <a:r>
+              <a:rPr lang="en-US" sz="1400" dirty="0" err="1" smtClean="0"/>
+              <a:t>Burdge</a:t>
+            </a:r>
+            <a:r>
+              <a:rPr lang="en-US" sz="1400" dirty="0" smtClean="0"/>
+              <a:t> and Stoney Jackson, some rights reserved</a:t>
+            </a:r>
+            <a:endParaRPr lang="en-US" sz="1400" dirty="0"/>
           </a:p>
           <a:p>
             <a:pPr lvl="1"/>

--- a/presentation.pptx
+++ b/presentation.pptx
@@ -3987,7 +3987,12 @@
             <p:ph type="ctrTitle"/>
           </p:nvPr>
         </p:nvSpPr>
-        <p:spPr/>
+        <p:spPr>
+          <a:xfrm>
+            <a:off x="685800" y="587369"/>
+            <a:ext cx="7772400" cy="1470025"/>
+          </a:xfrm>
+        </p:spPr>
         <p:txBody>
           <a:bodyPr/>
           <a:lstStyle/>
@@ -4013,18 +4018,19 @@
             <p:ph type="subTitle" idx="1"/>
           </p:nvPr>
         </p:nvSpPr>
-        <p:spPr/>
+        <p:spPr>
+          <a:xfrm>
+            <a:off x="1371600" y="2557456"/>
+            <a:ext cx="6400800" cy="1752600"/>
+          </a:xfrm>
+        </p:spPr>
         <p:txBody>
           <a:bodyPr/>
           <a:lstStyle/>
           <a:p>
             <a:r>
-              <a:rPr lang="en-US" dirty="0" err="1"/>
-              <a:t>Darci</a:t>
-            </a:r>
-            <a:r>
               <a:rPr lang="en-US" dirty="0"/>
-              <a:t> </a:t>
+              <a:t>Darci </a:t>
             </a:r>
             <a:r>
               <a:rPr lang="en-US" dirty="0" err="1"/>
@@ -4060,6 +4066,81 @@
               <a:t>1</a:t>
             </a:fld>
             <a:endParaRPr lang="en-US"/>
+          </a:p>
+        </p:txBody>
+      </p:sp>
+      <p:sp>
+        <p:nvSpPr>
+          <p:cNvPr id="5" name="Rectangle 4">
+            <a:extLst>
+              <a:ext uri="{FF2B5EF4-FFF2-40B4-BE49-F238E27FC236}">
+                <a16:creationId xmlns:a16="http://schemas.microsoft.com/office/drawing/2014/main" id="{53CC9DB1-BF76-AC41-A88C-AA7D6357233C}"/>
+              </a:ext>
+            </a:extLst>
+          </p:cNvPr>
+          <p:cNvSpPr/>
+          <p:nvPr/>
+        </p:nvSpPr>
+        <p:spPr>
+          <a:xfrm>
+            <a:off x="350044" y="4900136"/>
+            <a:ext cx="8443912" cy="1477328"/>
+          </a:xfrm>
+          <a:prstGeom prst="rect">
+            <a:avLst/>
+          </a:prstGeom>
+        </p:spPr>
+        <p:txBody>
+          <a:bodyPr wrap="square">
+            <a:spAutoFit/>
+          </a:bodyPr>
+          <a:lstStyle/>
+          <a:p>
+            <a:r>
+              <a:rPr lang="en-US" dirty="0"/>
+              <a:t>Copyright 2018 Darci </a:t>
+            </a:r>
+            <a:r>
+              <a:rPr lang="en-US" dirty="0" err="1"/>
+              <a:t>Burdge</a:t>
+            </a:r>
+            <a:r>
+              <a:rPr lang="en-US" dirty="0"/>
+              <a:t> and Stoney Jackson SOME RIGHTS RESERVED</a:t>
+            </a:r>
+          </a:p>
+          <a:p>
+            <a:endParaRPr lang="en-US" dirty="0"/>
+          </a:p>
+          <a:p>
+            <a:r>
+              <a:rPr lang="en-US" dirty="0"/>
+              <a:t>This work is licensed under the Creative Commons Attribution-</a:t>
+            </a:r>
+            <a:r>
+              <a:rPr lang="en-US" dirty="0" err="1"/>
+              <a:t>ShareAlike</a:t>
+            </a:r>
+            <a:r>
+              <a:rPr lang="en-US" dirty="0"/>
+              <a:t> 4.0 International License. To view a copy of this license, visit http://</a:t>
+            </a:r>
+            <a:r>
+              <a:rPr lang="en-US" dirty="0" err="1"/>
+              <a:t>creativecommons.org</a:t>
+            </a:r>
+            <a:r>
+              <a:rPr lang="en-US" dirty="0"/>
+              <a:t>/licenses/by-</a:t>
+            </a:r>
+            <a:r>
+              <a:rPr lang="en-US" dirty="0" err="1"/>
+              <a:t>sa</a:t>
+            </a:r>
+            <a:r>
+              <a:rPr lang="en-US" dirty="0"/>
+              <a:t>/4.0/ .</a:t>
+            </a:r>
           </a:p>
         </p:txBody>
       </p:sp>
@@ -44316,7 +44397,7 @@
           <a:noFill/>
           <a:extLst>
             <a:ext uri="{909E8E84-426E-40dd-AFC4-6F175D3DCCD1}">
-              <a14:hiddenFill xmlns:a14="http://schemas.microsoft.com/office/drawing/2010/main" xmlns="">
+              <a14:hiddenFill xmlns="" xmlns:a14="http://schemas.microsoft.com/office/drawing/2010/main">
                 <a:solidFill>
                   <a:srgbClr val="FFFFFF"/>
                 </a:solidFill>

--- a/presentation.pptx
+++ b/presentation.pptx
@@ -5,10 +5,10 @@
     <p:sldMasterId id="2147483648" r:id="rId1"/>
   </p:sldMasterIdLst>
   <p:notesMasterIdLst>
-    <p:notesMasterId r:id="rId56"/>
+    <p:notesMasterId r:id="rId57"/>
   </p:notesMasterIdLst>
   <p:handoutMasterIdLst>
-    <p:handoutMasterId r:id="rId57"/>
+    <p:handoutMasterId r:id="rId58"/>
   </p:handoutMasterIdLst>
   <p:sldIdLst>
     <p:sldId id="256" r:id="rId2"/>
@@ -53,18 +53,19 @@
     <p:sldId id="371" r:id="rId41"/>
     <p:sldId id="372" r:id="rId42"/>
     <p:sldId id="373" r:id="rId43"/>
-    <p:sldId id="374" r:id="rId44"/>
-    <p:sldId id="375" r:id="rId45"/>
-    <p:sldId id="376" r:id="rId46"/>
-    <p:sldId id="377" r:id="rId47"/>
-    <p:sldId id="378" r:id="rId48"/>
-    <p:sldId id="379" r:id="rId49"/>
-    <p:sldId id="380" r:id="rId50"/>
-    <p:sldId id="381" r:id="rId51"/>
-    <p:sldId id="382" r:id="rId52"/>
-    <p:sldId id="383" r:id="rId53"/>
-    <p:sldId id="384" r:id="rId54"/>
-    <p:sldId id="330" r:id="rId55"/>
+    <p:sldId id="385" r:id="rId44"/>
+    <p:sldId id="374" r:id="rId45"/>
+    <p:sldId id="375" r:id="rId46"/>
+    <p:sldId id="376" r:id="rId47"/>
+    <p:sldId id="377" r:id="rId48"/>
+    <p:sldId id="378" r:id="rId49"/>
+    <p:sldId id="379" r:id="rId50"/>
+    <p:sldId id="380" r:id="rId51"/>
+    <p:sldId id="381" r:id="rId52"/>
+    <p:sldId id="382" r:id="rId53"/>
+    <p:sldId id="383" r:id="rId54"/>
+    <p:sldId id="384" r:id="rId55"/>
+    <p:sldId id="330" r:id="rId56"/>
   </p:sldIdLst>
   <p:sldSz cx="9144000" cy="6858000" type="screen4x3"/>
   <p:notesSz cx="6858000" cy="9144000"/>
@@ -264,7 +265,7 @@
           <a:p>
             <a:fld id="{AD2AC528-4D53-894B-B349-B5F710F9F56E}" type="datetimeFigureOut">
               <a:rPr lang="en-US" smtClean="0"/>
-              <a:t>6/6/18</a:t>
+              <a:t>6/7/18</a:t>
             </a:fld>
             <a:endParaRPr lang="en-US"/>
           </a:p>
@@ -430,7 +431,7 @@
           <a:p>
             <a:fld id="{04248DE7-56DE-4545-BF35-D3E870520EC4}" type="datetimeFigureOut">
               <a:rPr lang="en-US" smtClean="0"/>
-              <a:t>6/6/18</a:t>
+              <a:t>6/7/18</a:t>
             </a:fld>
             <a:endParaRPr lang="en-US"/>
           </a:p>
@@ -944,7 +945,10 @@
           <a:bodyPr/>
           <a:lstStyle/>
           <a:p>
-            <a:endParaRPr lang="en-US"/>
+            <a:r>
+              <a:rPr lang="en-US" dirty="0"/>
+              <a:t>Deleting the local branch might require a forced delete depending on how the maintainer ”merged”. `git push -D feature` (note the capital D).</a:t>
+            </a:r>
           </a:p>
         </p:txBody>
       </p:sp>
@@ -963,9 +967,93 @@
           <a:bodyPr/>
           <a:lstStyle/>
           <a:p>
+            <a:fld id="{EA94D6AD-D8A8-E54D-89EA-8740A6DFF454}" type="slidenum">
+              <a:rPr lang="en-US" smtClean="0"/>
+              <a:t>50</a:t>
+            </a:fld>
+            <a:endParaRPr lang="en-US"/>
+          </a:p>
+        </p:txBody>
+      </p:sp>
+    </p:spTree>
+    <p:extLst>
+      <p:ext uri="{BB962C8B-B14F-4D97-AF65-F5344CB8AC3E}">
+        <p14:creationId xmlns:p14="http://schemas.microsoft.com/office/powerpoint/2010/main" val="2452756338"/>
+      </p:ext>
+    </p:extLst>
+  </p:cSld>
+  <p:clrMapOvr>
+    <a:masterClrMapping/>
+  </p:clrMapOvr>
+</p:notes>
+</file>
+
+<file path=ppt/notesSlides/notesSlide4.xml><?xml version="1.0" encoding="utf-8"?>
+<p:notes xmlns:a="http://schemas.openxmlformats.org/drawingml/2006/main" xmlns:r="http://schemas.openxmlformats.org/officeDocument/2006/relationships" xmlns:p="http://schemas.openxmlformats.org/presentationml/2006/main">
+  <p:cSld>
+    <p:spTree>
+      <p:nvGrpSpPr>
+        <p:cNvPr id="1" name=""/>
+        <p:cNvGrpSpPr/>
+        <p:nvPr/>
+      </p:nvGrpSpPr>
+      <p:grpSpPr>
+        <a:xfrm>
+          <a:off x="0" y="0"/>
+          <a:ext cx="0" cy="0"/>
+          <a:chOff x="0" y="0"/>
+          <a:chExt cx="0" cy="0"/>
+        </a:xfrm>
+      </p:grpSpPr>
+      <p:sp>
+        <p:nvSpPr>
+          <p:cNvPr id="2" name="Slide Image Placeholder 1"/>
+          <p:cNvSpPr>
+            <a:spLocks noGrp="1" noRot="1" noChangeAspect="1"/>
+          </p:cNvSpPr>
+          <p:nvPr>
+            <p:ph type="sldImg"/>
+          </p:nvPr>
+        </p:nvSpPr>
+        <p:spPr/>
+      </p:sp>
+      <p:sp>
+        <p:nvSpPr>
+          <p:cNvPr id="3" name="Notes Placeholder 2"/>
+          <p:cNvSpPr>
+            <a:spLocks noGrp="1"/>
+          </p:cNvSpPr>
+          <p:nvPr>
+            <p:ph type="body" idx="1"/>
+          </p:nvPr>
+        </p:nvSpPr>
+        <p:spPr/>
+        <p:txBody>
+          <a:bodyPr/>
+          <a:lstStyle/>
+          <a:p>
+            <a:endParaRPr lang="en-US"/>
+          </a:p>
+        </p:txBody>
+      </p:sp>
+      <p:sp>
+        <p:nvSpPr>
+          <p:cNvPr id="4" name="Slide Number Placeholder 3"/>
+          <p:cNvSpPr>
+            <a:spLocks noGrp="1"/>
+          </p:cNvSpPr>
+          <p:nvPr>
+            <p:ph type="sldNum" sz="quarter" idx="10"/>
+          </p:nvPr>
+        </p:nvSpPr>
+        <p:spPr/>
+        <p:txBody>
+          <a:bodyPr/>
+          <a:lstStyle/>
+          <a:p>
             <a:fld id="{CA735268-B7A0-40A1-9693-9641AD7274A6}" type="slidenum">
               <a:rPr lang="en-US" smtClean="0"/>
-              <a:t>54</a:t>
+              <a:t>55</a:t>
             </a:fld>
             <a:endParaRPr lang="en-US"/>
           </a:p>
@@ -1163,7 +1251,7 @@
           <a:p>
             <a:fld id="{8937BC03-0C09-3541-A6CA-B9A07D0F1D37}" type="datetime1">
               <a:rPr lang="en-US" smtClean="0"/>
-              <a:t>6/6/18</a:t>
+              <a:t>6/7/18</a:t>
             </a:fld>
             <a:endParaRPr lang="en-US"/>
           </a:p>
@@ -1331,7 +1419,7 @@
           <a:p>
             <a:fld id="{606299C8-5F78-EF47-B29B-B4A5833F4288}" type="datetime1">
               <a:rPr lang="en-US" smtClean="0"/>
-              <a:t>6/6/18</a:t>
+              <a:t>6/7/18</a:t>
             </a:fld>
             <a:endParaRPr lang="en-US"/>
           </a:p>
@@ -1509,7 +1597,7 @@
           <a:p>
             <a:fld id="{F063F1F1-A86F-DF42-AFA3-7C9A041CDC47}" type="datetime1">
               <a:rPr lang="en-US" smtClean="0"/>
-              <a:t>6/6/18</a:t>
+              <a:t>6/7/18</a:t>
             </a:fld>
             <a:endParaRPr lang="en-US"/>
           </a:p>
@@ -1677,7 +1765,7 @@
           <a:p>
             <a:fld id="{D3A08924-5E09-4A4B-A06A-CCD0D5FF2E9A}" type="datetime1">
               <a:rPr lang="en-US" smtClean="0"/>
-              <a:t>6/6/18</a:t>
+              <a:t>6/7/18</a:t>
             </a:fld>
             <a:endParaRPr lang="en-US"/>
           </a:p>
@@ -1922,7 +2010,7 @@
           <a:p>
             <a:fld id="{363CC327-5D43-564A-AE54-79308E5C447F}" type="datetime1">
               <a:rPr lang="en-US" smtClean="0"/>
-              <a:t>6/6/18</a:t>
+              <a:t>6/7/18</a:t>
             </a:fld>
             <a:endParaRPr lang="en-US"/>
           </a:p>
@@ -2207,7 +2295,7 @@
           <a:p>
             <a:fld id="{7DE42D0E-7782-CB4E-9F07-66D8D42C75F1}" type="datetime1">
               <a:rPr lang="en-US" smtClean="0"/>
-              <a:t>6/6/18</a:t>
+              <a:t>6/7/18</a:t>
             </a:fld>
             <a:endParaRPr lang="en-US"/>
           </a:p>
@@ -2626,7 +2714,7 @@
           <a:p>
             <a:fld id="{8A315A09-4495-A64C-B352-7D3CB67BC26B}" type="datetime1">
               <a:rPr lang="en-US" smtClean="0"/>
-              <a:t>6/6/18</a:t>
+              <a:t>6/7/18</a:t>
             </a:fld>
             <a:endParaRPr lang="en-US"/>
           </a:p>
@@ -2743,7 +2831,7 @@
           <a:p>
             <a:fld id="{36ABAD06-32E2-C748-AF2E-D06EF969E7FA}" type="datetime1">
               <a:rPr lang="en-US" smtClean="0"/>
-              <a:t>6/6/18</a:t>
+              <a:t>6/7/18</a:t>
             </a:fld>
             <a:endParaRPr lang="en-US"/>
           </a:p>
@@ -2838,7 +2926,7 @@
           <a:p>
             <a:fld id="{BAC54209-E09B-A94F-BD90-F93B40DD4647}" type="datetime1">
               <a:rPr lang="en-US" smtClean="0"/>
-              <a:t>6/6/18</a:t>
+              <a:t>6/7/18</a:t>
             </a:fld>
             <a:endParaRPr lang="en-US"/>
           </a:p>
@@ -3113,7 +3201,7 @@
           <a:p>
             <a:fld id="{9A488A7C-F951-9448-A701-9DCE680DE259}" type="datetime1">
               <a:rPr lang="en-US" smtClean="0"/>
-              <a:t>6/6/18</a:t>
+              <a:t>6/7/18</a:t>
             </a:fld>
             <a:endParaRPr lang="en-US"/>
           </a:p>
@@ -3365,7 +3453,7 @@
           <a:p>
             <a:fld id="{85FF7565-78B0-2649-BE2B-CA43C1EB355B}" type="datetime1">
               <a:rPr lang="en-US" smtClean="0"/>
-              <a:t>6/6/18</a:t>
+              <a:t>6/7/18</a:t>
             </a:fld>
             <a:endParaRPr lang="en-US"/>
           </a:p>
@@ -3576,7 +3664,7 @@
           <a:p>
             <a:fld id="{B8147F35-C6B9-C94A-B58B-11496917C382}" type="datetime1">
               <a:rPr lang="en-US" smtClean="0"/>
-              <a:t>6/6/18</a:t>
+              <a:t>6/7/18</a:t>
             </a:fld>
             <a:endParaRPr lang="en-US"/>
           </a:p>
@@ -27896,36 +27984,6 @@
       </p:cxnSp>
       <p:sp>
         <p:nvSpPr>
-          <p:cNvPr id="44" name="TextBox 43"/>
-          <p:cNvSpPr txBox="1"/>
-          <p:nvPr/>
-        </p:nvSpPr>
-        <p:spPr>
-          <a:xfrm>
-            <a:off x="5882685" y="3023860"/>
-            <a:ext cx="1171012" cy="461665"/>
-          </a:xfrm>
-          <a:prstGeom prst="rect">
-            <a:avLst/>
-          </a:prstGeom>
-          <a:noFill/>
-        </p:spPr>
-        <p:txBody>
-          <a:bodyPr wrap="square" rtlCol="0">
-            <a:spAutoFit/>
-          </a:bodyPr>
-          <a:lstStyle/>
-          <a:p>
-            <a:pPr algn="ctr"/>
-            <a:r>
-              <a:rPr lang="en-US" sz="2400" dirty="0"/>
-              <a:t>master</a:t>
-            </a:r>
-          </a:p>
-        </p:txBody>
-      </p:sp>
-      <p:sp>
-        <p:nvSpPr>
           <p:cNvPr id="45" name="TextBox 44"/>
           <p:cNvSpPr txBox="1"/>
           <p:nvPr/>
@@ -28702,7 +28760,12 @@
             <p:ph type="title"/>
           </p:nvPr>
         </p:nvSpPr>
-        <p:spPr/>
+        <p:spPr>
+          <a:xfrm>
+            <a:off x="457200" y="274638"/>
+            <a:ext cx="8229600" cy="1412002"/>
+          </a:xfrm>
+        </p:spPr>
         <p:style>
           <a:lnRef idx="2">
             <a:schemeClr val="dk1">
@@ -28758,6 +28821,27 @@
               </a:rPr>
               <a:t>$ git pull upstream master</a:t>
             </a:r>
+            <a:br>
+              <a:rPr lang="en-US" sz="3200" dirty="0">
+                <a:solidFill>
+                  <a:schemeClr val="lt1"/>
+                </a:solidFill>
+                <a:latin typeface="Consolas"/>
+                <a:ea typeface="+mn-ea"/>
+                <a:cs typeface="Consolas"/>
+              </a:rPr>
+            </a:br>
+            <a:r>
+              <a:rPr lang="en-US" sz="3200" dirty="0">
+                <a:solidFill>
+                  <a:schemeClr val="lt1"/>
+                </a:solidFill>
+                <a:latin typeface="Consolas"/>
+                <a:ea typeface="+mn-ea"/>
+                <a:cs typeface="Consolas"/>
+              </a:rPr>
+              <a:t>$ git push origin master</a:t>
+            </a:r>
           </a:p>
         </p:txBody>
       </p:sp>
@@ -28824,6 +28908,128 @@
         <p:spPr>
           <a:xfrm>
             <a:off x="6746792" y="5324279"/>
+            <a:ext cx="347099" cy="283241"/>
+          </a:xfrm>
+          <a:prstGeom prst="straightConnector1">
+            <a:avLst/>
+          </a:prstGeom>
+          <a:ln>
+            <a:tailEnd type="arrow"/>
+          </a:ln>
+        </p:spPr>
+        <p:style>
+          <a:lnRef idx="2">
+            <a:schemeClr val="dk1"/>
+          </a:lnRef>
+          <a:fillRef idx="1">
+            <a:schemeClr val="lt1"/>
+          </a:fillRef>
+          <a:effectRef idx="0">
+            <a:schemeClr val="dk1"/>
+          </a:effectRef>
+          <a:fontRef idx="minor">
+            <a:schemeClr val="dk1"/>
+          </a:fontRef>
+        </p:style>
+      </p:cxnSp>
+      <p:sp>
+        <p:nvSpPr>
+          <p:cNvPr id="37" name="TextBox 36">
+            <a:extLst>
+              <a:ext uri="{FF2B5EF4-FFF2-40B4-BE49-F238E27FC236}">
+                <a16:creationId xmlns:a16="http://schemas.microsoft.com/office/drawing/2014/main" id="{C6C57725-7FC3-274C-B64B-DF1A2A7521F7}"/>
+              </a:ext>
+            </a:extLst>
+          </p:cNvPr>
+          <p:cNvSpPr txBox="1"/>
+          <p:nvPr/>
+        </p:nvSpPr>
+        <p:spPr>
+          <a:xfrm>
+            <a:off x="5474173" y="2598823"/>
+            <a:ext cx="1171012" cy="461665"/>
+          </a:xfrm>
+          <a:prstGeom prst="rect">
+            <a:avLst/>
+          </a:prstGeom>
+          <a:noFill/>
+        </p:spPr>
+        <p:txBody>
+          <a:bodyPr wrap="square" rtlCol="0">
+            <a:spAutoFit/>
+          </a:bodyPr>
+          <a:lstStyle/>
+          <a:p>
+            <a:pPr algn="ctr"/>
+            <a:r>
+              <a:rPr lang="en-US" sz="2400" dirty="0"/>
+              <a:t>master</a:t>
+            </a:r>
+          </a:p>
+        </p:txBody>
+      </p:sp>
+      <p:sp>
+        <p:nvSpPr>
+          <p:cNvPr id="41" name="Oval 40">
+            <a:extLst>
+              <a:ext uri="{FF2B5EF4-FFF2-40B4-BE49-F238E27FC236}">
+                <a16:creationId xmlns:a16="http://schemas.microsoft.com/office/drawing/2014/main" id="{ABEB3ECB-B975-D540-A94E-8F3C564FCEC1}"/>
+              </a:ext>
+            </a:extLst>
+          </p:cNvPr>
+          <p:cNvSpPr/>
+          <p:nvPr/>
+        </p:nvSpPr>
+        <p:spPr>
+          <a:xfrm>
+            <a:off x="6585461" y="2735195"/>
+            <a:ext cx="238895" cy="251497"/>
+          </a:xfrm>
+          <a:prstGeom prst="ellipse">
+            <a:avLst/>
+          </a:prstGeom>
+        </p:spPr>
+        <p:style>
+          <a:lnRef idx="2">
+            <a:schemeClr val="dk1"/>
+          </a:lnRef>
+          <a:fillRef idx="1">
+            <a:schemeClr val="lt1"/>
+          </a:fillRef>
+          <a:effectRef idx="0">
+            <a:schemeClr val="dk1"/>
+          </a:effectRef>
+          <a:fontRef idx="minor">
+            <a:schemeClr val="dk1"/>
+          </a:fontRef>
+        </p:style>
+        <p:txBody>
+          <a:bodyPr rtlCol="0" anchor="ctr"/>
+          <a:lstStyle/>
+          <a:p>
+            <a:pPr algn="ctr"/>
+            <a:endParaRPr lang="en-US" sz="2400"/>
+          </a:p>
+        </p:txBody>
+      </p:sp>
+      <p:cxnSp>
+        <p:nvCxnSpPr>
+          <p:cNvPr id="42" name="Straight Arrow Connector 41">
+            <a:extLst>
+              <a:ext uri="{FF2B5EF4-FFF2-40B4-BE49-F238E27FC236}">
+                <a16:creationId xmlns:a16="http://schemas.microsoft.com/office/drawing/2014/main" id="{93EF3F6C-10AD-4E4D-BBB5-9BC1959D933B}"/>
+              </a:ext>
+            </a:extLst>
+          </p:cNvPr>
+          <p:cNvCxnSpPr>
+            <a:cxnSpLocks/>
+            <a:stCxn id="41" idx="4"/>
+          </p:cNvCxnSpPr>
+          <p:nvPr/>
+        </p:nvCxnSpPr>
+        <p:spPr>
+          <a:xfrm>
+            <a:off x="6704909" y="2986692"/>
             <a:ext cx="347099" cy="283241"/>
           </a:xfrm>
           <a:prstGeom prst="straightConnector1">
@@ -29129,36 +29335,6 @@
       </p:cxnSp>
       <p:sp>
         <p:nvSpPr>
-          <p:cNvPr id="44" name="TextBox 43"/>
-          <p:cNvSpPr txBox="1"/>
-          <p:nvPr/>
-        </p:nvSpPr>
-        <p:spPr>
-          <a:xfrm>
-            <a:off x="5882685" y="3023860"/>
-            <a:ext cx="1171012" cy="461665"/>
-          </a:xfrm>
-          <a:prstGeom prst="rect">
-            <a:avLst/>
-          </a:prstGeom>
-          <a:noFill/>
-        </p:spPr>
-        <p:txBody>
-          <a:bodyPr wrap="square" rtlCol="0">
-            <a:spAutoFit/>
-          </a:bodyPr>
-          <a:lstStyle/>
-          <a:p>
-            <a:pPr algn="ctr"/>
-            <a:r>
-              <a:rPr lang="en-US" sz="2400" dirty="0"/>
-              <a:t>master</a:t>
-            </a:r>
-          </a:p>
-        </p:txBody>
-      </p:sp>
-      <p:sp>
-        <p:nvSpPr>
           <p:cNvPr id="45" name="TextBox 44"/>
           <p:cNvSpPr txBox="1"/>
           <p:nvPr/>
@@ -30272,6 +30448,128 @@
           </a:p>
         </p:txBody>
       </p:sp>
+      <p:sp>
+        <p:nvSpPr>
+          <p:cNvPr id="43" name="TextBox 42">
+            <a:extLst>
+              <a:ext uri="{FF2B5EF4-FFF2-40B4-BE49-F238E27FC236}">
+                <a16:creationId xmlns:a16="http://schemas.microsoft.com/office/drawing/2014/main" id="{ECC30E33-3EF4-204E-B384-CB9D05C041C0}"/>
+              </a:ext>
+            </a:extLst>
+          </p:cNvPr>
+          <p:cNvSpPr txBox="1"/>
+          <p:nvPr/>
+        </p:nvSpPr>
+        <p:spPr>
+          <a:xfrm>
+            <a:off x="5474173" y="2598823"/>
+            <a:ext cx="1171012" cy="461665"/>
+          </a:xfrm>
+          <a:prstGeom prst="rect">
+            <a:avLst/>
+          </a:prstGeom>
+          <a:noFill/>
+        </p:spPr>
+        <p:txBody>
+          <a:bodyPr wrap="square" rtlCol="0">
+            <a:spAutoFit/>
+          </a:bodyPr>
+          <a:lstStyle/>
+          <a:p>
+            <a:pPr algn="ctr"/>
+            <a:r>
+              <a:rPr lang="en-US" sz="2400" dirty="0"/>
+              <a:t>master</a:t>
+            </a:r>
+          </a:p>
+        </p:txBody>
+      </p:sp>
+      <p:sp>
+        <p:nvSpPr>
+          <p:cNvPr id="47" name="Oval 46">
+            <a:extLst>
+              <a:ext uri="{FF2B5EF4-FFF2-40B4-BE49-F238E27FC236}">
+                <a16:creationId xmlns:a16="http://schemas.microsoft.com/office/drawing/2014/main" id="{6B06B9A7-840A-2F4D-9CC1-E8B4DA9CD389}"/>
+              </a:ext>
+            </a:extLst>
+          </p:cNvPr>
+          <p:cNvSpPr/>
+          <p:nvPr/>
+        </p:nvSpPr>
+        <p:spPr>
+          <a:xfrm>
+            <a:off x="6585461" y="2735195"/>
+            <a:ext cx="238895" cy="251497"/>
+          </a:xfrm>
+          <a:prstGeom prst="ellipse">
+            <a:avLst/>
+          </a:prstGeom>
+        </p:spPr>
+        <p:style>
+          <a:lnRef idx="2">
+            <a:schemeClr val="dk1"/>
+          </a:lnRef>
+          <a:fillRef idx="1">
+            <a:schemeClr val="lt1"/>
+          </a:fillRef>
+          <a:effectRef idx="0">
+            <a:schemeClr val="dk1"/>
+          </a:effectRef>
+          <a:fontRef idx="minor">
+            <a:schemeClr val="dk1"/>
+          </a:fontRef>
+        </p:style>
+        <p:txBody>
+          <a:bodyPr rtlCol="0" anchor="ctr"/>
+          <a:lstStyle/>
+          <a:p>
+            <a:pPr algn="ctr"/>
+            <a:endParaRPr lang="en-US" sz="2400"/>
+          </a:p>
+        </p:txBody>
+      </p:sp>
+      <p:cxnSp>
+        <p:nvCxnSpPr>
+          <p:cNvPr id="48" name="Straight Arrow Connector 47">
+            <a:extLst>
+              <a:ext uri="{FF2B5EF4-FFF2-40B4-BE49-F238E27FC236}">
+                <a16:creationId xmlns:a16="http://schemas.microsoft.com/office/drawing/2014/main" id="{D4C7F8F5-FB52-8C41-AE68-5D22B728B8AC}"/>
+              </a:ext>
+            </a:extLst>
+          </p:cNvPr>
+          <p:cNvCxnSpPr>
+            <a:cxnSpLocks/>
+            <a:stCxn id="47" idx="4"/>
+          </p:cNvCxnSpPr>
+          <p:nvPr/>
+        </p:nvCxnSpPr>
+        <p:spPr>
+          <a:xfrm>
+            <a:off x="6704909" y="2986692"/>
+            <a:ext cx="347099" cy="283241"/>
+          </a:xfrm>
+          <a:prstGeom prst="straightConnector1">
+            <a:avLst/>
+          </a:prstGeom>
+          <a:ln>
+            <a:tailEnd type="arrow"/>
+          </a:ln>
+        </p:spPr>
+        <p:style>
+          <a:lnRef idx="2">
+            <a:schemeClr val="dk1"/>
+          </a:lnRef>
+          <a:fillRef idx="1">
+            <a:schemeClr val="lt1"/>
+          </a:fillRef>
+          <a:effectRef idx="0">
+            <a:schemeClr val="dk1"/>
+          </a:effectRef>
+          <a:fontRef idx="minor">
+            <a:schemeClr val="dk1"/>
+          </a:fontRef>
+        </p:style>
+      </p:cxnSp>
     </p:spTree>
     <p:extLst>
       <p:ext uri="{BB962C8B-B14F-4D97-AF65-F5344CB8AC3E}">
@@ -31778,10 +32076,10 @@
       </p:cxnSp>
       <p:sp>
         <p:nvSpPr>
-          <p:cNvPr id="4" name="Title 3">
-            <a:extLst>
-              <a:ext uri="{FF2B5EF4-FFF2-40B4-BE49-F238E27FC236}">
-                <a16:creationId xmlns:a16="http://schemas.microsoft.com/office/drawing/2014/main" id="{C75AB699-6029-0C47-830B-AF95A34F6FDA}"/>
+          <p:cNvPr id="46" name="Title 6">
+            <a:extLst>
+              <a:ext uri="{FF2B5EF4-FFF2-40B4-BE49-F238E27FC236}">
+                <a16:creationId xmlns:a16="http://schemas.microsoft.com/office/drawing/2014/main" id="{A06CB875-8B40-6340-A156-FA16C55B40F7}"/>
               </a:ext>
             </a:extLst>
           </p:cNvPr>
@@ -31793,30 +32091,62 @@
           </p:nvPr>
         </p:nvSpPr>
         <p:spPr/>
-        <p:txBody>
-          <a:bodyPr/>
+        <p:style>
+          <a:lnRef idx="2">
+            <a:schemeClr val="dk1">
+              <a:shade val="50000"/>
+            </a:schemeClr>
+          </a:lnRef>
+          <a:fillRef idx="1">
+            <a:schemeClr val="dk1"/>
+          </a:fillRef>
+          <a:effectRef idx="0">
+            <a:schemeClr val="dk1"/>
+          </a:effectRef>
+          <a:fontRef idx="minor">
+            <a:schemeClr val="lt1"/>
+          </a:fontRef>
+        </p:style>
+        <p:txBody>
+          <a:bodyPr vert="horz" lIns="91440" tIns="45720" rIns="91440" bIns="45720" rtlCol="0" anchor="ctr">
+            <a:noAutofit/>
+          </a:bodyPr>
           <a:lstStyle/>
           <a:p>
             <a:pPr algn="l"/>
             <a:r>
-              <a:rPr lang="en-US" dirty="0"/>
-              <a:t>@</a:t>
-            </a:r>
-            <a:r>
-              <a:rPr lang="en-US" dirty="0" err="1"/>
-              <a:t>StoneyJackson</a:t>
-            </a:r>
-            <a:r>
-              <a:rPr lang="en-US" dirty="0"/>
-              <a:t> OK?</a:t>
-            </a:r>
+              <a:rPr lang="en-US" sz="3200" dirty="0">
+                <a:solidFill>
+                  <a:schemeClr val="lt1"/>
+                </a:solidFill>
+                <a:latin typeface="Consolas"/>
+                <a:ea typeface="+mn-ea"/>
+                <a:cs typeface="Consolas"/>
+              </a:rPr>
+              <a:t>$ git push origin </a:t>
+            </a:r>
+            <a:r>
+              <a:rPr lang="en-US" sz="3200" dirty="0">
+                <a:latin typeface="Consolas"/>
+                <a:cs typeface="Consolas"/>
+              </a:rPr>
+              <a:t>feature</a:t>
+            </a:r>
+            <a:endParaRPr lang="en-US" sz="3200" dirty="0">
+              <a:solidFill>
+                <a:schemeClr val="lt1"/>
+              </a:solidFill>
+              <a:latin typeface="Consolas"/>
+              <a:ea typeface="+mn-ea"/>
+              <a:cs typeface="Consolas"/>
+            </a:endParaRPr>
           </a:p>
         </p:txBody>
       </p:sp>
     </p:spTree>
     <p:extLst>
       <p:ext uri="{BB962C8B-B14F-4D97-AF65-F5344CB8AC3E}">
-        <p14:creationId xmlns:p14="http://schemas.microsoft.com/office/powerpoint/2010/main" val="4272049833"/>
+        <p14:creationId xmlns:p14="http://schemas.microsoft.com/office/powerpoint/2010/main" val="492083383"/>
       </p:ext>
     </p:extLst>
   </p:cSld>
@@ -33341,51 +33671,23 @@
             <a:pPr algn="l"/>
             <a:r>
               <a:rPr lang="en-US" dirty="0"/>
-              <a:t>Perfect! Thanks!</a:t>
-            </a:r>
-          </a:p>
-        </p:txBody>
-      </p:sp>
-      <p:pic>
-        <p:nvPicPr>
-          <p:cNvPr id="43" name="Picture 42" descr="11949864871831664442blueman_104_02.svg.med.png">
-            <a:extLst>
-              <a:ext uri="{FF2B5EF4-FFF2-40B4-BE49-F238E27FC236}">
-                <a16:creationId xmlns:a16="http://schemas.microsoft.com/office/drawing/2014/main" id="{5016FF99-9D03-8B45-849A-AEC714DE579E}"/>
-              </a:ext>
-            </a:extLst>
-          </p:cNvPr>
-          <p:cNvPicPr>
-            <a:picLocks noChangeAspect="1"/>
-          </p:cNvPicPr>
-          <p:nvPr/>
-        </p:nvPicPr>
-        <p:blipFill>
-          <a:blip r:embed="rId2">
-            <a:extLst>
-              <a:ext uri="{28A0092B-C50C-407E-A947-70E740481C1C}">
-                <a14:useLocalDpi xmlns:a14="http://schemas.microsoft.com/office/drawing/2010/main" val="0"/>
-              </a:ext>
-            </a:extLst>
-          </a:blip>
-          <a:stretch>
-            <a:fillRect/>
-          </a:stretch>
-        </p:blipFill>
-        <p:spPr>
-          <a:xfrm>
-            <a:off x="229548" y="4368959"/>
-            <a:ext cx="2228849" cy="2191701"/>
-          </a:xfrm>
-          <a:prstGeom prst="rect">
-            <a:avLst/>
-          </a:prstGeom>
-        </p:spPr>
-      </p:pic>
+              <a:t>@</a:t>
+            </a:r>
+            <a:r>
+              <a:rPr lang="en-US" dirty="0" err="1"/>
+              <a:t>StoneyJackson</a:t>
+            </a:r>
+            <a:r>
+              <a:rPr lang="en-US" dirty="0"/>
+              <a:t> OK?</a:t>
+            </a:r>
+          </a:p>
+        </p:txBody>
+      </p:sp>
     </p:spTree>
     <p:extLst>
       <p:ext uri="{BB962C8B-B14F-4D97-AF65-F5344CB8AC3E}">
-        <p14:creationId xmlns:p14="http://schemas.microsoft.com/office/powerpoint/2010/main" val="17499172"/>
+        <p14:creationId xmlns:p14="http://schemas.microsoft.com/office/powerpoint/2010/main" val="4272049833"/>
       </p:ext>
     </p:extLst>
   </p:cSld>
@@ -33414,10 +33716,1484 @@
       </p:grpSpPr>
       <p:sp>
         <p:nvSpPr>
-          <p:cNvPr id="2" name="Title 1">
-            <a:extLst>
-              <a:ext uri="{FF2B5EF4-FFF2-40B4-BE49-F238E27FC236}">
-                <a16:creationId xmlns:a16="http://schemas.microsoft.com/office/drawing/2014/main" id="{43EACC41-5266-714E-A257-E66AB7981AB6}"/>
+          <p:cNvPr id="10" name="Oval 9"/>
+          <p:cNvSpPr/>
+          <p:nvPr/>
+        </p:nvSpPr>
+        <p:spPr>
+          <a:xfrm>
+            <a:off x="7292592" y="3504096"/>
+            <a:ext cx="238895" cy="251497"/>
+          </a:xfrm>
+          <a:prstGeom prst="ellipse">
+            <a:avLst/>
+          </a:prstGeom>
+        </p:spPr>
+        <p:style>
+          <a:lnRef idx="1">
+            <a:schemeClr val="accent1"/>
+          </a:lnRef>
+          <a:fillRef idx="3">
+            <a:schemeClr val="accent1"/>
+          </a:fillRef>
+          <a:effectRef idx="2">
+            <a:schemeClr val="accent1"/>
+          </a:effectRef>
+          <a:fontRef idx="minor">
+            <a:schemeClr val="lt1"/>
+          </a:fontRef>
+        </p:style>
+        <p:txBody>
+          <a:bodyPr rtlCol="0" anchor="ctr"/>
+          <a:lstStyle/>
+          <a:p>
+            <a:pPr algn="ctr"/>
+            <a:endParaRPr lang="en-US" sz="2400"/>
+          </a:p>
+        </p:txBody>
+      </p:sp>
+      <p:cxnSp>
+        <p:nvCxnSpPr>
+          <p:cNvPr id="12" name="Straight Arrow Connector 11"/>
+          <p:cNvCxnSpPr>
+            <a:stCxn id="10" idx="4"/>
+          </p:cNvCxnSpPr>
+          <p:nvPr/>
+        </p:nvCxnSpPr>
+        <p:spPr>
+          <a:xfrm>
+            <a:off x="7412040" y="3755593"/>
+            <a:ext cx="0" cy="224845"/>
+          </a:xfrm>
+          <a:prstGeom prst="straightConnector1">
+            <a:avLst/>
+          </a:prstGeom>
+          <a:ln>
+            <a:tailEnd type="arrow"/>
+          </a:ln>
+        </p:spPr>
+        <p:style>
+          <a:lnRef idx="2">
+            <a:schemeClr val="accent1"/>
+          </a:lnRef>
+          <a:fillRef idx="0">
+            <a:schemeClr val="accent1"/>
+          </a:fillRef>
+          <a:effectRef idx="1">
+            <a:schemeClr val="accent1"/>
+          </a:effectRef>
+          <a:fontRef idx="minor">
+            <a:schemeClr val="tx1"/>
+          </a:fontRef>
+        </p:style>
+      </p:cxnSp>
+      <p:sp>
+        <p:nvSpPr>
+          <p:cNvPr id="16" name="TextBox 15"/>
+          <p:cNvSpPr txBox="1"/>
+          <p:nvPr/>
+        </p:nvSpPr>
+        <p:spPr>
+          <a:xfrm>
+            <a:off x="1399434" y="2615344"/>
+            <a:ext cx="1171012" cy="461665"/>
+          </a:xfrm>
+          <a:prstGeom prst="rect">
+            <a:avLst/>
+          </a:prstGeom>
+          <a:noFill/>
+        </p:spPr>
+        <p:txBody>
+          <a:bodyPr wrap="square" rtlCol="0">
+            <a:spAutoFit/>
+          </a:bodyPr>
+          <a:lstStyle/>
+          <a:p>
+            <a:pPr algn="ctr"/>
+            <a:r>
+              <a:rPr lang="en-US" sz="2400" dirty="0"/>
+              <a:t>master</a:t>
+            </a:r>
+          </a:p>
+        </p:txBody>
+      </p:sp>
+      <p:sp>
+        <p:nvSpPr>
+          <p:cNvPr id="17" name="Oval 16"/>
+          <p:cNvSpPr/>
+          <p:nvPr/>
+        </p:nvSpPr>
+        <p:spPr>
+          <a:xfrm>
+            <a:off x="2528941" y="3191389"/>
+            <a:ext cx="238895" cy="251497"/>
+          </a:xfrm>
+          <a:prstGeom prst="ellipse">
+            <a:avLst/>
+          </a:prstGeom>
+        </p:spPr>
+        <p:style>
+          <a:lnRef idx="1">
+            <a:schemeClr val="accent1"/>
+          </a:lnRef>
+          <a:fillRef idx="3">
+            <a:schemeClr val="accent1"/>
+          </a:fillRef>
+          <a:effectRef idx="2">
+            <a:schemeClr val="accent1"/>
+          </a:effectRef>
+          <a:fontRef idx="minor">
+            <a:schemeClr val="lt1"/>
+          </a:fontRef>
+        </p:style>
+        <p:txBody>
+          <a:bodyPr rtlCol="0" anchor="ctr"/>
+          <a:lstStyle/>
+          <a:p>
+            <a:pPr algn="ctr"/>
+            <a:endParaRPr lang="en-US" sz="2400"/>
+          </a:p>
+        </p:txBody>
+      </p:sp>
+      <p:cxnSp>
+        <p:nvCxnSpPr>
+          <p:cNvPr id="18" name="Straight Arrow Connector 17"/>
+          <p:cNvCxnSpPr>
+            <a:stCxn id="17" idx="4"/>
+          </p:cNvCxnSpPr>
+          <p:nvPr/>
+        </p:nvCxnSpPr>
+        <p:spPr>
+          <a:xfrm>
+            <a:off x="2648389" y="3442886"/>
+            <a:ext cx="0" cy="224845"/>
+          </a:xfrm>
+          <a:prstGeom prst="straightConnector1">
+            <a:avLst/>
+          </a:prstGeom>
+          <a:ln>
+            <a:tailEnd type="arrow"/>
+          </a:ln>
+        </p:spPr>
+        <p:style>
+          <a:lnRef idx="2">
+            <a:schemeClr val="accent1"/>
+          </a:lnRef>
+          <a:fillRef idx="0">
+            <a:schemeClr val="accent1"/>
+          </a:fillRef>
+          <a:effectRef idx="1">
+            <a:schemeClr val="accent1"/>
+          </a:effectRef>
+          <a:fontRef idx="minor">
+            <a:schemeClr val="tx1"/>
+          </a:fontRef>
+        </p:style>
+      </p:cxnSp>
+      <p:sp>
+        <p:nvSpPr>
+          <p:cNvPr id="24" name="Oval 23"/>
+          <p:cNvSpPr/>
+          <p:nvPr/>
+        </p:nvSpPr>
+        <p:spPr>
+          <a:xfrm>
+            <a:off x="7058906" y="6134359"/>
+            <a:ext cx="238895" cy="251497"/>
+          </a:xfrm>
+          <a:prstGeom prst="ellipse">
+            <a:avLst/>
+          </a:prstGeom>
+        </p:spPr>
+        <p:style>
+          <a:lnRef idx="1">
+            <a:schemeClr val="accent1"/>
+          </a:lnRef>
+          <a:fillRef idx="3">
+            <a:schemeClr val="accent1"/>
+          </a:fillRef>
+          <a:effectRef idx="2">
+            <a:schemeClr val="accent1"/>
+          </a:effectRef>
+          <a:fontRef idx="minor">
+            <a:schemeClr val="lt1"/>
+          </a:fontRef>
+        </p:style>
+        <p:txBody>
+          <a:bodyPr rtlCol="0" anchor="ctr"/>
+          <a:lstStyle/>
+          <a:p>
+            <a:pPr algn="ctr"/>
+            <a:endParaRPr lang="en-US" sz="2400"/>
+          </a:p>
+        </p:txBody>
+      </p:sp>
+      <p:cxnSp>
+        <p:nvCxnSpPr>
+          <p:cNvPr id="25" name="Straight Arrow Connector 24"/>
+          <p:cNvCxnSpPr>
+            <a:stCxn id="24" idx="4"/>
+          </p:cNvCxnSpPr>
+          <p:nvPr/>
+        </p:nvCxnSpPr>
+        <p:spPr>
+          <a:xfrm>
+            <a:off x="7178354" y="6385856"/>
+            <a:ext cx="0" cy="224845"/>
+          </a:xfrm>
+          <a:prstGeom prst="straightConnector1">
+            <a:avLst/>
+          </a:prstGeom>
+          <a:ln>
+            <a:tailEnd type="arrow"/>
+          </a:ln>
+        </p:spPr>
+        <p:style>
+          <a:lnRef idx="2">
+            <a:schemeClr val="accent1"/>
+          </a:lnRef>
+          <a:fillRef idx="0">
+            <a:schemeClr val="accent1"/>
+          </a:fillRef>
+          <a:effectRef idx="1">
+            <a:schemeClr val="accent1"/>
+          </a:effectRef>
+          <a:fontRef idx="minor">
+            <a:schemeClr val="tx1"/>
+          </a:fontRef>
+        </p:style>
+      </p:cxnSp>
+      <p:sp>
+        <p:nvSpPr>
+          <p:cNvPr id="44" name="TextBox 43"/>
+          <p:cNvSpPr txBox="1"/>
+          <p:nvPr/>
+        </p:nvSpPr>
+        <p:spPr>
+          <a:xfrm>
+            <a:off x="5857902" y="2790463"/>
+            <a:ext cx="1171012" cy="461665"/>
+          </a:xfrm>
+          <a:prstGeom prst="rect">
+            <a:avLst/>
+          </a:prstGeom>
+          <a:noFill/>
+        </p:spPr>
+        <p:txBody>
+          <a:bodyPr wrap="square" rtlCol="0">
+            <a:spAutoFit/>
+          </a:bodyPr>
+          <a:lstStyle/>
+          <a:p>
+            <a:pPr algn="ctr"/>
+            <a:r>
+              <a:rPr lang="en-US" sz="2400" dirty="0"/>
+              <a:t>master</a:t>
+            </a:r>
+          </a:p>
+        </p:txBody>
+      </p:sp>
+      <p:sp>
+        <p:nvSpPr>
+          <p:cNvPr id="45" name="TextBox 44"/>
+          <p:cNvSpPr txBox="1"/>
+          <p:nvPr/>
+        </p:nvSpPr>
+        <p:spPr>
+          <a:xfrm>
+            <a:off x="5516056" y="5500080"/>
+            <a:ext cx="1171012" cy="461665"/>
+          </a:xfrm>
+          <a:prstGeom prst="rect">
+            <a:avLst/>
+          </a:prstGeom>
+          <a:noFill/>
+        </p:spPr>
+        <p:txBody>
+          <a:bodyPr wrap="square" rtlCol="0">
+            <a:spAutoFit/>
+          </a:bodyPr>
+          <a:lstStyle/>
+          <a:p>
+            <a:pPr algn="ctr"/>
+            <a:r>
+              <a:rPr lang="en-US" sz="2400" dirty="0"/>
+              <a:t>master</a:t>
+            </a:r>
+          </a:p>
+        </p:txBody>
+      </p:sp>
+      <p:sp>
+        <p:nvSpPr>
+          <p:cNvPr id="14" name="Oval 13"/>
+          <p:cNvSpPr/>
+          <p:nvPr/>
+        </p:nvSpPr>
+        <p:spPr>
+          <a:xfrm>
+            <a:off x="7060596" y="5620293"/>
+            <a:ext cx="238895" cy="251497"/>
+          </a:xfrm>
+          <a:prstGeom prst="ellipse">
+            <a:avLst/>
+          </a:prstGeom>
+        </p:spPr>
+        <p:style>
+          <a:lnRef idx="2">
+            <a:schemeClr val="accent6">
+              <a:shade val="50000"/>
+            </a:schemeClr>
+          </a:lnRef>
+          <a:fillRef idx="1">
+            <a:schemeClr val="accent6"/>
+          </a:fillRef>
+          <a:effectRef idx="0">
+            <a:schemeClr val="accent6"/>
+          </a:effectRef>
+          <a:fontRef idx="minor">
+            <a:schemeClr val="lt1"/>
+          </a:fontRef>
+        </p:style>
+        <p:txBody>
+          <a:bodyPr rtlCol="0" anchor="ctr"/>
+          <a:lstStyle/>
+          <a:p>
+            <a:pPr algn="ctr"/>
+            <a:endParaRPr lang="en-US" sz="2400"/>
+          </a:p>
+        </p:txBody>
+      </p:sp>
+      <p:cxnSp>
+        <p:nvCxnSpPr>
+          <p:cNvPr id="15" name="Straight Arrow Connector 14"/>
+          <p:cNvCxnSpPr>
+            <a:stCxn id="14" idx="4"/>
+            <a:endCxn id="24" idx="0"/>
+          </p:cNvCxnSpPr>
+          <p:nvPr/>
+        </p:nvCxnSpPr>
+        <p:spPr>
+          <a:xfrm flipH="1">
+            <a:off x="7178354" y="5871790"/>
+            <a:ext cx="1690" cy="262569"/>
+          </a:xfrm>
+          <a:prstGeom prst="straightConnector1">
+            <a:avLst/>
+          </a:prstGeom>
+          <a:ln>
+            <a:tailEnd type="arrow"/>
+          </a:ln>
+        </p:spPr>
+        <p:style>
+          <a:lnRef idx="2">
+            <a:schemeClr val="accent2"/>
+          </a:lnRef>
+          <a:fillRef idx="0">
+            <a:schemeClr val="accent2"/>
+          </a:fillRef>
+          <a:effectRef idx="1">
+            <a:schemeClr val="accent2"/>
+          </a:effectRef>
+          <a:fontRef idx="minor">
+            <a:schemeClr val="tx1"/>
+          </a:fontRef>
+        </p:style>
+      </p:cxnSp>
+      <p:sp>
+        <p:nvSpPr>
+          <p:cNvPr id="23" name="TextBox 22"/>
+          <p:cNvSpPr txBox="1"/>
+          <p:nvPr/>
+        </p:nvSpPr>
+        <p:spPr>
+          <a:xfrm>
+            <a:off x="7292592" y="4012377"/>
+            <a:ext cx="1171012" cy="461665"/>
+          </a:xfrm>
+          <a:prstGeom prst="rect">
+            <a:avLst/>
+          </a:prstGeom>
+          <a:noFill/>
+        </p:spPr>
+        <p:txBody>
+          <a:bodyPr wrap="square" rtlCol="0">
+            <a:spAutoFit/>
+          </a:bodyPr>
+          <a:lstStyle/>
+          <a:p>
+            <a:pPr algn="ctr"/>
+            <a:r>
+              <a:rPr lang="en-US" sz="2400" dirty="0"/>
+              <a:t>feature</a:t>
+            </a:r>
+          </a:p>
+        </p:txBody>
+      </p:sp>
+      <p:sp>
+        <p:nvSpPr>
+          <p:cNvPr id="2" name="Slide Number Placeholder 1"/>
+          <p:cNvSpPr>
+            <a:spLocks noGrp="1"/>
+          </p:cNvSpPr>
+          <p:nvPr>
+            <p:ph type="sldNum" sz="quarter" idx="12"/>
+          </p:nvPr>
+        </p:nvSpPr>
+        <p:spPr/>
+        <p:txBody>
+          <a:bodyPr/>
+          <a:lstStyle/>
+          <a:p>
+            <a:fld id="{359744D5-AA56-484C-8B57-85B289DA1210}" type="slidenum">
+              <a:rPr lang="en-US" smtClean="0"/>
+              <a:t>45</a:t>
+            </a:fld>
+            <a:endParaRPr lang="en-US"/>
+          </a:p>
+        </p:txBody>
+      </p:sp>
+      <p:sp>
+        <p:nvSpPr>
+          <p:cNvPr id="19" name="Oval 18">
+            <a:extLst>
+              <a:ext uri="{FF2B5EF4-FFF2-40B4-BE49-F238E27FC236}">
+                <a16:creationId xmlns:a16="http://schemas.microsoft.com/office/drawing/2014/main" id="{15CE75F7-FAEF-E74E-A18C-1392B670DAB0}"/>
+              </a:ext>
+            </a:extLst>
+          </p:cNvPr>
+          <p:cNvSpPr/>
+          <p:nvPr/>
+        </p:nvSpPr>
+        <p:spPr>
+          <a:xfrm>
+            <a:off x="7299491" y="2984130"/>
+            <a:ext cx="238895" cy="251497"/>
+          </a:xfrm>
+          <a:prstGeom prst="ellipse">
+            <a:avLst/>
+          </a:prstGeom>
+        </p:spPr>
+        <p:style>
+          <a:lnRef idx="2">
+            <a:schemeClr val="accent6">
+              <a:shade val="50000"/>
+            </a:schemeClr>
+          </a:lnRef>
+          <a:fillRef idx="1">
+            <a:schemeClr val="accent6"/>
+          </a:fillRef>
+          <a:effectRef idx="0">
+            <a:schemeClr val="accent6"/>
+          </a:effectRef>
+          <a:fontRef idx="minor">
+            <a:schemeClr val="lt1"/>
+          </a:fontRef>
+        </p:style>
+        <p:txBody>
+          <a:bodyPr rtlCol="0" anchor="ctr"/>
+          <a:lstStyle/>
+          <a:p>
+            <a:pPr algn="ctr"/>
+            <a:endParaRPr lang="en-US" sz="2400"/>
+          </a:p>
+        </p:txBody>
+      </p:sp>
+      <p:cxnSp>
+        <p:nvCxnSpPr>
+          <p:cNvPr id="20" name="Straight Arrow Connector 19">
+            <a:extLst>
+              <a:ext uri="{FF2B5EF4-FFF2-40B4-BE49-F238E27FC236}">
+                <a16:creationId xmlns:a16="http://schemas.microsoft.com/office/drawing/2014/main" id="{0E479417-E3E3-1947-9031-CFC6B5734632}"/>
+              </a:ext>
+            </a:extLst>
+          </p:cNvPr>
+          <p:cNvCxnSpPr>
+            <a:stCxn id="19" idx="4"/>
+          </p:cNvCxnSpPr>
+          <p:nvPr/>
+        </p:nvCxnSpPr>
+        <p:spPr>
+          <a:xfrm flipH="1">
+            <a:off x="7417249" y="3235627"/>
+            <a:ext cx="1690" cy="262569"/>
+          </a:xfrm>
+          <a:prstGeom prst="straightConnector1">
+            <a:avLst/>
+          </a:prstGeom>
+          <a:ln>
+            <a:tailEnd type="arrow"/>
+          </a:ln>
+        </p:spPr>
+        <p:style>
+          <a:lnRef idx="2">
+            <a:schemeClr val="accent2"/>
+          </a:lnRef>
+          <a:fillRef idx="0">
+            <a:schemeClr val="accent2"/>
+          </a:fillRef>
+          <a:effectRef idx="1">
+            <a:schemeClr val="accent2"/>
+          </a:effectRef>
+          <a:fontRef idx="minor">
+            <a:schemeClr val="tx1"/>
+          </a:fontRef>
+        </p:style>
+      </p:cxnSp>
+      <p:sp>
+        <p:nvSpPr>
+          <p:cNvPr id="5" name="Left Arrow 4">
+            <a:extLst>
+              <a:ext uri="{FF2B5EF4-FFF2-40B4-BE49-F238E27FC236}">
+                <a16:creationId xmlns:a16="http://schemas.microsoft.com/office/drawing/2014/main" id="{E1A28EB2-1EEA-674C-8C90-B988059B3050}"/>
+              </a:ext>
+            </a:extLst>
+          </p:cNvPr>
+          <p:cNvSpPr/>
+          <p:nvPr/>
+        </p:nvSpPr>
+        <p:spPr>
+          <a:xfrm>
+            <a:off x="3106455" y="2657349"/>
+            <a:ext cx="2726126" cy="1225720"/>
+          </a:xfrm>
+          <a:prstGeom prst="leftArrow">
+            <a:avLst/>
+          </a:prstGeom>
+        </p:spPr>
+        <p:style>
+          <a:lnRef idx="1">
+            <a:schemeClr val="accent1"/>
+          </a:lnRef>
+          <a:fillRef idx="3">
+            <a:schemeClr val="accent1"/>
+          </a:fillRef>
+          <a:effectRef idx="2">
+            <a:schemeClr val="accent1"/>
+          </a:effectRef>
+          <a:fontRef idx="minor">
+            <a:schemeClr val="lt1"/>
+          </a:fontRef>
+        </p:style>
+        <p:txBody>
+          <a:bodyPr rtlCol="0" anchor="ctr"/>
+          <a:lstStyle/>
+          <a:p>
+            <a:pPr algn="ctr"/>
+            <a:r>
+              <a:rPr lang="en-US" sz="2400" dirty="0"/>
+              <a:t>pull-request</a:t>
+            </a:r>
+          </a:p>
+        </p:txBody>
+      </p:sp>
+      <p:sp>
+        <p:nvSpPr>
+          <p:cNvPr id="32" name="Oval 31">
+            <a:extLst>
+              <a:ext uri="{FF2B5EF4-FFF2-40B4-BE49-F238E27FC236}">
+                <a16:creationId xmlns:a16="http://schemas.microsoft.com/office/drawing/2014/main" id="{6B019674-777D-B844-9C20-EEDD4E72835E}"/>
+              </a:ext>
+            </a:extLst>
+          </p:cNvPr>
+          <p:cNvSpPr/>
+          <p:nvPr/>
+        </p:nvSpPr>
+        <p:spPr>
+          <a:xfrm>
+            <a:off x="7060596" y="5117299"/>
+            <a:ext cx="238895" cy="251497"/>
+          </a:xfrm>
+          <a:prstGeom prst="ellipse">
+            <a:avLst/>
+          </a:prstGeom>
+        </p:spPr>
+        <p:style>
+          <a:lnRef idx="2">
+            <a:schemeClr val="accent6">
+              <a:shade val="50000"/>
+            </a:schemeClr>
+          </a:lnRef>
+          <a:fillRef idx="1">
+            <a:schemeClr val="accent6"/>
+          </a:fillRef>
+          <a:effectRef idx="0">
+            <a:schemeClr val="accent6"/>
+          </a:effectRef>
+          <a:fontRef idx="minor">
+            <a:schemeClr val="lt1"/>
+          </a:fontRef>
+        </p:style>
+        <p:txBody>
+          <a:bodyPr rtlCol="0" anchor="ctr"/>
+          <a:lstStyle/>
+          <a:p>
+            <a:pPr algn="ctr"/>
+            <a:endParaRPr lang="en-US" sz="2400"/>
+          </a:p>
+        </p:txBody>
+      </p:sp>
+      <p:cxnSp>
+        <p:nvCxnSpPr>
+          <p:cNvPr id="33" name="Straight Arrow Connector 32">
+            <a:extLst>
+              <a:ext uri="{FF2B5EF4-FFF2-40B4-BE49-F238E27FC236}">
+                <a16:creationId xmlns:a16="http://schemas.microsoft.com/office/drawing/2014/main" id="{E4A5A825-A988-E643-98F0-13C8DF4FB89D}"/>
+              </a:ext>
+            </a:extLst>
+          </p:cNvPr>
+          <p:cNvCxnSpPr>
+            <a:stCxn id="32" idx="4"/>
+          </p:cNvCxnSpPr>
+          <p:nvPr/>
+        </p:nvCxnSpPr>
+        <p:spPr>
+          <a:xfrm flipH="1">
+            <a:off x="7178354" y="5368796"/>
+            <a:ext cx="1690" cy="262569"/>
+          </a:xfrm>
+          <a:prstGeom prst="straightConnector1">
+            <a:avLst/>
+          </a:prstGeom>
+          <a:ln>
+            <a:tailEnd type="arrow"/>
+          </a:ln>
+        </p:spPr>
+        <p:style>
+          <a:lnRef idx="2">
+            <a:schemeClr val="accent2"/>
+          </a:lnRef>
+          <a:fillRef idx="0">
+            <a:schemeClr val="accent2"/>
+          </a:fillRef>
+          <a:effectRef idx="1">
+            <a:schemeClr val="accent2"/>
+          </a:effectRef>
+          <a:fontRef idx="minor">
+            <a:schemeClr val="tx1"/>
+          </a:fontRef>
+        </p:style>
+      </p:cxnSp>
+      <p:sp>
+        <p:nvSpPr>
+          <p:cNvPr id="26" name="Oval 25">
+            <a:extLst>
+              <a:ext uri="{FF2B5EF4-FFF2-40B4-BE49-F238E27FC236}">
+                <a16:creationId xmlns:a16="http://schemas.microsoft.com/office/drawing/2014/main" id="{6B17C621-D7B2-8644-886A-43E8CC4D6C54}"/>
+              </a:ext>
+            </a:extLst>
+          </p:cNvPr>
+          <p:cNvSpPr/>
+          <p:nvPr/>
+        </p:nvSpPr>
+        <p:spPr>
+          <a:xfrm>
+            <a:off x="7292592" y="2464975"/>
+            <a:ext cx="238895" cy="251497"/>
+          </a:xfrm>
+          <a:prstGeom prst="ellipse">
+            <a:avLst/>
+          </a:prstGeom>
+        </p:spPr>
+        <p:style>
+          <a:lnRef idx="2">
+            <a:schemeClr val="accent6">
+              <a:shade val="50000"/>
+            </a:schemeClr>
+          </a:lnRef>
+          <a:fillRef idx="1">
+            <a:schemeClr val="accent6"/>
+          </a:fillRef>
+          <a:effectRef idx="0">
+            <a:schemeClr val="accent6"/>
+          </a:effectRef>
+          <a:fontRef idx="minor">
+            <a:schemeClr val="lt1"/>
+          </a:fontRef>
+        </p:style>
+        <p:txBody>
+          <a:bodyPr rtlCol="0" anchor="ctr"/>
+          <a:lstStyle/>
+          <a:p>
+            <a:pPr algn="ctr"/>
+            <a:endParaRPr lang="en-US" sz="2400"/>
+          </a:p>
+        </p:txBody>
+      </p:sp>
+      <p:cxnSp>
+        <p:nvCxnSpPr>
+          <p:cNvPr id="27" name="Straight Arrow Connector 26">
+            <a:extLst>
+              <a:ext uri="{FF2B5EF4-FFF2-40B4-BE49-F238E27FC236}">
+                <a16:creationId xmlns:a16="http://schemas.microsoft.com/office/drawing/2014/main" id="{64DC8496-1F67-904D-B482-7E46FBAC6080}"/>
+              </a:ext>
+            </a:extLst>
+          </p:cNvPr>
+          <p:cNvCxnSpPr>
+            <a:stCxn id="26" idx="4"/>
+          </p:cNvCxnSpPr>
+          <p:nvPr/>
+        </p:nvCxnSpPr>
+        <p:spPr>
+          <a:xfrm flipH="1">
+            <a:off x="7410350" y="2716472"/>
+            <a:ext cx="1690" cy="262569"/>
+          </a:xfrm>
+          <a:prstGeom prst="straightConnector1">
+            <a:avLst/>
+          </a:prstGeom>
+          <a:ln>
+            <a:tailEnd type="arrow"/>
+          </a:ln>
+        </p:spPr>
+        <p:style>
+          <a:lnRef idx="2">
+            <a:schemeClr val="accent2"/>
+          </a:lnRef>
+          <a:fillRef idx="0">
+            <a:schemeClr val="accent2"/>
+          </a:fillRef>
+          <a:effectRef idx="1">
+            <a:schemeClr val="accent2"/>
+          </a:effectRef>
+          <a:fontRef idx="minor">
+            <a:schemeClr val="tx1"/>
+          </a:fontRef>
+        </p:style>
+      </p:cxnSp>
+      <p:sp>
+        <p:nvSpPr>
+          <p:cNvPr id="31" name="Oval 30">
+            <a:extLst>
+              <a:ext uri="{FF2B5EF4-FFF2-40B4-BE49-F238E27FC236}">
+                <a16:creationId xmlns:a16="http://schemas.microsoft.com/office/drawing/2014/main" id="{C6115D1A-704F-7846-A1B4-D097B5FBCE07}"/>
+              </a:ext>
+            </a:extLst>
+          </p:cNvPr>
+          <p:cNvSpPr/>
+          <p:nvPr/>
+        </p:nvSpPr>
+        <p:spPr>
+          <a:xfrm>
+            <a:off x="7060596" y="4629951"/>
+            <a:ext cx="238895" cy="251497"/>
+          </a:xfrm>
+          <a:prstGeom prst="ellipse">
+            <a:avLst/>
+          </a:prstGeom>
+        </p:spPr>
+        <p:style>
+          <a:lnRef idx="2">
+            <a:schemeClr val="accent6">
+              <a:shade val="50000"/>
+            </a:schemeClr>
+          </a:lnRef>
+          <a:fillRef idx="1">
+            <a:schemeClr val="accent6"/>
+          </a:fillRef>
+          <a:effectRef idx="0">
+            <a:schemeClr val="accent6"/>
+          </a:effectRef>
+          <a:fontRef idx="minor">
+            <a:schemeClr val="lt1"/>
+          </a:fontRef>
+        </p:style>
+        <p:txBody>
+          <a:bodyPr rtlCol="0" anchor="ctr"/>
+          <a:lstStyle/>
+          <a:p>
+            <a:pPr algn="ctr"/>
+            <a:endParaRPr lang="en-US" sz="2400"/>
+          </a:p>
+        </p:txBody>
+      </p:sp>
+      <p:cxnSp>
+        <p:nvCxnSpPr>
+          <p:cNvPr id="34" name="Straight Arrow Connector 33">
+            <a:extLst>
+              <a:ext uri="{FF2B5EF4-FFF2-40B4-BE49-F238E27FC236}">
+                <a16:creationId xmlns:a16="http://schemas.microsoft.com/office/drawing/2014/main" id="{096F7A32-7E86-F647-9199-34CAFB02223B}"/>
+              </a:ext>
+            </a:extLst>
+          </p:cNvPr>
+          <p:cNvCxnSpPr>
+            <a:stCxn id="31" idx="4"/>
+          </p:cNvCxnSpPr>
+          <p:nvPr/>
+        </p:nvCxnSpPr>
+        <p:spPr>
+          <a:xfrm flipH="1">
+            <a:off x="7178354" y="4881448"/>
+            <a:ext cx="1690" cy="262569"/>
+          </a:xfrm>
+          <a:prstGeom prst="straightConnector1">
+            <a:avLst/>
+          </a:prstGeom>
+          <a:ln>
+            <a:tailEnd type="arrow"/>
+          </a:ln>
+        </p:spPr>
+        <p:style>
+          <a:lnRef idx="2">
+            <a:schemeClr val="accent2"/>
+          </a:lnRef>
+          <a:fillRef idx="0">
+            <a:schemeClr val="accent2"/>
+          </a:fillRef>
+          <a:effectRef idx="1">
+            <a:schemeClr val="accent2"/>
+          </a:effectRef>
+          <a:fontRef idx="minor">
+            <a:schemeClr val="tx1"/>
+          </a:fontRef>
+        </p:style>
+      </p:cxnSp>
+      <p:sp>
+        <p:nvSpPr>
+          <p:cNvPr id="28" name="TextBox 27">
+            <a:extLst>
+              <a:ext uri="{FF2B5EF4-FFF2-40B4-BE49-F238E27FC236}">
+                <a16:creationId xmlns:a16="http://schemas.microsoft.com/office/drawing/2014/main" id="{FF908D0F-1FA1-3945-8092-84B9499CA78D}"/>
+              </a:ext>
+            </a:extLst>
+          </p:cNvPr>
+          <p:cNvSpPr txBox="1"/>
+          <p:nvPr/>
+        </p:nvSpPr>
+        <p:spPr>
+          <a:xfrm>
+            <a:off x="7531487" y="1397067"/>
+            <a:ext cx="1171012" cy="461665"/>
+          </a:xfrm>
+          <a:prstGeom prst="rect">
+            <a:avLst/>
+          </a:prstGeom>
+          <a:noFill/>
+        </p:spPr>
+        <p:txBody>
+          <a:bodyPr wrap="square" rtlCol="0">
+            <a:spAutoFit/>
+          </a:bodyPr>
+          <a:lstStyle/>
+          <a:p>
+            <a:pPr algn="ctr"/>
+            <a:r>
+              <a:rPr lang="en-US" sz="2400" dirty="0"/>
+              <a:t>feature</a:t>
+            </a:r>
+          </a:p>
+        </p:txBody>
+      </p:sp>
+      <p:sp>
+        <p:nvSpPr>
+          <p:cNvPr id="29" name="Oval 28">
+            <a:extLst>
+              <a:ext uri="{FF2B5EF4-FFF2-40B4-BE49-F238E27FC236}">
+                <a16:creationId xmlns:a16="http://schemas.microsoft.com/office/drawing/2014/main" id="{621342EB-3B33-1740-B7AD-9F103F6F4F73}"/>
+              </a:ext>
+            </a:extLst>
+          </p:cNvPr>
+          <p:cNvSpPr/>
+          <p:nvPr/>
+        </p:nvSpPr>
+        <p:spPr>
+          <a:xfrm>
+            <a:off x="7299491" y="1976591"/>
+            <a:ext cx="238895" cy="251497"/>
+          </a:xfrm>
+          <a:prstGeom prst="ellipse">
+            <a:avLst/>
+          </a:prstGeom>
+        </p:spPr>
+        <p:style>
+          <a:lnRef idx="2">
+            <a:schemeClr val="accent6">
+              <a:shade val="50000"/>
+            </a:schemeClr>
+          </a:lnRef>
+          <a:fillRef idx="1">
+            <a:schemeClr val="accent6"/>
+          </a:fillRef>
+          <a:effectRef idx="0">
+            <a:schemeClr val="accent6"/>
+          </a:effectRef>
+          <a:fontRef idx="minor">
+            <a:schemeClr val="lt1"/>
+          </a:fontRef>
+        </p:style>
+        <p:txBody>
+          <a:bodyPr rtlCol="0" anchor="ctr"/>
+          <a:lstStyle/>
+          <a:p>
+            <a:pPr algn="ctr"/>
+            <a:endParaRPr lang="en-US" sz="2400"/>
+          </a:p>
+        </p:txBody>
+      </p:sp>
+      <p:cxnSp>
+        <p:nvCxnSpPr>
+          <p:cNvPr id="35" name="Straight Arrow Connector 34">
+            <a:extLst>
+              <a:ext uri="{FF2B5EF4-FFF2-40B4-BE49-F238E27FC236}">
+                <a16:creationId xmlns:a16="http://schemas.microsoft.com/office/drawing/2014/main" id="{71D98494-3AA6-E44D-8AFA-3DE7A8176042}"/>
+              </a:ext>
+            </a:extLst>
+          </p:cNvPr>
+          <p:cNvCxnSpPr>
+            <a:stCxn id="29" idx="4"/>
+          </p:cNvCxnSpPr>
+          <p:nvPr/>
+        </p:nvCxnSpPr>
+        <p:spPr>
+          <a:xfrm flipH="1">
+            <a:off x="7417249" y="2228088"/>
+            <a:ext cx="1690" cy="262569"/>
+          </a:xfrm>
+          <a:prstGeom prst="straightConnector1">
+            <a:avLst/>
+          </a:prstGeom>
+          <a:ln>
+            <a:tailEnd type="arrow"/>
+          </a:ln>
+        </p:spPr>
+        <p:style>
+          <a:lnRef idx="2">
+            <a:schemeClr val="accent2"/>
+          </a:lnRef>
+          <a:fillRef idx="0">
+            <a:schemeClr val="accent2"/>
+          </a:fillRef>
+          <a:effectRef idx="1">
+            <a:schemeClr val="accent2"/>
+          </a:effectRef>
+          <a:fontRef idx="minor">
+            <a:schemeClr val="tx1"/>
+          </a:fontRef>
+        </p:style>
+      </p:cxnSp>
+      <p:sp>
+        <p:nvSpPr>
+          <p:cNvPr id="30" name="Oval 29">
+            <a:extLst>
+              <a:ext uri="{FF2B5EF4-FFF2-40B4-BE49-F238E27FC236}">
+                <a16:creationId xmlns:a16="http://schemas.microsoft.com/office/drawing/2014/main" id="{7116067D-1426-CC40-B0E4-4F59C846EB13}"/>
+              </a:ext>
+            </a:extLst>
+          </p:cNvPr>
+          <p:cNvSpPr/>
+          <p:nvPr/>
+        </p:nvSpPr>
+        <p:spPr>
+          <a:xfrm>
+            <a:off x="2538378" y="2726339"/>
+            <a:ext cx="238895" cy="251497"/>
+          </a:xfrm>
+          <a:prstGeom prst="ellipse">
+            <a:avLst/>
+          </a:prstGeom>
+        </p:spPr>
+        <p:style>
+          <a:lnRef idx="2">
+            <a:schemeClr val="dk1"/>
+          </a:lnRef>
+          <a:fillRef idx="1">
+            <a:schemeClr val="lt1"/>
+          </a:fillRef>
+          <a:effectRef idx="0">
+            <a:schemeClr val="dk1"/>
+          </a:effectRef>
+          <a:fontRef idx="minor">
+            <a:schemeClr val="dk1"/>
+          </a:fontRef>
+        </p:style>
+        <p:txBody>
+          <a:bodyPr rtlCol="0" anchor="ctr"/>
+          <a:lstStyle/>
+          <a:p>
+            <a:pPr algn="ctr"/>
+            <a:endParaRPr lang="en-US" sz="2400"/>
+          </a:p>
+        </p:txBody>
+      </p:sp>
+      <p:cxnSp>
+        <p:nvCxnSpPr>
+          <p:cNvPr id="36" name="Straight Arrow Connector 35">
+            <a:extLst>
+              <a:ext uri="{FF2B5EF4-FFF2-40B4-BE49-F238E27FC236}">
+                <a16:creationId xmlns:a16="http://schemas.microsoft.com/office/drawing/2014/main" id="{AAA06A7D-B9F9-4F4B-93AA-A1389E9C452D}"/>
+              </a:ext>
+            </a:extLst>
+          </p:cNvPr>
+          <p:cNvCxnSpPr>
+            <a:stCxn id="30" idx="4"/>
+          </p:cNvCxnSpPr>
+          <p:nvPr/>
+        </p:nvCxnSpPr>
+        <p:spPr>
+          <a:xfrm>
+            <a:off x="2657826" y="2977836"/>
+            <a:ext cx="0" cy="236067"/>
+          </a:xfrm>
+          <a:prstGeom prst="straightConnector1">
+            <a:avLst/>
+          </a:prstGeom>
+          <a:ln>
+            <a:tailEnd type="arrow"/>
+          </a:ln>
+        </p:spPr>
+        <p:style>
+          <a:lnRef idx="2">
+            <a:schemeClr val="dk1"/>
+          </a:lnRef>
+          <a:fillRef idx="1">
+            <a:schemeClr val="lt1"/>
+          </a:fillRef>
+          <a:effectRef idx="0">
+            <a:schemeClr val="dk1"/>
+          </a:effectRef>
+          <a:fontRef idx="minor">
+            <a:schemeClr val="dk1"/>
+          </a:fontRef>
+        </p:style>
+      </p:cxnSp>
+      <p:sp>
+        <p:nvSpPr>
+          <p:cNvPr id="39" name="Oval 38">
+            <a:extLst>
+              <a:ext uri="{FF2B5EF4-FFF2-40B4-BE49-F238E27FC236}">
+                <a16:creationId xmlns:a16="http://schemas.microsoft.com/office/drawing/2014/main" id="{510FEC89-D079-D246-88A2-1662327F66D6}"/>
+              </a:ext>
+            </a:extLst>
+          </p:cNvPr>
+          <p:cNvSpPr/>
+          <p:nvPr/>
+        </p:nvSpPr>
+        <p:spPr>
+          <a:xfrm>
+            <a:off x="6627344" y="5636452"/>
+            <a:ext cx="238895" cy="251497"/>
+          </a:xfrm>
+          <a:prstGeom prst="ellipse">
+            <a:avLst/>
+          </a:prstGeom>
+        </p:spPr>
+        <p:style>
+          <a:lnRef idx="2">
+            <a:schemeClr val="dk1"/>
+          </a:lnRef>
+          <a:fillRef idx="1">
+            <a:schemeClr val="lt1"/>
+          </a:fillRef>
+          <a:effectRef idx="0">
+            <a:schemeClr val="dk1"/>
+          </a:effectRef>
+          <a:fontRef idx="minor">
+            <a:schemeClr val="dk1"/>
+          </a:fontRef>
+        </p:style>
+        <p:txBody>
+          <a:bodyPr rtlCol="0" anchor="ctr"/>
+          <a:lstStyle/>
+          <a:p>
+            <a:pPr algn="ctr"/>
+            <a:endParaRPr lang="en-US" sz="2400"/>
+          </a:p>
+        </p:txBody>
+      </p:sp>
+      <p:cxnSp>
+        <p:nvCxnSpPr>
+          <p:cNvPr id="40" name="Straight Arrow Connector 39">
+            <a:extLst>
+              <a:ext uri="{FF2B5EF4-FFF2-40B4-BE49-F238E27FC236}">
+                <a16:creationId xmlns:a16="http://schemas.microsoft.com/office/drawing/2014/main" id="{822450E1-FADD-5148-B3DF-53B10DB05A88}"/>
+              </a:ext>
+            </a:extLst>
+          </p:cNvPr>
+          <p:cNvCxnSpPr>
+            <a:cxnSpLocks/>
+            <a:stCxn id="39" idx="4"/>
+            <a:endCxn id="24" idx="1"/>
+          </p:cNvCxnSpPr>
+          <p:nvPr/>
+        </p:nvCxnSpPr>
+        <p:spPr>
+          <a:xfrm>
+            <a:off x="6746792" y="5887949"/>
+            <a:ext cx="347099" cy="283241"/>
+          </a:xfrm>
+          <a:prstGeom prst="straightConnector1">
+            <a:avLst/>
+          </a:prstGeom>
+          <a:ln>
+            <a:tailEnd type="arrow"/>
+          </a:ln>
+        </p:spPr>
+        <p:style>
+          <a:lnRef idx="2">
+            <a:schemeClr val="dk1"/>
+          </a:lnRef>
+          <a:fillRef idx="1">
+            <a:schemeClr val="lt1"/>
+          </a:fillRef>
+          <a:effectRef idx="0">
+            <a:schemeClr val="dk1"/>
+          </a:effectRef>
+          <a:fontRef idx="minor">
+            <a:schemeClr val="dk1"/>
+          </a:fontRef>
+        </p:style>
+      </p:cxnSp>
+      <p:sp>
+        <p:nvSpPr>
+          <p:cNvPr id="37" name="Oval 36">
+            <a:extLst>
+              <a:ext uri="{FF2B5EF4-FFF2-40B4-BE49-F238E27FC236}">
+                <a16:creationId xmlns:a16="http://schemas.microsoft.com/office/drawing/2014/main" id="{A2FAEDA4-6273-114C-9103-412988B0B4DD}"/>
+              </a:ext>
+            </a:extLst>
+          </p:cNvPr>
+          <p:cNvSpPr/>
+          <p:nvPr/>
+        </p:nvSpPr>
+        <p:spPr>
+          <a:xfrm>
+            <a:off x="7060596" y="4117462"/>
+            <a:ext cx="238895" cy="251497"/>
+          </a:xfrm>
+          <a:prstGeom prst="ellipse">
+            <a:avLst/>
+          </a:prstGeom>
+        </p:spPr>
+        <p:style>
+          <a:lnRef idx="2">
+            <a:schemeClr val="accent6">
+              <a:shade val="50000"/>
+            </a:schemeClr>
+          </a:lnRef>
+          <a:fillRef idx="1">
+            <a:schemeClr val="accent6"/>
+          </a:fillRef>
+          <a:effectRef idx="0">
+            <a:schemeClr val="accent6"/>
+          </a:effectRef>
+          <a:fontRef idx="minor">
+            <a:schemeClr val="lt1"/>
+          </a:fontRef>
+        </p:style>
+        <p:txBody>
+          <a:bodyPr rtlCol="0" anchor="ctr"/>
+          <a:lstStyle/>
+          <a:p>
+            <a:pPr algn="ctr"/>
+            <a:endParaRPr lang="en-US" sz="2400"/>
+          </a:p>
+        </p:txBody>
+      </p:sp>
+      <p:cxnSp>
+        <p:nvCxnSpPr>
+          <p:cNvPr id="41" name="Straight Arrow Connector 40">
+            <a:extLst>
+              <a:ext uri="{FF2B5EF4-FFF2-40B4-BE49-F238E27FC236}">
+                <a16:creationId xmlns:a16="http://schemas.microsoft.com/office/drawing/2014/main" id="{32336EB8-16A7-9048-8563-7E6BF58FF21C}"/>
+              </a:ext>
+            </a:extLst>
+          </p:cNvPr>
+          <p:cNvCxnSpPr>
+            <a:stCxn id="37" idx="4"/>
+          </p:cNvCxnSpPr>
+          <p:nvPr/>
+        </p:nvCxnSpPr>
+        <p:spPr>
+          <a:xfrm flipH="1">
+            <a:off x="7178354" y="4368959"/>
+            <a:ext cx="1690" cy="262569"/>
+          </a:xfrm>
+          <a:prstGeom prst="straightConnector1">
+            <a:avLst/>
+          </a:prstGeom>
+          <a:ln>
+            <a:tailEnd type="arrow"/>
+          </a:ln>
+        </p:spPr>
+        <p:style>
+          <a:lnRef idx="2">
+            <a:schemeClr val="accent2"/>
+          </a:lnRef>
+          <a:fillRef idx="0">
+            <a:schemeClr val="accent2"/>
+          </a:fillRef>
+          <a:effectRef idx="1">
+            <a:schemeClr val="accent2"/>
+          </a:effectRef>
+          <a:fontRef idx="minor">
+            <a:schemeClr val="tx1"/>
+          </a:fontRef>
+        </p:style>
+      </p:cxnSp>
+      <p:cxnSp>
+        <p:nvCxnSpPr>
+          <p:cNvPr id="42" name="Straight Arrow Connector 41">
+            <a:extLst>
+              <a:ext uri="{FF2B5EF4-FFF2-40B4-BE49-F238E27FC236}">
+                <a16:creationId xmlns:a16="http://schemas.microsoft.com/office/drawing/2014/main" id="{C87D6C5B-9BAE-A747-BEBE-0F1EC8583D18}"/>
+              </a:ext>
+            </a:extLst>
+          </p:cNvPr>
+          <p:cNvCxnSpPr>
+            <a:cxnSpLocks/>
+            <a:stCxn id="37" idx="3"/>
+            <a:endCxn id="39" idx="0"/>
+          </p:cNvCxnSpPr>
+          <p:nvPr/>
+        </p:nvCxnSpPr>
+        <p:spPr>
+          <a:xfrm flipH="1">
+            <a:off x="6746792" y="4332128"/>
+            <a:ext cx="348789" cy="1304324"/>
+          </a:xfrm>
+          <a:prstGeom prst="straightConnector1">
+            <a:avLst/>
+          </a:prstGeom>
+          <a:ln>
+            <a:tailEnd type="arrow"/>
+          </a:ln>
+        </p:spPr>
+        <p:style>
+          <a:lnRef idx="2">
+            <a:schemeClr val="accent2"/>
+          </a:lnRef>
+          <a:fillRef idx="0">
+            <a:schemeClr val="accent2"/>
+          </a:fillRef>
+          <a:effectRef idx="1">
+            <a:schemeClr val="accent2"/>
+          </a:effectRef>
+          <a:fontRef idx="minor">
+            <a:schemeClr val="tx1"/>
+          </a:fontRef>
+        </p:style>
+      </p:cxnSp>
+      <p:sp>
+        <p:nvSpPr>
+          <p:cNvPr id="49" name="Oval 48">
+            <a:extLst>
+              <a:ext uri="{FF2B5EF4-FFF2-40B4-BE49-F238E27FC236}">
+                <a16:creationId xmlns:a16="http://schemas.microsoft.com/office/drawing/2014/main" id="{3CBD77C4-912E-DF47-8433-69AF41D4FB3A}"/>
+              </a:ext>
+            </a:extLst>
+          </p:cNvPr>
+          <p:cNvSpPr/>
+          <p:nvPr/>
+        </p:nvSpPr>
+        <p:spPr>
+          <a:xfrm>
+            <a:off x="6866239" y="3021296"/>
+            <a:ext cx="238895" cy="251497"/>
+          </a:xfrm>
+          <a:prstGeom prst="ellipse">
+            <a:avLst/>
+          </a:prstGeom>
+        </p:spPr>
+        <p:style>
+          <a:lnRef idx="2">
+            <a:schemeClr val="dk1"/>
+          </a:lnRef>
+          <a:fillRef idx="1">
+            <a:schemeClr val="lt1"/>
+          </a:fillRef>
+          <a:effectRef idx="0">
+            <a:schemeClr val="dk1"/>
+          </a:effectRef>
+          <a:fontRef idx="minor">
+            <a:schemeClr val="dk1"/>
+          </a:fontRef>
+        </p:style>
+        <p:txBody>
+          <a:bodyPr rtlCol="0" anchor="ctr"/>
+          <a:lstStyle/>
+          <a:p>
+            <a:pPr algn="ctr"/>
+            <a:endParaRPr lang="en-US" sz="2400"/>
+          </a:p>
+        </p:txBody>
+      </p:sp>
+      <p:cxnSp>
+        <p:nvCxnSpPr>
+          <p:cNvPr id="50" name="Straight Arrow Connector 49">
+            <a:extLst>
+              <a:ext uri="{FF2B5EF4-FFF2-40B4-BE49-F238E27FC236}">
+                <a16:creationId xmlns:a16="http://schemas.microsoft.com/office/drawing/2014/main" id="{A25C3796-AC74-E34B-845E-FF05C7B55D18}"/>
+              </a:ext>
+            </a:extLst>
+          </p:cNvPr>
+          <p:cNvCxnSpPr>
+            <a:cxnSpLocks/>
+            <a:stCxn id="49" idx="4"/>
+          </p:cNvCxnSpPr>
+          <p:nvPr/>
+        </p:nvCxnSpPr>
+        <p:spPr>
+          <a:xfrm>
+            <a:off x="6985687" y="3272793"/>
+            <a:ext cx="347099" cy="283241"/>
+          </a:xfrm>
+          <a:prstGeom prst="straightConnector1">
+            <a:avLst/>
+          </a:prstGeom>
+          <a:ln>
+            <a:tailEnd type="arrow"/>
+          </a:ln>
+        </p:spPr>
+        <p:style>
+          <a:lnRef idx="2">
+            <a:schemeClr val="dk1"/>
+          </a:lnRef>
+          <a:fillRef idx="1">
+            <a:schemeClr val="lt1"/>
+          </a:fillRef>
+          <a:effectRef idx="0">
+            <a:schemeClr val="dk1"/>
+          </a:effectRef>
+          <a:fontRef idx="minor">
+            <a:schemeClr val="dk1"/>
+          </a:fontRef>
+        </p:style>
+      </p:cxnSp>
+      <p:sp>
+        <p:nvSpPr>
+          <p:cNvPr id="51" name="Oval 50">
+            <a:extLst>
+              <a:ext uri="{FF2B5EF4-FFF2-40B4-BE49-F238E27FC236}">
+                <a16:creationId xmlns:a16="http://schemas.microsoft.com/office/drawing/2014/main" id="{60D8FC7B-FA86-6741-81D0-A5003881B71D}"/>
+              </a:ext>
+            </a:extLst>
+          </p:cNvPr>
+          <p:cNvSpPr/>
+          <p:nvPr/>
+        </p:nvSpPr>
+        <p:spPr>
+          <a:xfrm>
+            <a:off x="7299491" y="1502306"/>
+            <a:ext cx="238895" cy="251497"/>
+          </a:xfrm>
+          <a:prstGeom prst="ellipse">
+            <a:avLst/>
+          </a:prstGeom>
+        </p:spPr>
+        <p:style>
+          <a:lnRef idx="2">
+            <a:schemeClr val="accent6">
+              <a:shade val="50000"/>
+            </a:schemeClr>
+          </a:lnRef>
+          <a:fillRef idx="1">
+            <a:schemeClr val="accent6"/>
+          </a:fillRef>
+          <a:effectRef idx="0">
+            <a:schemeClr val="accent6"/>
+          </a:effectRef>
+          <a:fontRef idx="minor">
+            <a:schemeClr val="lt1"/>
+          </a:fontRef>
+        </p:style>
+        <p:txBody>
+          <a:bodyPr rtlCol="0" anchor="ctr"/>
+          <a:lstStyle/>
+          <a:p>
+            <a:pPr algn="ctr"/>
+            <a:endParaRPr lang="en-US" sz="2400"/>
+          </a:p>
+        </p:txBody>
+      </p:sp>
+      <p:cxnSp>
+        <p:nvCxnSpPr>
+          <p:cNvPr id="52" name="Straight Arrow Connector 51">
+            <a:extLst>
+              <a:ext uri="{FF2B5EF4-FFF2-40B4-BE49-F238E27FC236}">
+                <a16:creationId xmlns:a16="http://schemas.microsoft.com/office/drawing/2014/main" id="{3190FE43-5CCF-D24F-B758-E839B2C60D51}"/>
+              </a:ext>
+            </a:extLst>
+          </p:cNvPr>
+          <p:cNvCxnSpPr>
+            <a:stCxn id="51" idx="4"/>
+          </p:cNvCxnSpPr>
+          <p:nvPr/>
+        </p:nvCxnSpPr>
+        <p:spPr>
+          <a:xfrm flipH="1">
+            <a:off x="7417249" y="1753803"/>
+            <a:ext cx="1690" cy="262569"/>
+          </a:xfrm>
+          <a:prstGeom prst="straightConnector1">
+            <a:avLst/>
+          </a:prstGeom>
+          <a:ln>
+            <a:tailEnd type="arrow"/>
+          </a:ln>
+        </p:spPr>
+        <p:style>
+          <a:lnRef idx="2">
+            <a:schemeClr val="accent2"/>
+          </a:lnRef>
+          <a:fillRef idx="0">
+            <a:schemeClr val="accent2"/>
+          </a:fillRef>
+          <a:effectRef idx="1">
+            <a:schemeClr val="accent2"/>
+          </a:effectRef>
+          <a:fontRef idx="minor">
+            <a:schemeClr val="tx1"/>
+          </a:fontRef>
+        </p:style>
+      </p:cxnSp>
+      <p:cxnSp>
+        <p:nvCxnSpPr>
+          <p:cNvPr id="53" name="Straight Arrow Connector 52">
+            <a:extLst>
+              <a:ext uri="{FF2B5EF4-FFF2-40B4-BE49-F238E27FC236}">
+                <a16:creationId xmlns:a16="http://schemas.microsoft.com/office/drawing/2014/main" id="{E635E880-BBC2-AF4B-ADA6-B7B5B91279B7}"/>
+              </a:ext>
+            </a:extLst>
+          </p:cNvPr>
+          <p:cNvCxnSpPr>
+            <a:cxnSpLocks/>
+            <a:stCxn id="51" idx="3"/>
+            <a:endCxn id="49" idx="0"/>
+          </p:cNvCxnSpPr>
+          <p:nvPr/>
+        </p:nvCxnSpPr>
+        <p:spPr>
+          <a:xfrm flipH="1">
+            <a:off x="6985687" y="1716972"/>
+            <a:ext cx="348789" cy="1304324"/>
+          </a:xfrm>
+          <a:prstGeom prst="straightConnector1">
+            <a:avLst/>
+          </a:prstGeom>
+          <a:ln>
+            <a:tailEnd type="arrow"/>
+          </a:ln>
+        </p:spPr>
+        <p:style>
+          <a:lnRef idx="2">
+            <a:schemeClr val="accent2"/>
+          </a:lnRef>
+          <a:fillRef idx="0">
+            <a:schemeClr val="accent2"/>
+          </a:fillRef>
+          <a:effectRef idx="1">
+            <a:schemeClr val="accent2"/>
+          </a:effectRef>
+          <a:fontRef idx="minor">
+            <a:schemeClr val="tx1"/>
+          </a:fontRef>
+        </p:style>
+      </p:cxnSp>
+      <p:sp>
+        <p:nvSpPr>
+          <p:cNvPr id="4" name="Title 3">
+            <a:extLst>
+              <a:ext uri="{FF2B5EF4-FFF2-40B4-BE49-F238E27FC236}">
+                <a16:creationId xmlns:a16="http://schemas.microsoft.com/office/drawing/2014/main" id="{C75AB699-6029-0C47-830B-AF95A34F6FDA}"/>
               </a:ext>
             </a:extLst>
           </p:cNvPr>
@@ -33433,48 +35209,20 @@
           <a:bodyPr/>
           <a:lstStyle/>
           <a:p>
+            <a:pPr algn="l"/>
             <a:r>
               <a:rPr lang="en-US" dirty="0"/>
-              <a:t>Maintainer merges PR</a:t>
-            </a:r>
-          </a:p>
-        </p:txBody>
-      </p:sp>
-      <p:sp>
-        <p:nvSpPr>
-          <p:cNvPr id="3" name="Slide Number Placeholder 2">
-            <a:extLst>
-              <a:ext uri="{FF2B5EF4-FFF2-40B4-BE49-F238E27FC236}">
-                <a16:creationId xmlns:a16="http://schemas.microsoft.com/office/drawing/2014/main" id="{4CB38EF8-5BFF-CB45-A12E-AB5E2C69A6E8}"/>
-              </a:ext>
-            </a:extLst>
-          </p:cNvPr>
-          <p:cNvSpPr>
-            <a:spLocks noGrp="1"/>
-          </p:cNvSpPr>
-          <p:nvPr>
-            <p:ph type="sldNum" sz="quarter" idx="12"/>
-          </p:nvPr>
-        </p:nvSpPr>
-        <p:spPr/>
-        <p:txBody>
-          <a:bodyPr/>
-          <a:lstStyle/>
-          <a:p>
-            <a:fld id="{359744D5-AA56-484C-8B57-85B289DA1210}" type="slidenum">
-              <a:rPr lang="en-US" smtClean="0"/>
-              <a:t>45</a:t>
-            </a:fld>
-            <a:endParaRPr lang="en-US"/>
+              <a:t>Perfect! Thanks!</a:t>
+            </a:r>
           </a:p>
         </p:txBody>
       </p:sp>
       <p:pic>
         <p:nvPicPr>
-          <p:cNvPr id="5" name="Picture 4">
-            <a:extLst>
-              <a:ext uri="{FF2B5EF4-FFF2-40B4-BE49-F238E27FC236}">
-                <a16:creationId xmlns:a16="http://schemas.microsoft.com/office/drawing/2014/main" id="{4DD6DFAE-EE4B-924E-9D2D-B0C4350390FD}"/>
+          <p:cNvPr id="43" name="Picture 42" descr="11949864871831664442blueman_104_02.svg.med.png">
+            <a:extLst>
+              <a:ext uri="{FF2B5EF4-FFF2-40B4-BE49-F238E27FC236}">
+                <a16:creationId xmlns:a16="http://schemas.microsoft.com/office/drawing/2014/main" id="{5016FF99-9D03-8B45-849A-AEC714DE579E}"/>
               </a:ext>
             </a:extLst>
           </p:cNvPr>
@@ -33484,67 +35232,7 @@
           <p:nvPr/>
         </p:nvPicPr>
         <p:blipFill>
-          <a:blip r:embed="rId2"/>
-          <a:stretch>
-            <a:fillRect/>
-          </a:stretch>
-        </p:blipFill>
-        <p:spPr>
-          <a:xfrm>
-            <a:off x="2777733" y="1558969"/>
-            <a:ext cx="5016500" cy="4191000"/>
-          </a:xfrm>
-          <a:prstGeom prst="rect">
-            <a:avLst/>
-          </a:prstGeom>
-        </p:spPr>
-      </p:pic>
-      <p:pic>
-        <p:nvPicPr>
-          <p:cNvPr id="6" name="Picture 5">
-            <a:extLst>
-              <a:ext uri="{FF2B5EF4-FFF2-40B4-BE49-F238E27FC236}">
-                <a16:creationId xmlns:a16="http://schemas.microsoft.com/office/drawing/2014/main" id="{25B21296-50AE-E44E-8C8A-D3ED79528F25}"/>
-              </a:ext>
-            </a:extLst>
-          </p:cNvPr>
-          <p:cNvPicPr>
-            <a:picLocks noChangeAspect="1"/>
-          </p:cNvPicPr>
-          <p:nvPr/>
-        </p:nvPicPr>
-        <p:blipFill>
-          <a:blip r:embed="rId3"/>
-          <a:stretch>
-            <a:fillRect/>
-          </a:stretch>
-        </p:blipFill>
-        <p:spPr>
-          <a:xfrm>
-            <a:off x="2883200" y="4129742"/>
-            <a:ext cx="513343" cy="657800"/>
-          </a:xfrm>
-          <a:prstGeom prst="rect">
-            <a:avLst/>
-          </a:prstGeom>
-        </p:spPr>
-      </p:pic>
-      <p:pic>
-        <p:nvPicPr>
-          <p:cNvPr id="7" name="Picture 6" descr="11949864871831664442blueman_104_02.svg.med.png">
-            <a:extLst>
-              <a:ext uri="{FF2B5EF4-FFF2-40B4-BE49-F238E27FC236}">
-                <a16:creationId xmlns:a16="http://schemas.microsoft.com/office/drawing/2014/main" id="{3F4291E7-7588-5C48-A0C9-082A43ABA6F2}"/>
-              </a:ext>
-            </a:extLst>
-          </p:cNvPr>
-          <p:cNvPicPr>
-            <a:picLocks noChangeAspect="1"/>
-          </p:cNvPicPr>
-          <p:nvPr/>
-        </p:nvPicPr>
-        <p:blipFill>
-          <a:blip r:embed="rId4">
+          <a:blip r:embed="rId2">
             <a:extLst>
               <a:ext uri="{28A0092B-C50C-407E-A947-70E740481C1C}">
                 <a14:useLocalDpi xmlns:a14="http://schemas.microsoft.com/office/drawing/2010/main" val="0"/>
@@ -33557,7 +35245,7 @@
         </p:blipFill>
         <p:spPr>
           <a:xfrm>
-            <a:off x="197039" y="4347211"/>
+            <a:off x="229548" y="4368959"/>
             <a:ext cx="2228849" cy="2191701"/>
           </a:xfrm>
           <a:prstGeom prst="rect">
@@ -33568,7 +35256,7 @@
     </p:spTree>
     <p:extLst>
       <p:ext uri="{BB962C8B-B14F-4D97-AF65-F5344CB8AC3E}">
-        <p14:creationId xmlns:p14="http://schemas.microsoft.com/office/powerpoint/2010/main" val="1121753532"/>
+        <p14:creationId xmlns:p14="http://schemas.microsoft.com/office/powerpoint/2010/main" val="17499172"/>
       </p:ext>
     </p:extLst>
   </p:cSld>
@@ -33597,422 +35285,41 @@
       </p:grpSpPr>
       <p:sp>
         <p:nvSpPr>
-          <p:cNvPr id="10" name="Oval 9"/>
-          <p:cNvSpPr/>
-          <p:nvPr/>
-        </p:nvSpPr>
-        <p:spPr>
-          <a:xfrm>
-            <a:off x="7292592" y="3504096"/>
-            <a:ext cx="238895" cy="251497"/>
-          </a:xfrm>
-          <a:prstGeom prst="ellipse">
-            <a:avLst/>
-          </a:prstGeom>
-        </p:spPr>
-        <p:style>
-          <a:lnRef idx="1">
-            <a:schemeClr val="accent1"/>
-          </a:lnRef>
-          <a:fillRef idx="3">
-            <a:schemeClr val="accent1"/>
-          </a:fillRef>
-          <a:effectRef idx="2">
-            <a:schemeClr val="accent1"/>
-          </a:effectRef>
-          <a:fontRef idx="minor">
-            <a:schemeClr val="lt1"/>
-          </a:fontRef>
-        </p:style>
-        <p:txBody>
-          <a:bodyPr rtlCol="0" anchor="ctr"/>
-          <a:lstStyle/>
-          <a:p>
-            <a:pPr algn="ctr"/>
-            <a:endParaRPr lang="en-US" sz="2400"/>
-          </a:p>
-        </p:txBody>
-      </p:sp>
-      <p:cxnSp>
-        <p:nvCxnSpPr>
-          <p:cNvPr id="12" name="Straight Arrow Connector 11"/>
-          <p:cNvCxnSpPr>
-            <a:stCxn id="10" idx="4"/>
-          </p:cNvCxnSpPr>
-          <p:nvPr/>
-        </p:nvCxnSpPr>
-        <p:spPr>
-          <a:xfrm>
-            <a:off x="7412040" y="3755593"/>
-            <a:ext cx="0" cy="224845"/>
-          </a:xfrm>
-          <a:prstGeom prst="straightConnector1">
-            <a:avLst/>
-          </a:prstGeom>
-          <a:ln>
-            <a:tailEnd type="arrow"/>
-          </a:ln>
-        </p:spPr>
-        <p:style>
-          <a:lnRef idx="2">
-            <a:schemeClr val="accent1"/>
-          </a:lnRef>
-          <a:fillRef idx="0">
-            <a:schemeClr val="accent1"/>
-          </a:fillRef>
-          <a:effectRef idx="1">
-            <a:schemeClr val="accent1"/>
-          </a:effectRef>
-          <a:fontRef idx="minor">
-            <a:schemeClr val="tx1"/>
-          </a:fontRef>
-        </p:style>
-      </p:cxnSp>
-      <p:sp>
-        <p:nvSpPr>
-          <p:cNvPr id="16" name="TextBox 15"/>
-          <p:cNvSpPr txBox="1"/>
-          <p:nvPr/>
-        </p:nvSpPr>
-        <p:spPr>
-          <a:xfrm>
-            <a:off x="1419788" y="2159343"/>
-            <a:ext cx="1171012" cy="461665"/>
-          </a:xfrm>
-          <a:prstGeom prst="rect">
-            <a:avLst/>
-          </a:prstGeom>
-          <a:noFill/>
-        </p:spPr>
-        <p:txBody>
-          <a:bodyPr wrap="square" rtlCol="0">
-            <a:spAutoFit/>
-          </a:bodyPr>
-          <a:lstStyle/>
-          <a:p>
-            <a:pPr algn="ctr"/>
-            <a:r>
-              <a:rPr lang="en-US" sz="2400" dirty="0"/>
-              <a:t>master</a:t>
-            </a:r>
-          </a:p>
-        </p:txBody>
-      </p:sp>
-      <p:sp>
-        <p:nvSpPr>
-          <p:cNvPr id="17" name="Oval 16"/>
-          <p:cNvSpPr/>
-          <p:nvPr/>
-        </p:nvSpPr>
-        <p:spPr>
-          <a:xfrm>
-            <a:off x="2528941" y="3191389"/>
-            <a:ext cx="238895" cy="251497"/>
-          </a:xfrm>
-          <a:prstGeom prst="ellipse">
-            <a:avLst/>
-          </a:prstGeom>
-        </p:spPr>
-        <p:style>
-          <a:lnRef idx="1">
-            <a:schemeClr val="accent1"/>
-          </a:lnRef>
-          <a:fillRef idx="3">
-            <a:schemeClr val="accent1"/>
-          </a:fillRef>
-          <a:effectRef idx="2">
-            <a:schemeClr val="accent1"/>
-          </a:effectRef>
-          <a:fontRef idx="minor">
-            <a:schemeClr val="lt1"/>
-          </a:fontRef>
-        </p:style>
-        <p:txBody>
-          <a:bodyPr rtlCol="0" anchor="ctr"/>
-          <a:lstStyle/>
-          <a:p>
-            <a:pPr algn="ctr"/>
-            <a:endParaRPr lang="en-US" sz="2400"/>
-          </a:p>
-        </p:txBody>
-      </p:sp>
-      <p:cxnSp>
-        <p:nvCxnSpPr>
-          <p:cNvPr id="18" name="Straight Arrow Connector 17"/>
-          <p:cNvCxnSpPr>
-            <a:stCxn id="17" idx="4"/>
-          </p:cNvCxnSpPr>
-          <p:nvPr/>
-        </p:nvCxnSpPr>
-        <p:spPr>
-          <a:xfrm>
-            <a:off x="2648389" y="3442886"/>
-            <a:ext cx="0" cy="224845"/>
-          </a:xfrm>
-          <a:prstGeom prst="straightConnector1">
-            <a:avLst/>
-          </a:prstGeom>
-          <a:ln>
-            <a:tailEnd type="arrow"/>
-          </a:ln>
-        </p:spPr>
-        <p:style>
-          <a:lnRef idx="2">
-            <a:schemeClr val="accent1"/>
-          </a:lnRef>
-          <a:fillRef idx="0">
-            <a:schemeClr val="accent1"/>
-          </a:fillRef>
-          <a:effectRef idx="1">
-            <a:schemeClr val="accent1"/>
-          </a:effectRef>
-          <a:fontRef idx="minor">
-            <a:schemeClr val="tx1"/>
-          </a:fontRef>
-        </p:style>
-      </p:cxnSp>
-      <p:sp>
-        <p:nvSpPr>
-          <p:cNvPr id="24" name="Oval 23"/>
-          <p:cNvSpPr/>
-          <p:nvPr/>
-        </p:nvSpPr>
-        <p:spPr>
-          <a:xfrm>
-            <a:off x="7058906" y="6134359"/>
-            <a:ext cx="238895" cy="251497"/>
-          </a:xfrm>
-          <a:prstGeom prst="ellipse">
-            <a:avLst/>
-          </a:prstGeom>
-        </p:spPr>
-        <p:style>
-          <a:lnRef idx="1">
-            <a:schemeClr val="accent1"/>
-          </a:lnRef>
-          <a:fillRef idx="3">
-            <a:schemeClr val="accent1"/>
-          </a:fillRef>
-          <a:effectRef idx="2">
-            <a:schemeClr val="accent1"/>
-          </a:effectRef>
-          <a:fontRef idx="minor">
-            <a:schemeClr val="lt1"/>
-          </a:fontRef>
-        </p:style>
-        <p:txBody>
-          <a:bodyPr rtlCol="0" anchor="ctr"/>
-          <a:lstStyle/>
-          <a:p>
-            <a:pPr algn="ctr"/>
-            <a:endParaRPr lang="en-US" sz="2400"/>
-          </a:p>
-        </p:txBody>
-      </p:sp>
-      <p:cxnSp>
-        <p:nvCxnSpPr>
-          <p:cNvPr id="25" name="Straight Arrow Connector 24"/>
-          <p:cNvCxnSpPr>
-            <a:stCxn id="24" idx="4"/>
-          </p:cNvCxnSpPr>
-          <p:nvPr/>
-        </p:nvCxnSpPr>
-        <p:spPr>
-          <a:xfrm>
-            <a:off x="7178354" y="6385856"/>
-            <a:ext cx="0" cy="224845"/>
-          </a:xfrm>
-          <a:prstGeom prst="straightConnector1">
-            <a:avLst/>
-          </a:prstGeom>
-          <a:ln>
-            <a:tailEnd type="arrow"/>
-          </a:ln>
-        </p:spPr>
-        <p:style>
-          <a:lnRef idx="2">
-            <a:schemeClr val="accent1"/>
-          </a:lnRef>
-          <a:fillRef idx="0">
-            <a:schemeClr val="accent1"/>
-          </a:fillRef>
-          <a:effectRef idx="1">
-            <a:schemeClr val="accent1"/>
-          </a:effectRef>
-          <a:fontRef idx="minor">
-            <a:schemeClr val="tx1"/>
-          </a:fontRef>
-        </p:style>
-      </p:cxnSp>
-      <p:sp>
-        <p:nvSpPr>
-          <p:cNvPr id="44" name="TextBox 43"/>
-          <p:cNvSpPr txBox="1"/>
-          <p:nvPr/>
-        </p:nvSpPr>
-        <p:spPr>
-          <a:xfrm>
-            <a:off x="5857902" y="2790463"/>
-            <a:ext cx="1171012" cy="461665"/>
-          </a:xfrm>
-          <a:prstGeom prst="rect">
-            <a:avLst/>
-          </a:prstGeom>
-          <a:noFill/>
-        </p:spPr>
-        <p:txBody>
-          <a:bodyPr wrap="square" rtlCol="0">
-            <a:spAutoFit/>
-          </a:bodyPr>
-          <a:lstStyle/>
-          <a:p>
-            <a:pPr algn="ctr"/>
-            <a:r>
-              <a:rPr lang="en-US" sz="2400" dirty="0"/>
-              <a:t>master</a:t>
-            </a:r>
-          </a:p>
-        </p:txBody>
-      </p:sp>
-      <p:sp>
-        <p:nvSpPr>
-          <p:cNvPr id="45" name="TextBox 44"/>
-          <p:cNvSpPr txBox="1"/>
-          <p:nvPr/>
-        </p:nvSpPr>
-        <p:spPr>
-          <a:xfrm>
-            <a:off x="5516056" y="5500080"/>
-            <a:ext cx="1171012" cy="461665"/>
-          </a:xfrm>
-          <a:prstGeom prst="rect">
-            <a:avLst/>
-          </a:prstGeom>
-          <a:noFill/>
-        </p:spPr>
-        <p:txBody>
-          <a:bodyPr wrap="square" rtlCol="0">
-            <a:spAutoFit/>
-          </a:bodyPr>
-          <a:lstStyle/>
-          <a:p>
-            <a:pPr algn="ctr"/>
-            <a:r>
-              <a:rPr lang="en-US" sz="2400" dirty="0"/>
-              <a:t>master</a:t>
-            </a:r>
-          </a:p>
-        </p:txBody>
-      </p:sp>
-      <p:sp>
-        <p:nvSpPr>
-          <p:cNvPr id="14" name="Oval 13"/>
-          <p:cNvSpPr/>
-          <p:nvPr/>
-        </p:nvSpPr>
-        <p:spPr>
-          <a:xfrm>
-            <a:off x="7060596" y="5620293"/>
-            <a:ext cx="238895" cy="251497"/>
-          </a:xfrm>
-          <a:prstGeom prst="ellipse">
-            <a:avLst/>
-          </a:prstGeom>
-        </p:spPr>
-        <p:style>
-          <a:lnRef idx="2">
-            <a:schemeClr val="accent6">
-              <a:shade val="50000"/>
-            </a:schemeClr>
-          </a:lnRef>
-          <a:fillRef idx="1">
-            <a:schemeClr val="accent6"/>
-          </a:fillRef>
-          <a:effectRef idx="0">
-            <a:schemeClr val="accent6"/>
-          </a:effectRef>
-          <a:fontRef idx="minor">
-            <a:schemeClr val="lt1"/>
-          </a:fontRef>
-        </p:style>
-        <p:txBody>
-          <a:bodyPr rtlCol="0" anchor="ctr"/>
-          <a:lstStyle/>
-          <a:p>
-            <a:pPr algn="ctr"/>
-            <a:endParaRPr lang="en-US" sz="2400"/>
-          </a:p>
-        </p:txBody>
-      </p:sp>
-      <p:cxnSp>
-        <p:nvCxnSpPr>
-          <p:cNvPr id="15" name="Straight Arrow Connector 14"/>
-          <p:cNvCxnSpPr>
-            <a:stCxn id="14" idx="4"/>
-            <a:endCxn id="24" idx="0"/>
-          </p:cNvCxnSpPr>
-          <p:nvPr/>
-        </p:nvCxnSpPr>
-        <p:spPr>
-          <a:xfrm flipH="1">
-            <a:off x="7178354" y="5871790"/>
-            <a:ext cx="1690" cy="262569"/>
-          </a:xfrm>
-          <a:prstGeom prst="straightConnector1">
-            <a:avLst/>
-          </a:prstGeom>
-          <a:ln>
-            <a:tailEnd type="arrow"/>
-          </a:ln>
-        </p:spPr>
-        <p:style>
-          <a:lnRef idx="2">
-            <a:schemeClr val="accent2"/>
-          </a:lnRef>
-          <a:fillRef idx="0">
-            <a:schemeClr val="accent2"/>
-          </a:fillRef>
-          <a:effectRef idx="1">
-            <a:schemeClr val="accent2"/>
-          </a:effectRef>
-          <a:fontRef idx="minor">
-            <a:schemeClr val="tx1"/>
-          </a:fontRef>
-        </p:style>
-      </p:cxnSp>
-      <p:sp>
-        <p:nvSpPr>
-          <p:cNvPr id="23" name="TextBox 22"/>
-          <p:cNvSpPr txBox="1"/>
-          <p:nvPr/>
-        </p:nvSpPr>
-        <p:spPr>
-          <a:xfrm>
-            <a:off x="7292592" y="4012377"/>
-            <a:ext cx="1171012" cy="461665"/>
-          </a:xfrm>
-          <a:prstGeom prst="rect">
-            <a:avLst/>
-          </a:prstGeom>
-          <a:noFill/>
-        </p:spPr>
-        <p:txBody>
-          <a:bodyPr wrap="square" rtlCol="0">
-            <a:spAutoFit/>
-          </a:bodyPr>
-          <a:lstStyle/>
-          <a:p>
-            <a:pPr algn="ctr"/>
-            <a:r>
-              <a:rPr lang="en-US" sz="2400" dirty="0"/>
-              <a:t>feature</a:t>
-            </a:r>
-          </a:p>
-        </p:txBody>
-      </p:sp>
-      <p:sp>
-        <p:nvSpPr>
-          <p:cNvPr id="2" name="Slide Number Placeholder 1"/>
+          <p:cNvPr id="2" name="Title 1">
+            <a:extLst>
+              <a:ext uri="{FF2B5EF4-FFF2-40B4-BE49-F238E27FC236}">
+                <a16:creationId xmlns:a16="http://schemas.microsoft.com/office/drawing/2014/main" id="{43EACC41-5266-714E-A257-E66AB7981AB6}"/>
+              </a:ext>
+            </a:extLst>
+          </p:cNvPr>
+          <p:cNvSpPr>
+            <a:spLocks noGrp="1"/>
+          </p:cNvSpPr>
+          <p:nvPr>
+            <p:ph type="title"/>
+          </p:nvPr>
+        </p:nvSpPr>
+        <p:spPr/>
+        <p:txBody>
+          <a:bodyPr/>
+          <a:lstStyle/>
+          <a:p>
+            <a:r>
+              <a:rPr lang="en-US" dirty="0"/>
+              <a:t>Maintainer merges PR</a:t>
+            </a:r>
+          </a:p>
+        </p:txBody>
+      </p:sp>
+      <p:sp>
+        <p:nvSpPr>
+          <p:cNvPr id="3" name="Slide Number Placeholder 2">
+            <a:extLst>
+              <a:ext uri="{FF2B5EF4-FFF2-40B4-BE49-F238E27FC236}">
+                <a16:creationId xmlns:a16="http://schemas.microsoft.com/office/drawing/2014/main" id="{4CB38EF8-5BFF-CB45-A12E-AB5E2C69A6E8}"/>
+              </a:ext>
+            </a:extLst>
+          </p:cNvPr>
           <p:cNvSpPr>
             <a:spLocks noGrp="1"/>
           </p:cNvSpPr>
@@ -34033,1112 +35340,106 @@
           </a:p>
         </p:txBody>
       </p:sp>
-      <p:sp>
-        <p:nvSpPr>
-          <p:cNvPr id="19" name="Oval 18">
-            <a:extLst>
-              <a:ext uri="{FF2B5EF4-FFF2-40B4-BE49-F238E27FC236}">
-                <a16:creationId xmlns:a16="http://schemas.microsoft.com/office/drawing/2014/main" id="{15CE75F7-FAEF-E74E-A18C-1392B670DAB0}"/>
-              </a:ext>
-            </a:extLst>
-          </p:cNvPr>
-          <p:cNvSpPr/>
-          <p:nvPr/>
-        </p:nvSpPr>
-        <p:spPr>
-          <a:xfrm>
-            <a:off x="7299491" y="2984130"/>
-            <a:ext cx="238895" cy="251497"/>
-          </a:xfrm>
-          <a:prstGeom prst="ellipse">
-            <a:avLst/>
-          </a:prstGeom>
-        </p:spPr>
-        <p:style>
-          <a:lnRef idx="2">
-            <a:schemeClr val="accent6">
-              <a:shade val="50000"/>
-            </a:schemeClr>
-          </a:lnRef>
-          <a:fillRef idx="1">
-            <a:schemeClr val="accent6"/>
-          </a:fillRef>
-          <a:effectRef idx="0">
-            <a:schemeClr val="accent6"/>
-          </a:effectRef>
-          <a:fontRef idx="minor">
-            <a:schemeClr val="lt1"/>
-          </a:fontRef>
-        </p:style>
-        <p:txBody>
-          <a:bodyPr rtlCol="0" anchor="ctr"/>
-          <a:lstStyle/>
-          <a:p>
-            <a:pPr algn="ctr"/>
-            <a:endParaRPr lang="en-US" sz="2400"/>
-          </a:p>
-        </p:txBody>
-      </p:sp>
-      <p:cxnSp>
-        <p:nvCxnSpPr>
-          <p:cNvPr id="20" name="Straight Arrow Connector 19">
-            <a:extLst>
-              <a:ext uri="{FF2B5EF4-FFF2-40B4-BE49-F238E27FC236}">
-                <a16:creationId xmlns:a16="http://schemas.microsoft.com/office/drawing/2014/main" id="{0E479417-E3E3-1947-9031-CFC6B5734632}"/>
-              </a:ext>
-            </a:extLst>
-          </p:cNvPr>
-          <p:cNvCxnSpPr>
-            <a:stCxn id="19" idx="4"/>
-          </p:cNvCxnSpPr>
-          <p:nvPr/>
-        </p:nvCxnSpPr>
-        <p:spPr>
-          <a:xfrm flipH="1">
-            <a:off x="7417249" y="3235627"/>
-            <a:ext cx="1690" cy="262569"/>
-          </a:xfrm>
-          <a:prstGeom prst="straightConnector1">
-            <a:avLst/>
-          </a:prstGeom>
-          <a:ln>
-            <a:tailEnd type="arrow"/>
-          </a:ln>
-        </p:spPr>
-        <p:style>
-          <a:lnRef idx="2">
-            <a:schemeClr val="accent2"/>
-          </a:lnRef>
-          <a:fillRef idx="0">
-            <a:schemeClr val="accent2"/>
-          </a:fillRef>
-          <a:effectRef idx="1">
-            <a:schemeClr val="accent2"/>
-          </a:effectRef>
-          <a:fontRef idx="minor">
-            <a:schemeClr val="tx1"/>
-          </a:fontRef>
-        </p:style>
-      </p:cxnSp>
-      <p:sp>
-        <p:nvSpPr>
-          <p:cNvPr id="32" name="Oval 31">
-            <a:extLst>
-              <a:ext uri="{FF2B5EF4-FFF2-40B4-BE49-F238E27FC236}">
-                <a16:creationId xmlns:a16="http://schemas.microsoft.com/office/drawing/2014/main" id="{6B019674-777D-B844-9C20-EEDD4E72835E}"/>
-              </a:ext>
-            </a:extLst>
-          </p:cNvPr>
-          <p:cNvSpPr/>
-          <p:nvPr/>
-        </p:nvSpPr>
-        <p:spPr>
-          <a:xfrm>
-            <a:off x="7060596" y="5117299"/>
-            <a:ext cx="238895" cy="251497"/>
-          </a:xfrm>
-          <a:prstGeom prst="ellipse">
-            <a:avLst/>
-          </a:prstGeom>
-        </p:spPr>
-        <p:style>
-          <a:lnRef idx="2">
-            <a:schemeClr val="accent6">
-              <a:shade val="50000"/>
-            </a:schemeClr>
-          </a:lnRef>
-          <a:fillRef idx="1">
-            <a:schemeClr val="accent6"/>
-          </a:fillRef>
-          <a:effectRef idx="0">
-            <a:schemeClr val="accent6"/>
-          </a:effectRef>
-          <a:fontRef idx="minor">
-            <a:schemeClr val="lt1"/>
-          </a:fontRef>
-        </p:style>
-        <p:txBody>
-          <a:bodyPr rtlCol="0" anchor="ctr"/>
-          <a:lstStyle/>
-          <a:p>
-            <a:pPr algn="ctr"/>
-            <a:endParaRPr lang="en-US" sz="2400"/>
-          </a:p>
-        </p:txBody>
-      </p:sp>
-      <p:cxnSp>
-        <p:nvCxnSpPr>
-          <p:cNvPr id="33" name="Straight Arrow Connector 32">
-            <a:extLst>
-              <a:ext uri="{FF2B5EF4-FFF2-40B4-BE49-F238E27FC236}">
-                <a16:creationId xmlns:a16="http://schemas.microsoft.com/office/drawing/2014/main" id="{E4A5A825-A988-E643-98F0-13C8DF4FB89D}"/>
-              </a:ext>
-            </a:extLst>
-          </p:cNvPr>
-          <p:cNvCxnSpPr>
-            <a:stCxn id="32" idx="4"/>
-          </p:cNvCxnSpPr>
-          <p:nvPr/>
-        </p:nvCxnSpPr>
-        <p:spPr>
-          <a:xfrm flipH="1">
-            <a:off x="7178354" y="5368796"/>
-            <a:ext cx="1690" cy="262569"/>
-          </a:xfrm>
-          <a:prstGeom prst="straightConnector1">
-            <a:avLst/>
-          </a:prstGeom>
-          <a:ln>
-            <a:tailEnd type="arrow"/>
-          </a:ln>
-        </p:spPr>
-        <p:style>
-          <a:lnRef idx="2">
-            <a:schemeClr val="accent2"/>
-          </a:lnRef>
-          <a:fillRef idx="0">
-            <a:schemeClr val="accent2"/>
-          </a:fillRef>
-          <a:effectRef idx="1">
-            <a:schemeClr val="accent2"/>
-          </a:effectRef>
-          <a:fontRef idx="minor">
-            <a:schemeClr val="tx1"/>
-          </a:fontRef>
-        </p:style>
-      </p:cxnSp>
-      <p:sp>
-        <p:nvSpPr>
-          <p:cNvPr id="26" name="Oval 25">
-            <a:extLst>
-              <a:ext uri="{FF2B5EF4-FFF2-40B4-BE49-F238E27FC236}">
-                <a16:creationId xmlns:a16="http://schemas.microsoft.com/office/drawing/2014/main" id="{6B17C621-D7B2-8644-886A-43E8CC4D6C54}"/>
-              </a:ext>
-            </a:extLst>
-          </p:cNvPr>
-          <p:cNvSpPr/>
-          <p:nvPr/>
-        </p:nvSpPr>
-        <p:spPr>
-          <a:xfrm>
-            <a:off x="7292592" y="2464975"/>
-            <a:ext cx="238895" cy="251497"/>
-          </a:xfrm>
-          <a:prstGeom prst="ellipse">
-            <a:avLst/>
-          </a:prstGeom>
-        </p:spPr>
-        <p:style>
-          <a:lnRef idx="2">
-            <a:schemeClr val="accent6">
-              <a:shade val="50000"/>
-            </a:schemeClr>
-          </a:lnRef>
-          <a:fillRef idx="1">
-            <a:schemeClr val="accent6"/>
-          </a:fillRef>
-          <a:effectRef idx="0">
-            <a:schemeClr val="accent6"/>
-          </a:effectRef>
-          <a:fontRef idx="minor">
-            <a:schemeClr val="lt1"/>
-          </a:fontRef>
-        </p:style>
-        <p:txBody>
-          <a:bodyPr rtlCol="0" anchor="ctr"/>
-          <a:lstStyle/>
-          <a:p>
-            <a:pPr algn="ctr"/>
-            <a:endParaRPr lang="en-US" sz="2400"/>
-          </a:p>
-        </p:txBody>
-      </p:sp>
-      <p:cxnSp>
-        <p:nvCxnSpPr>
-          <p:cNvPr id="27" name="Straight Arrow Connector 26">
-            <a:extLst>
-              <a:ext uri="{FF2B5EF4-FFF2-40B4-BE49-F238E27FC236}">
-                <a16:creationId xmlns:a16="http://schemas.microsoft.com/office/drawing/2014/main" id="{64DC8496-1F67-904D-B482-7E46FBAC6080}"/>
-              </a:ext>
-            </a:extLst>
-          </p:cNvPr>
-          <p:cNvCxnSpPr>
-            <a:stCxn id="26" idx="4"/>
-          </p:cNvCxnSpPr>
-          <p:nvPr/>
-        </p:nvCxnSpPr>
-        <p:spPr>
-          <a:xfrm flipH="1">
-            <a:off x="7410350" y="2716472"/>
-            <a:ext cx="1690" cy="262569"/>
-          </a:xfrm>
-          <a:prstGeom prst="straightConnector1">
-            <a:avLst/>
-          </a:prstGeom>
-          <a:ln>
-            <a:tailEnd type="arrow"/>
-          </a:ln>
-        </p:spPr>
-        <p:style>
-          <a:lnRef idx="2">
-            <a:schemeClr val="accent2"/>
-          </a:lnRef>
-          <a:fillRef idx="0">
-            <a:schemeClr val="accent2"/>
-          </a:fillRef>
-          <a:effectRef idx="1">
-            <a:schemeClr val="accent2"/>
-          </a:effectRef>
-          <a:fontRef idx="minor">
-            <a:schemeClr val="tx1"/>
-          </a:fontRef>
-        </p:style>
-      </p:cxnSp>
-      <p:sp>
-        <p:nvSpPr>
-          <p:cNvPr id="31" name="Oval 30">
-            <a:extLst>
-              <a:ext uri="{FF2B5EF4-FFF2-40B4-BE49-F238E27FC236}">
-                <a16:creationId xmlns:a16="http://schemas.microsoft.com/office/drawing/2014/main" id="{C6115D1A-704F-7846-A1B4-D097B5FBCE07}"/>
-              </a:ext>
-            </a:extLst>
-          </p:cNvPr>
-          <p:cNvSpPr/>
-          <p:nvPr/>
-        </p:nvSpPr>
-        <p:spPr>
-          <a:xfrm>
-            <a:off x="7060596" y="4629951"/>
-            <a:ext cx="238895" cy="251497"/>
-          </a:xfrm>
-          <a:prstGeom prst="ellipse">
-            <a:avLst/>
-          </a:prstGeom>
-        </p:spPr>
-        <p:style>
-          <a:lnRef idx="2">
-            <a:schemeClr val="accent6">
-              <a:shade val="50000"/>
-            </a:schemeClr>
-          </a:lnRef>
-          <a:fillRef idx="1">
-            <a:schemeClr val="accent6"/>
-          </a:fillRef>
-          <a:effectRef idx="0">
-            <a:schemeClr val="accent6"/>
-          </a:effectRef>
-          <a:fontRef idx="minor">
-            <a:schemeClr val="lt1"/>
-          </a:fontRef>
-        </p:style>
-        <p:txBody>
-          <a:bodyPr rtlCol="0" anchor="ctr"/>
-          <a:lstStyle/>
-          <a:p>
-            <a:pPr algn="ctr"/>
-            <a:endParaRPr lang="en-US" sz="2400"/>
-          </a:p>
-        </p:txBody>
-      </p:sp>
-      <p:cxnSp>
-        <p:nvCxnSpPr>
-          <p:cNvPr id="34" name="Straight Arrow Connector 33">
-            <a:extLst>
-              <a:ext uri="{FF2B5EF4-FFF2-40B4-BE49-F238E27FC236}">
-                <a16:creationId xmlns:a16="http://schemas.microsoft.com/office/drawing/2014/main" id="{096F7A32-7E86-F647-9199-34CAFB02223B}"/>
-              </a:ext>
-            </a:extLst>
-          </p:cNvPr>
-          <p:cNvCxnSpPr>
-            <a:stCxn id="31" idx="4"/>
-          </p:cNvCxnSpPr>
-          <p:nvPr/>
-        </p:nvCxnSpPr>
-        <p:spPr>
-          <a:xfrm flipH="1">
-            <a:off x="7178354" y="4881448"/>
-            <a:ext cx="1690" cy="262569"/>
-          </a:xfrm>
-          <a:prstGeom prst="straightConnector1">
-            <a:avLst/>
-          </a:prstGeom>
-          <a:ln>
-            <a:tailEnd type="arrow"/>
-          </a:ln>
-        </p:spPr>
-        <p:style>
-          <a:lnRef idx="2">
-            <a:schemeClr val="accent2"/>
-          </a:lnRef>
-          <a:fillRef idx="0">
-            <a:schemeClr val="accent2"/>
-          </a:fillRef>
-          <a:effectRef idx="1">
-            <a:schemeClr val="accent2"/>
-          </a:effectRef>
-          <a:fontRef idx="minor">
-            <a:schemeClr val="tx1"/>
-          </a:fontRef>
-        </p:style>
-      </p:cxnSp>
-      <p:sp>
-        <p:nvSpPr>
-          <p:cNvPr id="28" name="TextBox 27">
-            <a:extLst>
-              <a:ext uri="{FF2B5EF4-FFF2-40B4-BE49-F238E27FC236}">
-                <a16:creationId xmlns:a16="http://schemas.microsoft.com/office/drawing/2014/main" id="{FF908D0F-1FA1-3945-8092-84B9499CA78D}"/>
-              </a:ext>
-            </a:extLst>
-          </p:cNvPr>
-          <p:cNvSpPr txBox="1"/>
-          <p:nvPr/>
-        </p:nvSpPr>
-        <p:spPr>
-          <a:xfrm>
-            <a:off x="7531487" y="1397067"/>
-            <a:ext cx="1171012" cy="461665"/>
+      <p:pic>
+        <p:nvPicPr>
+          <p:cNvPr id="5" name="Picture 4">
+            <a:extLst>
+              <a:ext uri="{FF2B5EF4-FFF2-40B4-BE49-F238E27FC236}">
+                <a16:creationId xmlns:a16="http://schemas.microsoft.com/office/drawing/2014/main" id="{4DD6DFAE-EE4B-924E-9D2D-B0C4350390FD}"/>
+              </a:ext>
+            </a:extLst>
+          </p:cNvPr>
+          <p:cNvPicPr>
+            <a:picLocks noChangeAspect="1"/>
+          </p:cNvPicPr>
+          <p:nvPr/>
+        </p:nvPicPr>
+        <p:blipFill>
+          <a:blip r:embed="rId2"/>
+          <a:stretch>
+            <a:fillRect/>
+          </a:stretch>
+        </p:blipFill>
+        <p:spPr>
+          <a:xfrm>
+            <a:off x="2777733" y="1558969"/>
+            <a:ext cx="5016500" cy="4191000"/>
           </a:xfrm>
           <a:prstGeom prst="rect">
             <a:avLst/>
           </a:prstGeom>
-          <a:noFill/>
-        </p:spPr>
-        <p:txBody>
-          <a:bodyPr wrap="square" rtlCol="0">
-            <a:spAutoFit/>
-          </a:bodyPr>
-          <a:lstStyle/>
-          <a:p>
-            <a:pPr algn="ctr"/>
-            <a:r>
-              <a:rPr lang="en-US" sz="2400" dirty="0"/>
-              <a:t>feature</a:t>
-            </a:r>
-          </a:p>
-        </p:txBody>
-      </p:sp>
-      <p:sp>
-        <p:nvSpPr>
-          <p:cNvPr id="29" name="Oval 28">
-            <a:extLst>
-              <a:ext uri="{FF2B5EF4-FFF2-40B4-BE49-F238E27FC236}">
-                <a16:creationId xmlns:a16="http://schemas.microsoft.com/office/drawing/2014/main" id="{621342EB-3B33-1740-B7AD-9F103F6F4F73}"/>
-              </a:ext>
-            </a:extLst>
-          </p:cNvPr>
-          <p:cNvSpPr/>
-          <p:nvPr/>
-        </p:nvSpPr>
-        <p:spPr>
-          <a:xfrm>
-            <a:off x="7299491" y="1976591"/>
-            <a:ext cx="238895" cy="251497"/>
-          </a:xfrm>
-          <a:prstGeom prst="ellipse">
-            <a:avLst/>
-          </a:prstGeom>
-        </p:spPr>
-        <p:style>
-          <a:lnRef idx="2">
-            <a:schemeClr val="accent6">
-              <a:shade val="50000"/>
-            </a:schemeClr>
-          </a:lnRef>
-          <a:fillRef idx="1">
-            <a:schemeClr val="accent6"/>
-          </a:fillRef>
-          <a:effectRef idx="0">
-            <a:schemeClr val="accent6"/>
-          </a:effectRef>
-          <a:fontRef idx="minor">
-            <a:schemeClr val="lt1"/>
-          </a:fontRef>
-        </p:style>
-        <p:txBody>
-          <a:bodyPr rtlCol="0" anchor="ctr"/>
-          <a:lstStyle/>
-          <a:p>
-            <a:pPr algn="ctr"/>
-            <a:endParaRPr lang="en-US" sz="2400"/>
-          </a:p>
-        </p:txBody>
-      </p:sp>
-      <p:cxnSp>
-        <p:nvCxnSpPr>
-          <p:cNvPr id="35" name="Straight Arrow Connector 34">
-            <a:extLst>
-              <a:ext uri="{FF2B5EF4-FFF2-40B4-BE49-F238E27FC236}">
-                <a16:creationId xmlns:a16="http://schemas.microsoft.com/office/drawing/2014/main" id="{71D98494-3AA6-E44D-8AFA-3DE7A8176042}"/>
-              </a:ext>
-            </a:extLst>
-          </p:cNvPr>
-          <p:cNvCxnSpPr>
-            <a:stCxn id="29" idx="4"/>
-          </p:cNvCxnSpPr>
-          <p:nvPr/>
-        </p:nvCxnSpPr>
-        <p:spPr>
-          <a:xfrm flipH="1">
-            <a:off x="7417249" y="2228088"/>
-            <a:ext cx="1690" cy="262569"/>
-          </a:xfrm>
-          <a:prstGeom prst="straightConnector1">
-            <a:avLst/>
-          </a:prstGeom>
-          <a:ln>
-            <a:tailEnd type="arrow"/>
-          </a:ln>
-        </p:spPr>
-        <p:style>
-          <a:lnRef idx="2">
-            <a:schemeClr val="accent2"/>
-          </a:lnRef>
-          <a:fillRef idx="0">
-            <a:schemeClr val="accent2"/>
-          </a:fillRef>
-          <a:effectRef idx="1">
-            <a:schemeClr val="accent2"/>
-          </a:effectRef>
-          <a:fontRef idx="minor">
-            <a:schemeClr val="tx1"/>
-          </a:fontRef>
-        </p:style>
-      </p:cxnSp>
-      <p:sp>
-        <p:nvSpPr>
-          <p:cNvPr id="30" name="Oval 29">
-            <a:extLst>
-              <a:ext uri="{FF2B5EF4-FFF2-40B4-BE49-F238E27FC236}">
-                <a16:creationId xmlns:a16="http://schemas.microsoft.com/office/drawing/2014/main" id="{7116067D-1426-CC40-B0E4-4F59C846EB13}"/>
-              </a:ext>
-            </a:extLst>
-          </p:cNvPr>
-          <p:cNvSpPr/>
-          <p:nvPr/>
-        </p:nvSpPr>
-        <p:spPr>
-          <a:xfrm>
-            <a:off x="2538378" y="2726339"/>
-            <a:ext cx="238895" cy="251497"/>
-          </a:xfrm>
-          <a:prstGeom prst="ellipse">
-            <a:avLst/>
-          </a:prstGeom>
-        </p:spPr>
-        <p:style>
-          <a:lnRef idx="2">
-            <a:schemeClr val="dk1"/>
-          </a:lnRef>
-          <a:fillRef idx="1">
-            <a:schemeClr val="lt1"/>
-          </a:fillRef>
-          <a:effectRef idx="0">
-            <a:schemeClr val="dk1"/>
-          </a:effectRef>
-          <a:fontRef idx="minor">
-            <a:schemeClr val="dk1"/>
-          </a:fontRef>
-        </p:style>
-        <p:txBody>
-          <a:bodyPr rtlCol="0" anchor="ctr"/>
-          <a:lstStyle/>
-          <a:p>
-            <a:pPr algn="ctr"/>
-            <a:endParaRPr lang="en-US" sz="2400"/>
-          </a:p>
-        </p:txBody>
-      </p:sp>
-      <p:cxnSp>
-        <p:nvCxnSpPr>
-          <p:cNvPr id="36" name="Straight Arrow Connector 35">
-            <a:extLst>
-              <a:ext uri="{FF2B5EF4-FFF2-40B4-BE49-F238E27FC236}">
-                <a16:creationId xmlns:a16="http://schemas.microsoft.com/office/drawing/2014/main" id="{AAA06A7D-B9F9-4F4B-93AA-A1389E9C452D}"/>
-              </a:ext>
-            </a:extLst>
-          </p:cNvPr>
-          <p:cNvCxnSpPr>
-            <a:stCxn id="30" idx="4"/>
-          </p:cNvCxnSpPr>
-          <p:nvPr/>
-        </p:nvCxnSpPr>
-        <p:spPr>
-          <a:xfrm>
-            <a:off x="2657826" y="2977836"/>
-            <a:ext cx="0" cy="236067"/>
-          </a:xfrm>
-          <a:prstGeom prst="straightConnector1">
-            <a:avLst/>
-          </a:prstGeom>
-          <a:ln>
-            <a:tailEnd type="arrow"/>
-          </a:ln>
-        </p:spPr>
-        <p:style>
-          <a:lnRef idx="2">
-            <a:schemeClr val="dk1"/>
-          </a:lnRef>
-          <a:fillRef idx="1">
-            <a:schemeClr val="lt1"/>
-          </a:fillRef>
-          <a:effectRef idx="0">
-            <a:schemeClr val="dk1"/>
-          </a:effectRef>
-          <a:fontRef idx="minor">
-            <a:schemeClr val="dk1"/>
-          </a:fontRef>
-        </p:style>
-      </p:cxnSp>
-      <p:sp>
-        <p:nvSpPr>
-          <p:cNvPr id="39" name="Oval 38">
-            <a:extLst>
-              <a:ext uri="{FF2B5EF4-FFF2-40B4-BE49-F238E27FC236}">
-                <a16:creationId xmlns:a16="http://schemas.microsoft.com/office/drawing/2014/main" id="{510FEC89-D079-D246-88A2-1662327F66D6}"/>
-              </a:ext>
-            </a:extLst>
-          </p:cNvPr>
-          <p:cNvSpPr/>
-          <p:nvPr/>
-        </p:nvSpPr>
-        <p:spPr>
-          <a:xfrm>
-            <a:off x="6627344" y="5636452"/>
-            <a:ext cx="238895" cy="251497"/>
-          </a:xfrm>
-          <a:prstGeom prst="ellipse">
-            <a:avLst/>
-          </a:prstGeom>
-        </p:spPr>
-        <p:style>
-          <a:lnRef idx="2">
-            <a:schemeClr val="dk1"/>
-          </a:lnRef>
-          <a:fillRef idx="1">
-            <a:schemeClr val="lt1"/>
-          </a:fillRef>
-          <a:effectRef idx="0">
-            <a:schemeClr val="dk1"/>
-          </a:effectRef>
-          <a:fontRef idx="minor">
-            <a:schemeClr val="dk1"/>
-          </a:fontRef>
-        </p:style>
-        <p:txBody>
-          <a:bodyPr rtlCol="0" anchor="ctr"/>
-          <a:lstStyle/>
-          <a:p>
-            <a:pPr algn="ctr"/>
-            <a:endParaRPr lang="en-US" sz="2400"/>
-          </a:p>
-        </p:txBody>
-      </p:sp>
-      <p:cxnSp>
-        <p:nvCxnSpPr>
-          <p:cNvPr id="40" name="Straight Arrow Connector 39">
-            <a:extLst>
-              <a:ext uri="{FF2B5EF4-FFF2-40B4-BE49-F238E27FC236}">
-                <a16:creationId xmlns:a16="http://schemas.microsoft.com/office/drawing/2014/main" id="{822450E1-FADD-5148-B3DF-53B10DB05A88}"/>
-              </a:ext>
-            </a:extLst>
-          </p:cNvPr>
-          <p:cNvCxnSpPr>
-            <a:cxnSpLocks/>
-            <a:stCxn id="39" idx="4"/>
-            <a:endCxn id="24" idx="1"/>
-          </p:cNvCxnSpPr>
-          <p:nvPr/>
-        </p:nvCxnSpPr>
-        <p:spPr>
-          <a:xfrm>
-            <a:off x="6746792" y="5887949"/>
-            <a:ext cx="347099" cy="283241"/>
-          </a:xfrm>
-          <a:prstGeom prst="straightConnector1">
-            <a:avLst/>
-          </a:prstGeom>
-          <a:ln>
-            <a:tailEnd type="arrow"/>
-          </a:ln>
-        </p:spPr>
-        <p:style>
-          <a:lnRef idx="2">
-            <a:schemeClr val="dk1"/>
-          </a:lnRef>
-          <a:fillRef idx="1">
-            <a:schemeClr val="lt1"/>
-          </a:fillRef>
-          <a:effectRef idx="0">
-            <a:schemeClr val="dk1"/>
-          </a:effectRef>
-          <a:fontRef idx="minor">
-            <a:schemeClr val="dk1"/>
-          </a:fontRef>
-        </p:style>
-      </p:cxnSp>
-      <p:sp>
-        <p:nvSpPr>
-          <p:cNvPr id="37" name="Oval 36">
-            <a:extLst>
-              <a:ext uri="{FF2B5EF4-FFF2-40B4-BE49-F238E27FC236}">
-                <a16:creationId xmlns:a16="http://schemas.microsoft.com/office/drawing/2014/main" id="{A2FAEDA4-6273-114C-9103-412988B0B4DD}"/>
-              </a:ext>
-            </a:extLst>
-          </p:cNvPr>
-          <p:cNvSpPr/>
-          <p:nvPr/>
-        </p:nvSpPr>
-        <p:spPr>
-          <a:xfrm>
-            <a:off x="7060596" y="4117462"/>
-            <a:ext cx="238895" cy="251497"/>
-          </a:xfrm>
-          <a:prstGeom prst="ellipse">
-            <a:avLst/>
-          </a:prstGeom>
-        </p:spPr>
-        <p:style>
-          <a:lnRef idx="2">
-            <a:schemeClr val="accent6">
-              <a:shade val="50000"/>
-            </a:schemeClr>
-          </a:lnRef>
-          <a:fillRef idx="1">
-            <a:schemeClr val="accent6"/>
-          </a:fillRef>
-          <a:effectRef idx="0">
-            <a:schemeClr val="accent6"/>
-          </a:effectRef>
-          <a:fontRef idx="minor">
-            <a:schemeClr val="lt1"/>
-          </a:fontRef>
-        </p:style>
-        <p:txBody>
-          <a:bodyPr rtlCol="0" anchor="ctr"/>
-          <a:lstStyle/>
-          <a:p>
-            <a:pPr algn="ctr"/>
-            <a:endParaRPr lang="en-US" sz="2400"/>
-          </a:p>
-        </p:txBody>
-      </p:sp>
-      <p:cxnSp>
-        <p:nvCxnSpPr>
-          <p:cNvPr id="41" name="Straight Arrow Connector 40">
-            <a:extLst>
-              <a:ext uri="{FF2B5EF4-FFF2-40B4-BE49-F238E27FC236}">
-                <a16:creationId xmlns:a16="http://schemas.microsoft.com/office/drawing/2014/main" id="{32336EB8-16A7-9048-8563-7E6BF58FF21C}"/>
-              </a:ext>
-            </a:extLst>
-          </p:cNvPr>
-          <p:cNvCxnSpPr>
-            <a:stCxn id="37" idx="4"/>
-          </p:cNvCxnSpPr>
-          <p:nvPr/>
-        </p:nvCxnSpPr>
-        <p:spPr>
-          <a:xfrm flipH="1">
-            <a:off x="7178354" y="4368959"/>
-            <a:ext cx="1690" cy="262569"/>
-          </a:xfrm>
-          <a:prstGeom prst="straightConnector1">
-            <a:avLst/>
-          </a:prstGeom>
-          <a:ln>
-            <a:tailEnd type="arrow"/>
-          </a:ln>
-        </p:spPr>
-        <p:style>
-          <a:lnRef idx="2">
-            <a:schemeClr val="accent2"/>
-          </a:lnRef>
-          <a:fillRef idx="0">
-            <a:schemeClr val="accent2"/>
-          </a:fillRef>
-          <a:effectRef idx="1">
-            <a:schemeClr val="accent2"/>
-          </a:effectRef>
-          <a:fontRef idx="minor">
-            <a:schemeClr val="tx1"/>
-          </a:fontRef>
-        </p:style>
-      </p:cxnSp>
-      <p:cxnSp>
-        <p:nvCxnSpPr>
-          <p:cNvPr id="42" name="Straight Arrow Connector 41">
-            <a:extLst>
-              <a:ext uri="{FF2B5EF4-FFF2-40B4-BE49-F238E27FC236}">
-                <a16:creationId xmlns:a16="http://schemas.microsoft.com/office/drawing/2014/main" id="{C87D6C5B-9BAE-A747-BEBE-0F1EC8583D18}"/>
-              </a:ext>
-            </a:extLst>
-          </p:cNvPr>
-          <p:cNvCxnSpPr>
-            <a:cxnSpLocks/>
-            <a:stCxn id="37" idx="3"/>
-            <a:endCxn id="39" idx="0"/>
-          </p:cNvCxnSpPr>
-          <p:nvPr/>
-        </p:nvCxnSpPr>
-        <p:spPr>
-          <a:xfrm flipH="1">
-            <a:off x="6746792" y="4332128"/>
-            <a:ext cx="348789" cy="1304324"/>
-          </a:xfrm>
-          <a:prstGeom prst="straightConnector1">
-            <a:avLst/>
-          </a:prstGeom>
-          <a:ln>
-            <a:tailEnd type="arrow"/>
-          </a:ln>
-        </p:spPr>
-        <p:style>
-          <a:lnRef idx="2">
-            <a:schemeClr val="accent2"/>
-          </a:lnRef>
-          <a:fillRef idx="0">
-            <a:schemeClr val="accent2"/>
-          </a:fillRef>
-          <a:effectRef idx="1">
-            <a:schemeClr val="accent2"/>
-          </a:effectRef>
-          <a:fontRef idx="minor">
-            <a:schemeClr val="tx1"/>
-          </a:fontRef>
-        </p:style>
-      </p:cxnSp>
-      <p:sp>
-        <p:nvSpPr>
-          <p:cNvPr id="49" name="Oval 48">
-            <a:extLst>
-              <a:ext uri="{FF2B5EF4-FFF2-40B4-BE49-F238E27FC236}">
-                <a16:creationId xmlns:a16="http://schemas.microsoft.com/office/drawing/2014/main" id="{3CBD77C4-912E-DF47-8433-69AF41D4FB3A}"/>
-              </a:ext>
-            </a:extLst>
-          </p:cNvPr>
-          <p:cNvSpPr/>
-          <p:nvPr/>
-        </p:nvSpPr>
-        <p:spPr>
-          <a:xfrm>
-            <a:off x="6866239" y="3021296"/>
-            <a:ext cx="238895" cy="251497"/>
-          </a:xfrm>
-          <a:prstGeom prst="ellipse">
-            <a:avLst/>
-          </a:prstGeom>
-        </p:spPr>
-        <p:style>
-          <a:lnRef idx="2">
-            <a:schemeClr val="dk1"/>
-          </a:lnRef>
-          <a:fillRef idx="1">
-            <a:schemeClr val="lt1"/>
-          </a:fillRef>
-          <a:effectRef idx="0">
-            <a:schemeClr val="dk1"/>
-          </a:effectRef>
-          <a:fontRef idx="minor">
-            <a:schemeClr val="dk1"/>
-          </a:fontRef>
-        </p:style>
-        <p:txBody>
-          <a:bodyPr rtlCol="0" anchor="ctr"/>
-          <a:lstStyle/>
-          <a:p>
-            <a:pPr algn="ctr"/>
-            <a:endParaRPr lang="en-US" sz="2400"/>
-          </a:p>
-        </p:txBody>
-      </p:sp>
-      <p:cxnSp>
-        <p:nvCxnSpPr>
-          <p:cNvPr id="50" name="Straight Arrow Connector 49">
-            <a:extLst>
-              <a:ext uri="{FF2B5EF4-FFF2-40B4-BE49-F238E27FC236}">
-                <a16:creationId xmlns:a16="http://schemas.microsoft.com/office/drawing/2014/main" id="{A25C3796-AC74-E34B-845E-FF05C7B55D18}"/>
-              </a:ext>
-            </a:extLst>
-          </p:cNvPr>
-          <p:cNvCxnSpPr>
-            <a:cxnSpLocks/>
-            <a:stCxn id="49" idx="4"/>
-          </p:cNvCxnSpPr>
-          <p:nvPr/>
-        </p:nvCxnSpPr>
-        <p:spPr>
-          <a:xfrm>
-            <a:off x="6985687" y="3272793"/>
-            <a:ext cx="347099" cy="283241"/>
-          </a:xfrm>
-          <a:prstGeom prst="straightConnector1">
-            <a:avLst/>
-          </a:prstGeom>
-          <a:ln>
-            <a:tailEnd type="arrow"/>
-          </a:ln>
-        </p:spPr>
-        <p:style>
-          <a:lnRef idx="2">
-            <a:schemeClr val="dk1"/>
-          </a:lnRef>
-          <a:fillRef idx="1">
-            <a:schemeClr val="lt1"/>
-          </a:fillRef>
-          <a:effectRef idx="0">
-            <a:schemeClr val="dk1"/>
-          </a:effectRef>
-          <a:fontRef idx="minor">
-            <a:schemeClr val="dk1"/>
-          </a:fontRef>
-        </p:style>
-      </p:cxnSp>
-      <p:sp>
-        <p:nvSpPr>
-          <p:cNvPr id="51" name="Oval 50">
-            <a:extLst>
-              <a:ext uri="{FF2B5EF4-FFF2-40B4-BE49-F238E27FC236}">
-                <a16:creationId xmlns:a16="http://schemas.microsoft.com/office/drawing/2014/main" id="{60D8FC7B-FA86-6741-81D0-A5003881B71D}"/>
-              </a:ext>
-            </a:extLst>
-          </p:cNvPr>
-          <p:cNvSpPr/>
-          <p:nvPr/>
-        </p:nvSpPr>
-        <p:spPr>
-          <a:xfrm>
-            <a:off x="7299491" y="1502306"/>
-            <a:ext cx="238895" cy="251497"/>
-          </a:xfrm>
-          <a:prstGeom prst="ellipse">
-            <a:avLst/>
-          </a:prstGeom>
-        </p:spPr>
-        <p:style>
-          <a:lnRef idx="2">
-            <a:schemeClr val="accent6">
-              <a:shade val="50000"/>
-            </a:schemeClr>
-          </a:lnRef>
-          <a:fillRef idx="1">
-            <a:schemeClr val="accent6"/>
-          </a:fillRef>
-          <a:effectRef idx="0">
-            <a:schemeClr val="accent6"/>
-          </a:effectRef>
-          <a:fontRef idx="minor">
-            <a:schemeClr val="lt1"/>
-          </a:fontRef>
-        </p:style>
-        <p:txBody>
-          <a:bodyPr rtlCol="0" anchor="ctr"/>
-          <a:lstStyle/>
-          <a:p>
-            <a:pPr algn="ctr"/>
-            <a:endParaRPr lang="en-US" sz="2400"/>
-          </a:p>
-        </p:txBody>
-      </p:sp>
-      <p:cxnSp>
-        <p:nvCxnSpPr>
-          <p:cNvPr id="52" name="Straight Arrow Connector 51">
-            <a:extLst>
-              <a:ext uri="{FF2B5EF4-FFF2-40B4-BE49-F238E27FC236}">
-                <a16:creationId xmlns:a16="http://schemas.microsoft.com/office/drawing/2014/main" id="{3190FE43-5CCF-D24F-B758-E839B2C60D51}"/>
-              </a:ext>
-            </a:extLst>
-          </p:cNvPr>
-          <p:cNvCxnSpPr>
-            <a:stCxn id="51" idx="4"/>
-          </p:cNvCxnSpPr>
-          <p:nvPr/>
-        </p:nvCxnSpPr>
-        <p:spPr>
-          <a:xfrm flipH="1">
-            <a:off x="7417249" y="1753803"/>
-            <a:ext cx="1690" cy="262569"/>
-          </a:xfrm>
-          <a:prstGeom prst="straightConnector1">
-            <a:avLst/>
-          </a:prstGeom>
-          <a:ln>
-            <a:tailEnd type="arrow"/>
-          </a:ln>
-        </p:spPr>
-        <p:style>
-          <a:lnRef idx="2">
-            <a:schemeClr val="accent2"/>
-          </a:lnRef>
-          <a:fillRef idx="0">
-            <a:schemeClr val="accent2"/>
-          </a:fillRef>
-          <a:effectRef idx="1">
-            <a:schemeClr val="accent2"/>
-          </a:effectRef>
-          <a:fontRef idx="minor">
-            <a:schemeClr val="tx1"/>
-          </a:fontRef>
-        </p:style>
-      </p:cxnSp>
-      <p:cxnSp>
-        <p:nvCxnSpPr>
-          <p:cNvPr id="53" name="Straight Arrow Connector 52">
-            <a:extLst>
-              <a:ext uri="{FF2B5EF4-FFF2-40B4-BE49-F238E27FC236}">
-                <a16:creationId xmlns:a16="http://schemas.microsoft.com/office/drawing/2014/main" id="{E635E880-BBC2-AF4B-ADA6-B7B5B91279B7}"/>
-              </a:ext>
-            </a:extLst>
-          </p:cNvPr>
-          <p:cNvCxnSpPr>
-            <a:cxnSpLocks/>
-            <a:stCxn id="51" idx="3"/>
-            <a:endCxn id="49" idx="0"/>
-          </p:cNvCxnSpPr>
-          <p:nvPr/>
-        </p:nvCxnSpPr>
-        <p:spPr>
-          <a:xfrm flipH="1">
-            <a:off x="6985687" y="1716972"/>
-            <a:ext cx="348789" cy="1304324"/>
-          </a:xfrm>
-          <a:prstGeom prst="straightConnector1">
-            <a:avLst/>
-          </a:prstGeom>
-          <a:ln>
-            <a:tailEnd type="arrow"/>
-          </a:ln>
-        </p:spPr>
-        <p:style>
-          <a:lnRef idx="2">
-            <a:schemeClr val="accent2"/>
-          </a:lnRef>
-          <a:fillRef idx="0">
-            <a:schemeClr val="accent2"/>
-          </a:fillRef>
-          <a:effectRef idx="1">
-            <a:schemeClr val="accent2"/>
-          </a:effectRef>
-          <a:fontRef idx="minor">
-            <a:schemeClr val="tx1"/>
-          </a:fontRef>
-        </p:style>
-      </p:cxnSp>
-      <p:sp>
-        <p:nvSpPr>
-          <p:cNvPr id="4" name="Title 3">
-            <a:extLst>
-              <a:ext uri="{FF2B5EF4-FFF2-40B4-BE49-F238E27FC236}">
-                <a16:creationId xmlns:a16="http://schemas.microsoft.com/office/drawing/2014/main" id="{C75AB699-6029-0C47-830B-AF95A34F6FDA}"/>
-              </a:ext>
-            </a:extLst>
-          </p:cNvPr>
-          <p:cNvSpPr>
-            <a:spLocks noGrp="1"/>
-          </p:cNvSpPr>
-          <p:nvPr>
-            <p:ph type="title"/>
-          </p:nvPr>
-        </p:nvSpPr>
-        <p:spPr/>
-        <p:txBody>
-          <a:bodyPr/>
-          <a:lstStyle/>
-          <a:p>
-            <a:r>
-              <a:rPr lang="en-US" dirty="0"/>
-              <a:t>Time for beers?</a:t>
-            </a:r>
-          </a:p>
-        </p:txBody>
-      </p:sp>
-      <p:sp>
-        <p:nvSpPr>
-          <p:cNvPr id="46" name="Oval 45">
-            <a:extLst>
-              <a:ext uri="{FF2B5EF4-FFF2-40B4-BE49-F238E27FC236}">
-                <a16:creationId xmlns:a16="http://schemas.microsoft.com/office/drawing/2014/main" id="{BADAF235-8525-F04C-B5B3-1C046DFD7E70}"/>
-              </a:ext>
-            </a:extLst>
-          </p:cNvPr>
-          <p:cNvSpPr/>
-          <p:nvPr/>
-        </p:nvSpPr>
-        <p:spPr>
-          <a:xfrm>
-            <a:off x="2528941" y="2246503"/>
-            <a:ext cx="238895" cy="251497"/>
-          </a:xfrm>
-          <a:prstGeom prst="ellipse">
-            <a:avLst/>
-          </a:prstGeom>
-        </p:spPr>
-        <p:style>
-          <a:lnRef idx="2">
-            <a:schemeClr val="accent6">
-              <a:shade val="50000"/>
-            </a:schemeClr>
-          </a:lnRef>
-          <a:fillRef idx="1">
-            <a:schemeClr val="accent6"/>
-          </a:fillRef>
-          <a:effectRef idx="0">
-            <a:schemeClr val="accent6"/>
-          </a:effectRef>
-          <a:fontRef idx="minor">
-            <a:schemeClr val="lt1"/>
-          </a:fontRef>
-        </p:style>
-        <p:txBody>
-          <a:bodyPr rtlCol="0" anchor="ctr"/>
-          <a:lstStyle/>
-          <a:p>
-            <a:pPr algn="ctr"/>
-            <a:endParaRPr lang="en-US" sz="2400"/>
-          </a:p>
-        </p:txBody>
-      </p:sp>
-      <p:cxnSp>
-        <p:nvCxnSpPr>
-          <p:cNvPr id="47" name="Straight Arrow Connector 46">
-            <a:extLst>
-              <a:ext uri="{FF2B5EF4-FFF2-40B4-BE49-F238E27FC236}">
-                <a16:creationId xmlns:a16="http://schemas.microsoft.com/office/drawing/2014/main" id="{40C84811-ADA9-5E48-8790-AAD80A4DB6F6}"/>
-              </a:ext>
-            </a:extLst>
-          </p:cNvPr>
-          <p:cNvCxnSpPr/>
-          <p:nvPr/>
-        </p:nvCxnSpPr>
-        <p:spPr>
-          <a:xfrm flipH="1">
-            <a:off x="2656170" y="2480826"/>
-            <a:ext cx="1690" cy="262569"/>
-          </a:xfrm>
-          <a:prstGeom prst="straightConnector1">
-            <a:avLst/>
-          </a:prstGeom>
-          <a:ln>
-            <a:tailEnd type="arrow"/>
-          </a:ln>
-        </p:spPr>
-        <p:style>
-          <a:lnRef idx="2">
-            <a:schemeClr val="accent2"/>
-          </a:lnRef>
-          <a:fillRef idx="0">
-            <a:schemeClr val="accent2"/>
-          </a:fillRef>
-          <a:effectRef idx="1">
-            <a:schemeClr val="accent2"/>
-          </a:effectRef>
-          <a:fontRef idx="minor">
-            <a:schemeClr val="tx1"/>
-          </a:fontRef>
-        </p:style>
-      </p:cxnSp>
+        </p:spPr>
+      </p:pic>
+      <p:pic>
+        <p:nvPicPr>
+          <p:cNvPr id="6" name="Picture 5">
+            <a:extLst>
+              <a:ext uri="{FF2B5EF4-FFF2-40B4-BE49-F238E27FC236}">
+                <a16:creationId xmlns:a16="http://schemas.microsoft.com/office/drawing/2014/main" id="{25B21296-50AE-E44E-8C8A-D3ED79528F25}"/>
+              </a:ext>
+            </a:extLst>
+          </p:cNvPr>
+          <p:cNvPicPr>
+            <a:picLocks noChangeAspect="1"/>
+          </p:cNvPicPr>
+          <p:nvPr/>
+        </p:nvPicPr>
+        <p:blipFill>
+          <a:blip r:embed="rId3"/>
+          <a:stretch>
+            <a:fillRect/>
+          </a:stretch>
+        </p:blipFill>
+        <p:spPr>
+          <a:xfrm>
+            <a:off x="2883200" y="4129742"/>
+            <a:ext cx="513343" cy="657800"/>
+          </a:xfrm>
+          <a:prstGeom prst="rect">
+            <a:avLst/>
+          </a:prstGeom>
+        </p:spPr>
+      </p:pic>
+      <p:pic>
+        <p:nvPicPr>
+          <p:cNvPr id="7" name="Picture 6" descr="11949864871831664442blueman_104_02.svg.med.png">
+            <a:extLst>
+              <a:ext uri="{FF2B5EF4-FFF2-40B4-BE49-F238E27FC236}">
+                <a16:creationId xmlns:a16="http://schemas.microsoft.com/office/drawing/2014/main" id="{3F4291E7-7588-5C48-A0C9-082A43ABA6F2}"/>
+              </a:ext>
+            </a:extLst>
+          </p:cNvPr>
+          <p:cNvPicPr>
+            <a:picLocks noChangeAspect="1"/>
+          </p:cNvPicPr>
+          <p:nvPr/>
+        </p:nvPicPr>
+        <p:blipFill>
+          <a:blip r:embed="rId4">
+            <a:extLst>
+              <a:ext uri="{28A0092B-C50C-407E-A947-70E740481C1C}">
+                <a14:useLocalDpi xmlns:a14="http://schemas.microsoft.com/office/drawing/2010/main" val="0"/>
+              </a:ext>
+            </a:extLst>
+          </a:blip>
+          <a:stretch>
+            <a:fillRect/>
+          </a:stretch>
+        </p:blipFill>
+        <p:spPr>
+          <a:xfrm>
+            <a:off x="197039" y="4347211"/>
+            <a:ext cx="2228849" cy="2191701"/>
+          </a:xfrm>
+          <a:prstGeom prst="rect">
+            <a:avLst/>
+          </a:prstGeom>
+        </p:spPr>
+      </p:pic>
     </p:spTree>
     <p:extLst>
       <p:ext uri="{BB962C8B-B14F-4D97-AF65-F5344CB8AC3E}">
-        <p14:creationId xmlns:p14="http://schemas.microsoft.com/office/powerpoint/2010/main" val="60769155"/>
+        <p14:creationId xmlns:p14="http://schemas.microsoft.com/office/powerpoint/2010/main" val="1121753532"/>
       </p:ext>
     </p:extLst>
   </p:cSld>
@@ -36615,7 +36916,7 @@
           <a:p>
             <a:r>
               <a:rPr lang="en-US" dirty="0"/>
-              <a:t>Time to clean up!</a:t>
+              <a:t>Time for beers?</a:t>
             </a:r>
           </a:p>
         </p:txBody>
@@ -36708,7 +37009,7 @@
     </p:spTree>
     <p:extLst>
       <p:ext uri="{BB962C8B-B14F-4D97-AF65-F5344CB8AC3E}">
-        <p14:creationId xmlns:p14="http://schemas.microsoft.com/office/powerpoint/2010/main" val="1177500507"/>
+        <p14:creationId xmlns:p14="http://schemas.microsoft.com/office/powerpoint/2010/main" val="60769155"/>
       </p:ext>
     </p:extLst>
   </p:cSld>
@@ -37022,7 +37323,7 @@
         </p:nvSpPr>
         <p:spPr>
           <a:xfrm>
-            <a:off x="5418878" y="5038932"/>
+            <a:off x="5516056" y="5500080"/>
             <a:ext cx="1171012" cy="461665"/>
           </a:xfrm>
           <a:prstGeom prst="rect">
@@ -37168,6 +37469,1576 @@
             <a:fld id="{359744D5-AA56-484C-8B57-85B289DA1210}" type="slidenum">
               <a:rPr lang="en-US" smtClean="0"/>
               <a:t>48</a:t>
+            </a:fld>
+            <a:endParaRPr lang="en-US"/>
+          </a:p>
+        </p:txBody>
+      </p:sp>
+      <p:sp>
+        <p:nvSpPr>
+          <p:cNvPr id="19" name="Oval 18">
+            <a:extLst>
+              <a:ext uri="{FF2B5EF4-FFF2-40B4-BE49-F238E27FC236}">
+                <a16:creationId xmlns:a16="http://schemas.microsoft.com/office/drawing/2014/main" id="{15CE75F7-FAEF-E74E-A18C-1392B670DAB0}"/>
+              </a:ext>
+            </a:extLst>
+          </p:cNvPr>
+          <p:cNvSpPr/>
+          <p:nvPr/>
+        </p:nvSpPr>
+        <p:spPr>
+          <a:xfrm>
+            <a:off x="7299491" y="2984130"/>
+            <a:ext cx="238895" cy="251497"/>
+          </a:xfrm>
+          <a:prstGeom prst="ellipse">
+            <a:avLst/>
+          </a:prstGeom>
+        </p:spPr>
+        <p:style>
+          <a:lnRef idx="2">
+            <a:schemeClr val="accent6">
+              <a:shade val="50000"/>
+            </a:schemeClr>
+          </a:lnRef>
+          <a:fillRef idx="1">
+            <a:schemeClr val="accent6"/>
+          </a:fillRef>
+          <a:effectRef idx="0">
+            <a:schemeClr val="accent6"/>
+          </a:effectRef>
+          <a:fontRef idx="minor">
+            <a:schemeClr val="lt1"/>
+          </a:fontRef>
+        </p:style>
+        <p:txBody>
+          <a:bodyPr rtlCol="0" anchor="ctr"/>
+          <a:lstStyle/>
+          <a:p>
+            <a:pPr algn="ctr"/>
+            <a:endParaRPr lang="en-US" sz="2400"/>
+          </a:p>
+        </p:txBody>
+      </p:sp>
+      <p:cxnSp>
+        <p:nvCxnSpPr>
+          <p:cNvPr id="20" name="Straight Arrow Connector 19">
+            <a:extLst>
+              <a:ext uri="{FF2B5EF4-FFF2-40B4-BE49-F238E27FC236}">
+                <a16:creationId xmlns:a16="http://schemas.microsoft.com/office/drawing/2014/main" id="{0E479417-E3E3-1947-9031-CFC6B5734632}"/>
+              </a:ext>
+            </a:extLst>
+          </p:cNvPr>
+          <p:cNvCxnSpPr>
+            <a:stCxn id="19" idx="4"/>
+          </p:cNvCxnSpPr>
+          <p:nvPr/>
+        </p:nvCxnSpPr>
+        <p:spPr>
+          <a:xfrm flipH="1">
+            <a:off x="7417249" y="3235627"/>
+            <a:ext cx="1690" cy="262569"/>
+          </a:xfrm>
+          <a:prstGeom prst="straightConnector1">
+            <a:avLst/>
+          </a:prstGeom>
+          <a:ln>
+            <a:tailEnd type="arrow"/>
+          </a:ln>
+        </p:spPr>
+        <p:style>
+          <a:lnRef idx="2">
+            <a:schemeClr val="accent2"/>
+          </a:lnRef>
+          <a:fillRef idx="0">
+            <a:schemeClr val="accent2"/>
+          </a:fillRef>
+          <a:effectRef idx="1">
+            <a:schemeClr val="accent2"/>
+          </a:effectRef>
+          <a:fontRef idx="minor">
+            <a:schemeClr val="tx1"/>
+          </a:fontRef>
+        </p:style>
+      </p:cxnSp>
+      <p:sp>
+        <p:nvSpPr>
+          <p:cNvPr id="32" name="Oval 31">
+            <a:extLst>
+              <a:ext uri="{FF2B5EF4-FFF2-40B4-BE49-F238E27FC236}">
+                <a16:creationId xmlns:a16="http://schemas.microsoft.com/office/drawing/2014/main" id="{6B019674-777D-B844-9C20-EEDD4E72835E}"/>
+              </a:ext>
+            </a:extLst>
+          </p:cNvPr>
+          <p:cNvSpPr/>
+          <p:nvPr/>
+        </p:nvSpPr>
+        <p:spPr>
+          <a:xfrm>
+            <a:off x="7060596" y="5117299"/>
+            <a:ext cx="238895" cy="251497"/>
+          </a:xfrm>
+          <a:prstGeom prst="ellipse">
+            <a:avLst/>
+          </a:prstGeom>
+        </p:spPr>
+        <p:style>
+          <a:lnRef idx="2">
+            <a:schemeClr val="accent6">
+              <a:shade val="50000"/>
+            </a:schemeClr>
+          </a:lnRef>
+          <a:fillRef idx="1">
+            <a:schemeClr val="accent6"/>
+          </a:fillRef>
+          <a:effectRef idx="0">
+            <a:schemeClr val="accent6"/>
+          </a:effectRef>
+          <a:fontRef idx="minor">
+            <a:schemeClr val="lt1"/>
+          </a:fontRef>
+        </p:style>
+        <p:txBody>
+          <a:bodyPr rtlCol="0" anchor="ctr"/>
+          <a:lstStyle/>
+          <a:p>
+            <a:pPr algn="ctr"/>
+            <a:endParaRPr lang="en-US" sz="2400"/>
+          </a:p>
+        </p:txBody>
+      </p:sp>
+      <p:cxnSp>
+        <p:nvCxnSpPr>
+          <p:cNvPr id="33" name="Straight Arrow Connector 32">
+            <a:extLst>
+              <a:ext uri="{FF2B5EF4-FFF2-40B4-BE49-F238E27FC236}">
+                <a16:creationId xmlns:a16="http://schemas.microsoft.com/office/drawing/2014/main" id="{E4A5A825-A988-E643-98F0-13C8DF4FB89D}"/>
+              </a:ext>
+            </a:extLst>
+          </p:cNvPr>
+          <p:cNvCxnSpPr>
+            <a:stCxn id="32" idx="4"/>
+          </p:cNvCxnSpPr>
+          <p:nvPr/>
+        </p:nvCxnSpPr>
+        <p:spPr>
+          <a:xfrm flipH="1">
+            <a:off x="7178354" y="5368796"/>
+            <a:ext cx="1690" cy="262569"/>
+          </a:xfrm>
+          <a:prstGeom prst="straightConnector1">
+            <a:avLst/>
+          </a:prstGeom>
+          <a:ln>
+            <a:tailEnd type="arrow"/>
+          </a:ln>
+        </p:spPr>
+        <p:style>
+          <a:lnRef idx="2">
+            <a:schemeClr val="accent2"/>
+          </a:lnRef>
+          <a:fillRef idx="0">
+            <a:schemeClr val="accent2"/>
+          </a:fillRef>
+          <a:effectRef idx="1">
+            <a:schemeClr val="accent2"/>
+          </a:effectRef>
+          <a:fontRef idx="minor">
+            <a:schemeClr val="tx1"/>
+          </a:fontRef>
+        </p:style>
+      </p:cxnSp>
+      <p:sp>
+        <p:nvSpPr>
+          <p:cNvPr id="26" name="Oval 25">
+            <a:extLst>
+              <a:ext uri="{FF2B5EF4-FFF2-40B4-BE49-F238E27FC236}">
+                <a16:creationId xmlns:a16="http://schemas.microsoft.com/office/drawing/2014/main" id="{6B17C621-D7B2-8644-886A-43E8CC4D6C54}"/>
+              </a:ext>
+            </a:extLst>
+          </p:cNvPr>
+          <p:cNvSpPr/>
+          <p:nvPr/>
+        </p:nvSpPr>
+        <p:spPr>
+          <a:xfrm>
+            <a:off x="7292592" y="2464975"/>
+            <a:ext cx="238895" cy="251497"/>
+          </a:xfrm>
+          <a:prstGeom prst="ellipse">
+            <a:avLst/>
+          </a:prstGeom>
+        </p:spPr>
+        <p:style>
+          <a:lnRef idx="2">
+            <a:schemeClr val="accent6">
+              <a:shade val="50000"/>
+            </a:schemeClr>
+          </a:lnRef>
+          <a:fillRef idx="1">
+            <a:schemeClr val="accent6"/>
+          </a:fillRef>
+          <a:effectRef idx="0">
+            <a:schemeClr val="accent6"/>
+          </a:effectRef>
+          <a:fontRef idx="minor">
+            <a:schemeClr val="lt1"/>
+          </a:fontRef>
+        </p:style>
+        <p:txBody>
+          <a:bodyPr rtlCol="0" anchor="ctr"/>
+          <a:lstStyle/>
+          <a:p>
+            <a:pPr algn="ctr"/>
+            <a:endParaRPr lang="en-US" sz="2400"/>
+          </a:p>
+        </p:txBody>
+      </p:sp>
+      <p:cxnSp>
+        <p:nvCxnSpPr>
+          <p:cNvPr id="27" name="Straight Arrow Connector 26">
+            <a:extLst>
+              <a:ext uri="{FF2B5EF4-FFF2-40B4-BE49-F238E27FC236}">
+                <a16:creationId xmlns:a16="http://schemas.microsoft.com/office/drawing/2014/main" id="{64DC8496-1F67-904D-B482-7E46FBAC6080}"/>
+              </a:ext>
+            </a:extLst>
+          </p:cNvPr>
+          <p:cNvCxnSpPr>
+            <a:stCxn id="26" idx="4"/>
+          </p:cNvCxnSpPr>
+          <p:nvPr/>
+        </p:nvCxnSpPr>
+        <p:spPr>
+          <a:xfrm flipH="1">
+            <a:off x="7410350" y="2716472"/>
+            <a:ext cx="1690" cy="262569"/>
+          </a:xfrm>
+          <a:prstGeom prst="straightConnector1">
+            <a:avLst/>
+          </a:prstGeom>
+          <a:ln>
+            <a:tailEnd type="arrow"/>
+          </a:ln>
+        </p:spPr>
+        <p:style>
+          <a:lnRef idx="2">
+            <a:schemeClr val="accent2"/>
+          </a:lnRef>
+          <a:fillRef idx="0">
+            <a:schemeClr val="accent2"/>
+          </a:fillRef>
+          <a:effectRef idx="1">
+            <a:schemeClr val="accent2"/>
+          </a:effectRef>
+          <a:fontRef idx="minor">
+            <a:schemeClr val="tx1"/>
+          </a:fontRef>
+        </p:style>
+      </p:cxnSp>
+      <p:sp>
+        <p:nvSpPr>
+          <p:cNvPr id="31" name="Oval 30">
+            <a:extLst>
+              <a:ext uri="{FF2B5EF4-FFF2-40B4-BE49-F238E27FC236}">
+                <a16:creationId xmlns:a16="http://schemas.microsoft.com/office/drawing/2014/main" id="{C6115D1A-704F-7846-A1B4-D097B5FBCE07}"/>
+              </a:ext>
+            </a:extLst>
+          </p:cNvPr>
+          <p:cNvSpPr/>
+          <p:nvPr/>
+        </p:nvSpPr>
+        <p:spPr>
+          <a:xfrm>
+            <a:off x="7060596" y="4629951"/>
+            <a:ext cx="238895" cy="251497"/>
+          </a:xfrm>
+          <a:prstGeom prst="ellipse">
+            <a:avLst/>
+          </a:prstGeom>
+        </p:spPr>
+        <p:style>
+          <a:lnRef idx="2">
+            <a:schemeClr val="accent6">
+              <a:shade val="50000"/>
+            </a:schemeClr>
+          </a:lnRef>
+          <a:fillRef idx="1">
+            <a:schemeClr val="accent6"/>
+          </a:fillRef>
+          <a:effectRef idx="0">
+            <a:schemeClr val="accent6"/>
+          </a:effectRef>
+          <a:fontRef idx="minor">
+            <a:schemeClr val="lt1"/>
+          </a:fontRef>
+        </p:style>
+        <p:txBody>
+          <a:bodyPr rtlCol="0" anchor="ctr"/>
+          <a:lstStyle/>
+          <a:p>
+            <a:pPr algn="ctr"/>
+            <a:endParaRPr lang="en-US" sz="2400"/>
+          </a:p>
+        </p:txBody>
+      </p:sp>
+      <p:cxnSp>
+        <p:nvCxnSpPr>
+          <p:cNvPr id="34" name="Straight Arrow Connector 33">
+            <a:extLst>
+              <a:ext uri="{FF2B5EF4-FFF2-40B4-BE49-F238E27FC236}">
+                <a16:creationId xmlns:a16="http://schemas.microsoft.com/office/drawing/2014/main" id="{096F7A32-7E86-F647-9199-34CAFB02223B}"/>
+              </a:ext>
+            </a:extLst>
+          </p:cNvPr>
+          <p:cNvCxnSpPr>
+            <a:stCxn id="31" idx="4"/>
+          </p:cNvCxnSpPr>
+          <p:nvPr/>
+        </p:nvCxnSpPr>
+        <p:spPr>
+          <a:xfrm flipH="1">
+            <a:off x="7178354" y="4881448"/>
+            <a:ext cx="1690" cy="262569"/>
+          </a:xfrm>
+          <a:prstGeom prst="straightConnector1">
+            <a:avLst/>
+          </a:prstGeom>
+          <a:ln>
+            <a:tailEnd type="arrow"/>
+          </a:ln>
+        </p:spPr>
+        <p:style>
+          <a:lnRef idx="2">
+            <a:schemeClr val="accent2"/>
+          </a:lnRef>
+          <a:fillRef idx="0">
+            <a:schemeClr val="accent2"/>
+          </a:fillRef>
+          <a:effectRef idx="1">
+            <a:schemeClr val="accent2"/>
+          </a:effectRef>
+          <a:fontRef idx="minor">
+            <a:schemeClr val="tx1"/>
+          </a:fontRef>
+        </p:style>
+      </p:cxnSp>
+      <p:sp>
+        <p:nvSpPr>
+          <p:cNvPr id="28" name="TextBox 27">
+            <a:extLst>
+              <a:ext uri="{FF2B5EF4-FFF2-40B4-BE49-F238E27FC236}">
+                <a16:creationId xmlns:a16="http://schemas.microsoft.com/office/drawing/2014/main" id="{FF908D0F-1FA1-3945-8092-84B9499CA78D}"/>
+              </a:ext>
+            </a:extLst>
+          </p:cNvPr>
+          <p:cNvSpPr txBox="1"/>
+          <p:nvPr/>
+        </p:nvSpPr>
+        <p:spPr>
+          <a:xfrm>
+            <a:off x="7531487" y="1397067"/>
+            <a:ext cx="1171012" cy="461665"/>
+          </a:xfrm>
+          <a:prstGeom prst="rect">
+            <a:avLst/>
+          </a:prstGeom>
+          <a:noFill/>
+        </p:spPr>
+        <p:txBody>
+          <a:bodyPr wrap="square" rtlCol="0">
+            <a:spAutoFit/>
+          </a:bodyPr>
+          <a:lstStyle/>
+          <a:p>
+            <a:pPr algn="ctr"/>
+            <a:r>
+              <a:rPr lang="en-US" sz="2400" dirty="0"/>
+              <a:t>feature</a:t>
+            </a:r>
+          </a:p>
+        </p:txBody>
+      </p:sp>
+      <p:sp>
+        <p:nvSpPr>
+          <p:cNvPr id="29" name="Oval 28">
+            <a:extLst>
+              <a:ext uri="{FF2B5EF4-FFF2-40B4-BE49-F238E27FC236}">
+                <a16:creationId xmlns:a16="http://schemas.microsoft.com/office/drawing/2014/main" id="{621342EB-3B33-1740-B7AD-9F103F6F4F73}"/>
+              </a:ext>
+            </a:extLst>
+          </p:cNvPr>
+          <p:cNvSpPr/>
+          <p:nvPr/>
+        </p:nvSpPr>
+        <p:spPr>
+          <a:xfrm>
+            <a:off x="7299491" y="1976591"/>
+            <a:ext cx="238895" cy="251497"/>
+          </a:xfrm>
+          <a:prstGeom prst="ellipse">
+            <a:avLst/>
+          </a:prstGeom>
+        </p:spPr>
+        <p:style>
+          <a:lnRef idx="2">
+            <a:schemeClr val="accent6">
+              <a:shade val="50000"/>
+            </a:schemeClr>
+          </a:lnRef>
+          <a:fillRef idx="1">
+            <a:schemeClr val="accent6"/>
+          </a:fillRef>
+          <a:effectRef idx="0">
+            <a:schemeClr val="accent6"/>
+          </a:effectRef>
+          <a:fontRef idx="minor">
+            <a:schemeClr val="lt1"/>
+          </a:fontRef>
+        </p:style>
+        <p:txBody>
+          <a:bodyPr rtlCol="0" anchor="ctr"/>
+          <a:lstStyle/>
+          <a:p>
+            <a:pPr algn="ctr"/>
+            <a:endParaRPr lang="en-US" sz="2400"/>
+          </a:p>
+        </p:txBody>
+      </p:sp>
+      <p:cxnSp>
+        <p:nvCxnSpPr>
+          <p:cNvPr id="35" name="Straight Arrow Connector 34">
+            <a:extLst>
+              <a:ext uri="{FF2B5EF4-FFF2-40B4-BE49-F238E27FC236}">
+                <a16:creationId xmlns:a16="http://schemas.microsoft.com/office/drawing/2014/main" id="{71D98494-3AA6-E44D-8AFA-3DE7A8176042}"/>
+              </a:ext>
+            </a:extLst>
+          </p:cNvPr>
+          <p:cNvCxnSpPr>
+            <a:stCxn id="29" idx="4"/>
+          </p:cNvCxnSpPr>
+          <p:nvPr/>
+        </p:nvCxnSpPr>
+        <p:spPr>
+          <a:xfrm flipH="1">
+            <a:off x="7417249" y="2228088"/>
+            <a:ext cx="1690" cy="262569"/>
+          </a:xfrm>
+          <a:prstGeom prst="straightConnector1">
+            <a:avLst/>
+          </a:prstGeom>
+          <a:ln>
+            <a:tailEnd type="arrow"/>
+          </a:ln>
+        </p:spPr>
+        <p:style>
+          <a:lnRef idx="2">
+            <a:schemeClr val="accent2"/>
+          </a:lnRef>
+          <a:fillRef idx="0">
+            <a:schemeClr val="accent2"/>
+          </a:fillRef>
+          <a:effectRef idx="1">
+            <a:schemeClr val="accent2"/>
+          </a:effectRef>
+          <a:fontRef idx="minor">
+            <a:schemeClr val="tx1"/>
+          </a:fontRef>
+        </p:style>
+      </p:cxnSp>
+      <p:sp>
+        <p:nvSpPr>
+          <p:cNvPr id="30" name="Oval 29">
+            <a:extLst>
+              <a:ext uri="{FF2B5EF4-FFF2-40B4-BE49-F238E27FC236}">
+                <a16:creationId xmlns:a16="http://schemas.microsoft.com/office/drawing/2014/main" id="{7116067D-1426-CC40-B0E4-4F59C846EB13}"/>
+              </a:ext>
+            </a:extLst>
+          </p:cNvPr>
+          <p:cNvSpPr/>
+          <p:nvPr/>
+        </p:nvSpPr>
+        <p:spPr>
+          <a:xfrm>
+            <a:off x="2538378" y="2726339"/>
+            <a:ext cx="238895" cy="251497"/>
+          </a:xfrm>
+          <a:prstGeom prst="ellipse">
+            <a:avLst/>
+          </a:prstGeom>
+        </p:spPr>
+        <p:style>
+          <a:lnRef idx="2">
+            <a:schemeClr val="dk1"/>
+          </a:lnRef>
+          <a:fillRef idx="1">
+            <a:schemeClr val="lt1"/>
+          </a:fillRef>
+          <a:effectRef idx="0">
+            <a:schemeClr val="dk1"/>
+          </a:effectRef>
+          <a:fontRef idx="minor">
+            <a:schemeClr val="dk1"/>
+          </a:fontRef>
+        </p:style>
+        <p:txBody>
+          <a:bodyPr rtlCol="0" anchor="ctr"/>
+          <a:lstStyle/>
+          <a:p>
+            <a:pPr algn="ctr"/>
+            <a:endParaRPr lang="en-US" sz="2400"/>
+          </a:p>
+        </p:txBody>
+      </p:sp>
+      <p:cxnSp>
+        <p:nvCxnSpPr>
+          <p:cNvPr id="36" name="Straight Arrow Connector 35">
+            <a:extLst>
+              <a:ext uri="{FF2B5EF4-FFF2-40B4-BE49-F238E27FC236}">
+                <a16:creationId xmlns:a16="http://schemas.microsoft.com/office/drawing/2014/main" id="{AAA06A7D-B9F9-4F4B-93AA-A1389E9C452D}"/>
+              </a:ext>
+            </a:extLst>
+          </p:cNvPr>
+          <p:cNvCxnSpPr>
+            <a:stCxn id="30" idx="4"/>
+          </p:cNvCxnSpPr>
+          <p:nvPr/>
+        </p:nvCxnSpPr>
+        <p:spPr>
+          <a:xfrm>
+            <a:off x="2657826" y="2977836"/>
+            <a:ext cx="0" cy="236067"/>
+          </a:xfrm>
+          <a:prstGeom prst="straightConnector1">
+            <a:avLst/>
+          </a:prstGeom>
+          <a:ln>
+            <a:tailEnd type="arrow"/>
+          </a:ln>
+        </p:spPr>
+        <p:style>
+          <a:lnRef idx="2">
+            <a:schemeClr val="dk1"/>
+          </a:lnRef>
+          <a:fillRef idx="1">
+            <a:schemeClr val="lt1"/>
+          </a:fillRef>
+          <a:effectRef idx="0">
+            <a:schemeClr val="dk1"/>
+          </a:effectRef>
+          <a:fontRef idx="minor">
+            <a:schemeClr val="dk1"/>
+          </a:fontRef>
+        </p:style>
+      </p:cxnSp>
+      <p:sp>
+        <p:nvSpPr>
+          <p:cNvPr id="39" name="Oval 38">
+            <a:extLst>
+              <a:ext uri="{FF2B5EF4-FFF2-40B4-BE49-F238E27FC236}">
+                <a16:creationId xmlns:a16="http://schemas.microsoft.com/office/drawing/2014/main" id="{510FEC89-D079-D246-88A2-1662327F66D6}"/>
+              </a:ext>
+            </a:extLst>
+          </p:cNvPr>
+          <p:cNvSpPr/>
+          <p:nvPr/>
+        </p:nvSpPr>
+        <p:spPr>
+          <a:xfrm>
+            <a:off x="6627344" y="5636452"/>
+            <a:ext cx="238895" cy="251497"/>
+          </a:xfrm>
+          <a:prstGeom prst="ellipse">
+            <a:avLst/>
+          </a:prstGeom>
+        </p:spPr>
+        <p:style>
+          <a:lnRef idx="2">
+            <a:schemeClr val="dk1"/>
+          </a:lnRef>
+          <a:fillRef idx="1">
+            <a:schemeClr val="lt1"/>
+          </a:fillRef>
+          <a:effectRef idx="0">
+            <a:schemeClr val="dk1"/>
+          </a:effectRef>
+          <a:fontRef idx="minor">
+            <a:schemeClr val="dk1"/>
+          </a:fontRef>
+        </p:style>
+        <p:txBody>
+          <a:bodyPr rtlCol="0" anchor="ctr"/>
+          <a:lstStyle/>
+          <a:p>
+            <a:pPr algn="ctr"/>
+            <a:endParaRPr lang="en-US" sz="2400"/>
+          </a:p>
+        </p:txBody>
+      </p:sp>
+      <p:cxnSp>
+        <p:nvCxnSpPr>
+          <p:cNvPr id="40" name="Straight Arrow Connector 39">
+            <a:extLst>
+              <a:ext uri="{FF2B5EF4-FFF2-40B4-BE49-F238E27FC236}">
+                <a16:creationId xmlns:a16="http://schemas.microsoft.com/office/drawing/2014/main" id="{822450E1-FADD-5148-B3DF-53B10DB05A88}"/>
+              </a:ext>
+            </a:extLst>
+          </p:cNvPr>
+          <p:cNvCxnSpPr>
+            <a:cxnSpLocks/>
+            <a:stCxn id="39" idx="4"/>
+            <a:endCxn id="24" idx="1"/>
+          </p:cNvCxnSpPr>
+          <p:nvPr/>
+        </p:nvCxnSpPr>
+        <p:spPr>
+          <a:xfrm>
+            <a:off x="6746792" y="5887949"/>
+            <a:ext cx="347099" cy="283241"/>
+          </a:xfrm>
+          <a:prstGeom prst="straightConnector1">
+            <a:avLst/>
+          </a:prstGeom>
+          <a:ln>
+            <a:tailEnd type="arrow"/>
+          </a:ln>
+        </p:spPr>
+        <p:style>
+          <a:lnRef idx="2">
+            <a:schemeClr val="dk1"/>
+          </a:lnRef>
+          <a:fillRef idx="1">
+            <a:schemeClr val="lt1"/>
+          </a:fillRef>
+          <a:effectRef idx="0">
+            <a:schemeClr val="dk1"/>
+          </a:effectRef>
+          <a:fontRef idx="minor">
+            <a:schemeClr val="dk1"/>
+          </a:fontRef>
+        </p:style>
+      </p:cxnSp>
+      <p:sp>
+        <p:nvSpPr>
+          <p:cNvPr id="37" name="Oval 36">
+            <a:extLst>
+              <a:ext uri="{FF2B5EF4-FFF2-40B4-BE49-F238E27FC236}">
+                <a16:creationId xmlns:a16="http://schemas.microsoft.com/office/drawing/2014/main" id="{A2FAEDA4-6273-114C-9103-412988B0B4DD}"/>
+              </a:ext>
+            </a:extLst>
+          </p:cNvPr>
+          <p:cNvSpPr/>
+          <p:nvPr/>
+        </p:nvSpPr>
+        <p:spPr>
+          <a:xfrm>
+            <a:off x="7060596" y="4117462"/>
+            <a:ext cx="238895" cy="251497"/>
+          </a:xfrm>
+          <a:prstGeom prst="ellipse">
+            <a:avLst/>
+          </a:prstGeom>
+        </p:spPr>
+        <p:style>
+          <a:lnRef idx="2">
+            <a:schemeClr val="accent6">
+              <a:shade val="50000"/>
+            </a:schemeClr>
+          </a:lnRef>
+          <a:fillRef idx="1">
+            <a:schemeClr val="accent6"/>
+          </a:fillRef>
+          <a:effectRef idx="0">
+            <a:schemeClr val="accent6"/>
+          </a:effectRef>
+          <a:fontRef idx="minor">
+            <a:schemeClr val="lt1"/>
+          </a:fontRef>
+        </p:style>
+        <p:txBody>
+          <a:bodyPr rtlCol="0" anchor="ctr"/>
+          <a:lstStyle/>
+          <a:p>
+            <a:pPr algn="ctr"/>
+            <a:endParaRPr lang="en-US" sz="2400"/>
+          </a:p>
+        </p:txBody>
+      </p:sp>
+      <p:cxnSp>
+        <p:nvCxnSpPr>
+          <p:cNvPr id="41" name="Straight Arrow Connector 40">
+            <a:extLst>
+              <a:ext uri="{FF2B5EF4-FFF2-40B4-BE49-F238E27FC236}">
+                <a16:creationId xmlns:a16="http://schemas.microsoft.com/office/drawing/2014/main" id="{32336EB8-16A7-9048-8563-7E6BF58FF21C}"/>
+              </a:ext>
+            </a:extLst>
+          </p:cNvPr>
+          <p:cNvCxnSpPr>
+            <a:stCxn id="37" idx="4"/>
+          </p:cNvCxnSpPr>
+          <p:nvPr/>
+        </p:nvCxnSpPr>
+        <p:spPr>
+          <a:xfrm flipH="1">
+            <a:off x="7178354" y="4368959"/>
+            <a:ext cx="1690" cy="262569"/>
+          </a:xfrm>
+          <a:prstGeom prst="straightConnector1">
+            <a:avLst/>
+          </a:prstGeom>
+          <a:ln>
+            <a:tailEnd type="arrow"/>
+          </a:ln>
+        </p:spPr>
+        <p:style>
+          <a:lnRef idx="2">
+            <a:schemeClr val="accent2"/>
+          </a:lnRef>
+          <a:fillRef idx="0">
+            <a:schemeClr val="accent2"/>
+          </a:fillRef>
+          <a:effectRef idx="1">
+            <a:schemeClr val="accent2"/>
+          </a:effectRef>
+          <a:fontRef idx="minor">
+            <a:schemeClr val="tx1"/>
+          </a:fontRef>
+        </p:style>
+      </p:cxnSp>
+      <p:cxnSp>
+        <p:nvCxnSpPr>
+          <p:cNvPr id="42" name="Straight Arrow Connector 41">
+            <a:extLst>
+              <a:ext uri="{FF2B5EF4-FFF2-40B4-BE49-F238E27FC236}">
+                <a16:creationId xmlns:a16="http://schemas.microsoft.com/office/drawing/2014/main" id="{C87D6C5B-9BAE-A747-BEBE-0F1EC8583D18}"/>
+              </a:ext>
+            </a:extLst>
+          </p:cNvPr>
+          <p:cNvCxnSpPr>
+            <a:cxnSpLocks/>
+            <a:stCxn id="37" idx="3"/>
+            <a:endCxn id="39" idx="0"/>
+          </p:cNvCxnSpPr>
+          <p:nvPr/>
+        </p:nvCxnSpPr>
+        <p:spPr>
+          <a:xfrm flipH="1">
+            <a:off x="6746792" y="4332128"/>
+            <a:ext cx="348789" cy="1304324"/>
+          </a:xfrm>
+          <a:prstGeom prst="straightConnector1">
+            <a:avLst/>
+          </a:prstGeom>
+          <a:ln>
+            <a:tailEnd type="arrow"/>
+          </a:ln>
+        </p:spPr>
+        <p:style>
+          <a:lnRef idx="2">
+            <a:schemeClr val="accent2"/>
+          </a:lnRef>
+          <a:fillRef idx="0">
+            <a:schemeClr val="accent2"/>
+          </a:fillRef>
+          <a:effectRef idx="1">
+            <a:schemeClr val="accent2"/>
+          </a:effectRef>
+          <a:fontRef idx="minor">
+            <a:schemeClr val="tx1"/>
+          </a:fontRef>
+        </p:style>
+      </p:cxnSp>
+      <p:sp>
+        <p:nvSpPr>
+          <p:cNvPr id="49" name="Oval 48">
+            <a:extLst>
+              <a:ext uri="{FF2B5EF4-FFF2-40B4-BE49-F238E27FC236}">
+                <a16:creationId xmlns:a16="http://schemas.microsoft.com/office/drawing/2014/main" id="{3CBD77C4-912E-DF47-8433-69AF41D4FB3A}"/>
+              </a:ext>
+            </a:extLst>
+          </p:cNvPr>
+          <p:cNvSpPr/>
+          <p:nvPr/>
+        </p:nvSpPr>
+        <p:spPr>
+          <a:xfrm>
+            <a:off x="6866239" y="3021296"/>
+            <a:ext cx="238895" cy="251497"/>
+          </a:xfrm>
+          <a:prstGeom prst="ellipse">
+            <a:avLst/>
+          </a:prstGeom>
+        </p:spPr>
+        <p:style>
+          <a:lnRef idx="2">
+            <a:schemeClr val="dk1"/>
+          </a:lnRef>
+          <a:fillRef idx="1">
+            <a:schemeClr val="lt1"/>
+          </a:fillRef>
+          <a:effectRef idx="0">
+            <a:schemeClr val="dk1"/>
+          </a:effectRef>
+          <a:fontRef idx="minor">
+            <a:schemeClr val="dk1"/>
+          </a:fontRef>
+        </p:style>
+        <p:txBody>
+          <a:bodyPr rtlCol="0" anchor="ctr"/>
+          <a:lstStyle/>
+          <a:p>
+            <a:pPr algn="ctr"/>
+            <a:endParaRPr lang="en-US" sz="2400"/>
+          </a:p>
+        </p:txBody>
+      </p:sp>
+      <p:cxnSp>
+        <p:nvCxnSpPr>
+          <p:cNvPr id="50" name="Straight Arrow Connector 49">
+            <a:extLst>
+              <a:ext uri="{FF2B5EF4-FFF2-40B4-BE49-F238E27FC236}">
+                <a16:creationId xmlns:a16="http://schemas.microsoft.com/office/drawing/2014/main" id="{A25C3796-AC74-E34B-845E-FF05C7B55D18}"/>
+              </a:ext>
+            </a:extLst>
+          </p:cNvPr>
+          <p:cNvCxnSpPr>
+            <a:cxnSpLocks/>
+            <a:stCxn id="49" idx="4"/>
+          </p:cNvCxnSpPr>
+          <p:nvPr/>
+        </p:nvCxnSpPr>
+        <p:spPr>
+          <a:xfrm>
+            <a:off x="6985687" y="3272793"/>
+            <a:ext cx="347099" cy="283241"/>
+          </a:xfrm>
+          <a:prstGeom prst="straightConnector1">
+            <a:avLst/>
+          </a:prstGeom>
+          <a:ln>
+            <a:tailEnd type="arrow"/>
+          </a:ln>
+        </p:spPr>
+        <p:style>
+          <a:lnRef idx="2">
+            <a:schemeClr val="dk1"/>
+          </a:lnRef>
+          <a:fillRef idx="1">
+            <a:schemeClr val="lt1"/>
+          </a:fillRef>
+          <a:effectRef idx="0">
+            <a:schemeClr val="dk1"/>
+          </a:effectRef>
+          <a:fontRef idx="minor">
+            <a:schemeClr val="dk1"/>
+          </a:fontRef>
+        </p:style>
+      </p:cxnSp>
+      <p:sp>
+        <p:nvSpPr>
+          <p:cNvPr id="51" name="Oval 50">
+            <a:extLst>
+              <a:ext uri="{FF2B5EF4-FFF2-40B4-BE49-F238E27FC236}">
+                <a16:creationId xmlns:a16="http://schemas.microsoft.com/office/drawing/2014/main" id="{60D8FC7B-FA86-6741-81D0-A5003881B71D}"/>
+              </a:ext>
+            </a:extLst>
+          </p:cNvPr>
+          <p:cNvSpPr/>
+          <p:nvPr/>
+        </p:nvSpPr>
+        <p:spPr>
+          <a:xfrm>
+            <a:off x="7299491" y="1502306"/>
+            <a:ext cx="238895" cy="251497"/>
+          </a:xfrm>
+          <a:prstGeom prst="ellipse">
+            <a:avLst/>
+          </a:prstGeom>
+        </p:spPr>
+        <p:style>
+          <a:lnRef idx="2">
+            <a:schemeClr val="accent6">
+              <a:shade val="50000"/>
+            </a:schemeClr>
+          </a:lnRef>
+          <a:fillRef idx="1">
+            <a:schemeClr val="accent6"/>
+          </a:fillRef>
+          <a:effectRef idx="0">
+            <a:schemeClr val="accent6"/>
+          </a:effectRef>
+          <a:fontRef idx="minor">
+            <a:schemeClr val="lt1"/>
+          </a:fontRef>
+        </p:style>
+        <p:txBody>
+          <a:bodyPr rtlCol="0" anchor="ctr"/>
+          <a:lstStyle/>
+          <a:p>
+            <a:pPr algn="ctr"/>
+            <a:endParaRPr lang="en-US" sz="2400"/>
+          </a:p>
+        </p:txBody>
+      </p:sp>
+      <p:cxnSp>
+        <p:nvCxnSpPr>
+          <p:cNvPr id="52" name="Straight Arrow Connector 51">
+            <a:extLst>
+              <a:ext uri="{FF2B5EF4-FFF2-40B4-BE49-F238E27FC236}">
+                <a16:creationId xmlns:a16="http://schemas.microsoft.com/office/drawing/2014/main" id="{3190FE43-5CCF-D24F-B758-E839B2C60D51}"/>
+              </a:ext>
+            </a:extLst>
+          </p:cNvPr>
+          <p:cNvCxnSpPr>
+            <a:stCxn id="51" idx="4"/>
+          </p:cNvCxnSpPr>
+          <p:nvPr/>
+        </p:nvCxnSpPr>
+        <p:spPr>
+          <a:xfrm flipH="1">
+            <a:off x="7417249" y="1753803"/>
+            <a:ext cx="1690" cy="262569"/>
+          </a:xfrm>
+          <a:prstGeom prst="straightConnector1">
+            <a:avLst/>
+          </a:prstGeom>
+          <a:ln>
+            <a:tailEnd type="arrow"/>
+          </a:ln>
+        </p:spPr>
+        <p:style>
+          <a:lnRef idx="2">
+            <a:schemeClr val="accent2"/>
+          </a:lnRef>
+          <a:fillRef idx="0">
+            <a:schemeClr val="accent2"/>
+          </a:fillRef>
+          <a:effectRef idx="1">
+            <a:schemeClr val="accent2"/>
+          </a:effectRef>
+          <a:fontRef idx="minor">
+            <a:schemeClr val="tx1"/>
+          </a:fontRef>
+        </p:style>
+      </p:cxnSp>
+      <p:cxnSp>
+        <p:nvCxnSpPr>
+          <p:cNvPr id="53" name="Straight Arrow Connector 52">
+            <a:extLst>
+              <a:ext uri="{FF2B5EF4-FFF2-40B4-BE49-F238E27FC236}">
+                <a16:creationId xmlns:a16="http://schemas.microsoft.com/office/drawing/2014/main" id="{E635E880-BBC2-AF4B-ADA6-B7B5B91279B7}"/>
+              </a:ext>
+            </a:extLst>
+          </p:cNvPr>
+          <p:cNvCxnSpPr>
+            <a:cxnSpLocks/>
+            <a:stCxn id="51" idx="3"/>
+            <a:endCxn id="49" idx="0"/>
+          </p:cNvCxnSpPr>
+          <p:nvPr/>
+        </p:nvCxnSpPr>
+        <p:spPr>
+          <a:xfrm flipH="1">
+            <a:off x="6985687" y="1716972"/>
+            <a:ext cx="348789" cy="1304324"/>
+          </a:xfrm>
+          <a:prstGeom prst="straightConnector1">
+            <a:avLst/>
+          </a:prstGeom>
+          <a:ln>
+            <a:tailEnd type="arrow"/>
+          </a:ln>
+        </p:spPr>
+        <p:style>
+          <a:lnRef idx="2">
+            <a:schemeClr val="accent2"/>
+          </a:lnRef>
+          <a:fillRef idx="0">
+            <a:schemeClr val="accent2"/>
+          </a:fillRef>
+          <a:effectRef idx="1">
+            <a:schemeClr val="accent2"/>
+          </a:effectRef>
+          <a:fontRef idx="minor">
+            <a:schemeClr val="tx1"/>
+          </a:fontRef>
+        </p:style>
+      </p:cxnSp>
+      <p:sp>
+        <p:nvSpPr>
+          <p:cNvPr id="4" name="Title 3">
+            <a:extLst>
+              <a:ext uri="{FF2B5EF4-FFF2-40B4-BE49-F238E27FC236}">
+                <a16:creationId xmlns:a16="http://schemas.microsoft.com/office/drawing/2014/main" id="{C75AB699-6029-0C47-830B-AF95A34F6FDA}"/>
+              </a:ext>
+            </a:extLst>
+          </p:cNvPr>
+          <p:cNvSpPr>
+            <a:spLocks noGrp="1"/>
+          </p:cNvSpPr>
+          <p:nvPr>
+            <p:ph type="title"/>
+          </p:nvPr>
+        </p:nvSpPr>
+        <p:spPr/>
+        <p:txBody>
+          <a:bodyPr/>
+          <a:lstStyle/>
+          <a:p>
+            <a:r>
+              <a:rPr lang="en-US" dirty="0"/>
+              <a:t>Time to clean up!</a:t>
+            </a:r>
+          </a:p>
+        </p:txBody>
+      </p:sp>
+      <p:sp>
+        <p:nvSpPr>
+          <p:cNvPr id="46" name="Oval 45">
+            <a:extLst>
+              <a:ext uri="{FF2B5EF4-FFF2-40B4-BE49-F238E27FC236}">
+                <a16:creationId xmlns:a16="http://schemas.microsoft.com/office/drawing/2014/main" id="{BADAF235-8525-F04C-B5B3-1C046DFD7E70}"/>
+              </a:ext>
+            </a:extLst>
+          </p:cNvPr>
+          <p:cNvSpPr/>
+          <p:nvPr/>
+        </p:nvSpPr>
+        <p:spPr>
+          <a:xfrm>
+            <a:off x="2528941" y="2246503"/>
+            <a:ext cx="238895" cy="251497"/>
+          </a:xfrm>
+          <a:prstGeom prst="ellipse">
+            <a:avLst/>
+          </a:prstGeom>
+        </p:spPr>
+        <p:style>
+          <a:lnRef idx="2">
+            <a:schemeClr val="accent6">
+              <a:shade val="50000"/>
+            </a:schemeClr>
+          </a:lnRef>
+          <a:fillRef idx="1">
+            <a:schemeClr val="accent6"/>
+          </a:fillRef>
+          <a:effectRef idx="0">
+            <a:schemeClr val="accent6"/>
+          </a:effectRef>
+          <a:fontRef idx="minor">
+            <a:schemeClr val="lt1"/>
+          </a:fontRef>
+        </p:style>
+        <p:txBody>
+          <a:bodyPr rtlCol="0" anchor="ctr"/>
+          <a:lstStyle/>
+          <a:p>
+            <a:pPr algn="ctr"/>
+            <a:endParaRPr lang="en-US" sz="2400"/>
+          </a:p>
+        </p:txBody>
+      </p:sp>
+      <p:cxnSp>
+        <p:nvCxnSpPr>
+          <p:cNvPr id="47" name="Straight Arrow Connector 46">
+            <a:extLst>
+              <a:ext uri="{FF2B5EF4-FFF2-40B4-BE49-F238E27FC236}">
+                <a16:creationId xmlns:a16="http://schemas.microsoft.com/office/drawing/2014/main" id="{40C84811-ADA9-5E48-8790-AAD80A4DB6F6}"/>
+              </a:ext>
+            </a:extLst>
+          </p:cNvPr>
+          <p:cNvCxnSpPr/>
+          <p:nvPr/>
+        </p:nvCxnSpPr>
+        <p:spPr>
+          <a:xfrm flipH="1">
+            <a:off x="2656170" y="2480826"/>
+            <a:ext cx="1690" cy="262569"/>
+          </a:xfrm>
+          <a:prstGeom prst="straightConnector1">
+            <a:avLst/>
+          </a:prstGeom>
+          <a:ln>
+            <a:tailEnd type="arrow"/>
+          </a:ln>
+        </p:spPr>
+        <p:style>
+          <a:lnRef idx="2">
+            <a:schemeClr val="accent2"/>
+          </a:lnRef>
+          <a:fillRef idx="0">
+            <a:schemeClr val="accent2"/>
+          </a:fillRef>
+          <a:effectRef idx="1">
+            <a:schemeClr val="accent2"/>
+          </a:effectRef>
+          <a:fontRef idx="minor">
+            <a:schemeClr val="tx1"/>
+          </a:fontRef>
+        </p:style>
+      </p:cxnSp>
+    </p:spTree>
+    <p:extLst>
+      <p:ext uri="{BB962C8B-B14F-4D97-AF65-F5344CB8AC3E}">
+        <p14:creationId xmlns:p14="http://schemas.microsoft.com/office/powerpoint/2010/main" val="1177500507"/>
+      </p:ext>
+    </p:extLst>
+  </p:cSld>
+  <p:clrMapOvr>
+    <a:masterClrMapping/>
+  </p:clrMapOvr>
+</p:sld>
+</file>
+
+<file path=ppt/slides/slide49.xml><?xml version="1.0" encoding="utf-8"?>
+<p:sld xmlns:a="http://schemas.openxmlformats.org/drawingml/2006/main" xmlns:r="http://schemas.openxmlformats.org/officeDocument/2006/relationships" xmlns:p="http://schemas.openxmlformats.org/presentationml/2006/main">
+  <p:cSld>
+    <p:spTree>
+      <p:nvGrpSpPr>
+        <p:cNvPr id="1" name=""/>
+        <p:cNvGrpSpPr/>
+        <p:nvPr/>
+      </p:nvGrpSpPr>
+      <p:grpSpPr>
+        <a:xfrm>
+          <a:off x="0" y="0"/>
+          <a:ext cx="0" cy="0"/>
+          <a:chOff x="0" y="0"/>
+          <a:chExt cx="0" cy="0"/>
+        </a:xfrm>
+      </p:grpSpPr>
+      <p:sp>
+        <p:nvSpPr>
+          <p:cNvPr id="10" name="Oval 9"/>
+          <p:cNvSpPr/>
+          <p:nvPr/>
+        </p:nvSpPr>
+        <p:spPr>
+          <a:xfrm>
+            <a:off x="7292592" y="3504096"/>
+            <a:ext cx="238895" cy="251497"/>
+          </a:xfrm>
+          <a:prstGeom prst="ellipse">
+            <a:avLst/>
+          </a:prstGeom>
+        </p:spPr>
+        <p:style>
+          <a:lnRef idx="1">
+            <a:schemeClr val="accent1"/>
+          </a:lnRef>
+          <a:fillRef idx="3">
+            <a:schemeClr val="accent1"/>
+          </a:fillRef>
+          <a:effectRef idx="2">
+            <a:schemeClr val="accent1"/>
+          </a:effectRef>
+          <a:fontRef idx="minor">
+            <a:schemeClr val="lt1"/>
+          </a:fontRef>
+        </p:style>
+        <p:txBody>
+          <a:bodyPr rtlCol="0" anchor="ctr"/>
+          <a:lstStyle/>
+          <a:p>
+            <a:pPr algn="ctr"/>
+            <a:endParaRPr lang="en-US" sz="2400"/>
+          </a:p>
+        </p:txBody>
+      </p:sp>
+      <p:cxnSp>
+        <p:nvCxnSpPr>
+          <p:cNvPr id="12" name="Straight Arrow Connector 11"/>
+          <p:cNvCxnSpPr>
+            <a:stCxn id="10" idx="4"/>
+          </p:cNvCxnSpPr>
+          <p:nvPr/>
+        </p:nvCxnSpPr>
+        <p:spPr>
+          <a:xfrm>
+            <a:off x="7412040" y="3755593"/>
+            <a:ext cx="0" cy="224845"/>
+          </a:xfrm>
+          <a:prstGeom prst="straightConnector1">
+            <a:avLst/>
+          </a:prstGeom>
+          <a:ln>
+            <a:tailEnd type="arrow"/>
+          </a:ln>
+        </p:spPr>
+        <p:style>
+          <a:lnRef idx="2">
+            <a:schemeClr val="accent1"/>
+          </a:lnRef>
+          <a:fillRef idx="0">
+            <a:schemeClr val="accent1"/>
+          </a:fillRef>
+          <a:effectRef idx="1">
+            <a:schemeClr val="accent1"/>
+          </a:effectRef>
+          <a:fontRef idx="minor">
+            <a:schemeClr val="tx1"/>
+          </a:fontRef>
+        </p:style>
+      </p:cxnSp>
+      <p:sp>
+        <p:nvSpPr>
+          <p:cNvPr id="16" name="TextBox 15"/>
+          <p:cNvSpPr txBox="1"/>
+          <p:nvPr/>
+        </p:nvSpPr>
+        <p:spPr>
+          <a:xfrm>
+            <a:off x="1419788" y="2159343"/>
+            <a:ext cx="1171012" cy="461665"/>
+          </a:xfrm>
+          <a:prstGeom prst="rect">
+            <a:avLst/>
+          </a:prstGeom>
+          <a:noFill/>
+        </p:spPr>
+        <p:txBody>
+          <a:bodyPr wrap="square" rtlCol="0">
+            <a:spAutoFit/>
+          </a:bodyPr>
+          <a:lstStyle/>
+          <a:p>
+            <a:pPr algn="ctr"/>
+            <a:r>
+              <a:rPr lang="en-US" sz="2400" dirty="0"/>
+              <a:t>master</a:t>
+            </a:r>
+          </a:p>
+        </p:txBody>
+      </p:sp>
+      <p:sp>
+        <p:nvSpPr>
+          <p:cNvPr id="17" name="Oval 16"/>
+          <p:cNvSpPr/>
+          <p:nvPr/>
+        </p:nvSpPr>
+        <p:spPr>
+          <a:xfrm>
+            <a:off x="2528941" y="3191389"/>
+            <a:ext cx="238895" cy="251497"/>
+          </a:xfrm>
+          <a:prstGeom prst="ellipse">
+            <a:avLst/>
+          </a:prstGeom>
+        </p:spPr>
+        <p:style>
+          <a:lnRef idx="1">
+            <a:schemeClr val="accent1"/>
+          </a:lnRef>
+          <a:fillRef idx="3">
+            <a:schemeClr val="accent1"/>
+          </a:fillRef>
+          <a:effectRef idx="2">
+            <a:schemeClr val="accent1"/>
+          </a:effectRef>
+          <a:fontRef idx="minor">
+            <a:schemeClr val="lt1"/>
+          </a:fontRef>
+        </p:style>
+        <p:txBody>
+          <a:bodyPr rtlCol="0" anchor="ctr"/>
+          <a:lstStyle/>
+          <a:p>
+            <a:pPr algn="ctr"/>
+            <a:endParaRPr lang="en-US" sz="2400"/>
+          </a:p>
+        </p:txBody>
+      </p:sp>
+      <p:cxnSp>
+        <p:nvCxnSpPr>
+          <p:cNvPr id="18" name="Straight Arrow Connector 17"/>
+          <p:cNvCxnSpPr>
+            <a:stCxn id="17" idx="4"/>
+          </p:cNvCxnSpPr>
+          <p:nvPr/>
+        </p:nvCxnSpPr>
+        <p:spPr>
+          <a:xfrm>
+            <a:off x="2648389" y="3442886"/>
+            <a:ext cx="0" cy="224845"/>
+          </a:xfrm>
+          <a:prstGeom prst="straightConnector1">
+            <a:avLst/>
+          </a:prstGeom>
+          <a:ln>
+            <a:tailEnd type="arrow"/>
+          </a:ln>
+        </p:spPr>
+        <p:style>
+          <a:lnRef idx="2">
+            <a:schemeClr val="accent1"/>
+          </a:lnRef>
+          <a:fillRef idx="0">
+            <a:schemeClr val="accent1"/>
+          </a:fillRef>
+          <a:effectRef idx="1">
+            <a:schemeClr val="accent1"/>
+          </a:effectRef>
+          <a:fontRef idx="minor">
+            <a:schemeClr val="tx1"/>
+          </a:fontRef>
+        </p:style>
+      </p:cxnSp>
+      <p:sp>
+        <p:nvSpPr>
+          <p:cNvPr id="24" name="Oval 23"/>
+          <p:cNvSpPr/>
+          <p:nvPr/>
+        </p:nvSpPr>
+        <p:spPr>
+          <a:xfrm>
+            <a:off x="7058906" y="6134359"/>
+            <a:ext cx="238895" cy="251497"/>
+          </a:xfrm>
+          <a:prstGeom prst="ellipse">
+            <a:avLst/>
+          </a:prstGeom>
+        </p:spPr>
+        <p:style>
+          <a:lnRef idx="1">
+            <a:schemeClr val="accent1"/>
+          </a:lnRef>
+          <a:fillRef idx="3">
+            <a:schemeClr val="accent1"/>
+          </a:fillRef>
+          <a:effectRef idx="2">
+            <a:schemeClr val="accent1"/>
+          </a:effectRef>
+          <a:fontRef idx="minor">
+            <a:schemeClr val="lt1"/>
+          </a:fontRef>
+        </p:style>
+        <p:txBody>
+          <a:bodyPr rtlCol="0" anchor="ctr"/>
+          <a:lstStyle/>
+          <a:p>
+            <a:pPr algn="ctr"/>
+            <a:endParaRPr lang="en-US" sz="2400"/>
+          </a:p>
+        </p:txBody>
+      </p:sp>
+      <p:cxnSp>
+        <p:nvCxnSpPr>
+          <p:cNvPr id="25" name="Straight Arrow Connector 24"/>
+          <p:cNvCxnSpPr>
+            <a:stCxn id="24" idx="4"/>
+          </p:cNvCxnSpPr>
+          <p:nvPr/>
+        </p:nvCxnSpPr>
+        <p:spPr>
+          <a:xfrm>
+            <a:off x="7178354" y="6385856"/>
+            <a:ext cx="0" cy="224845"/>
+          </a:xfrm>
+          <a:prstGeom prst="straightConnector1">
+            <a:avLst/>
+          </a:prstGeom>
+          <a:ln>
+            <a:tailEnd type="arrow"/>
+          </a:ln>
+        </p:spPr>
+        <p:style>
+          <a:lnRef idx="2">
+            <a:schemeClr val="accent1"/>
+          </a:lnRef>
+          <a:fillRef idx="0">
+            <a:schemeClr val="accent1"/>
+          </a:fillRef>
+          <a:effectRef idx="1">
+            <a:schemeClr val="accent1"/>
+          </a:effectRef>
+          <a:fontRef idx="minor">
+            <a:schemeClr val="tx1"/>
+          </a:fontRef>
+        </p:style>
+      </p:cxnSp>
+      <p:sp>
+        <p:nvSpPr>
+          <p:cNvPr id="44" name="TextBox 43"/>
+          <p:cNvSpPr txBox="1"/>
+          <p:nvPr/>
+        </p:nvSpPr>
+        <p:spPr>
+          <a:xfrm>
+            <a:off x="5857902" y="2790463"/>
+            <a:ext cx="1171012" cy="461665"/>
+          </a:xfrm>
+          <a:prstGeom prst="rect">
+            <a:avLst/>
+          </a:prstGeom>
+          <a:noFill/>
+        </p:spPr>
+        <p:txBody>
+          <a:bodyPr wrap="square" rtlCol="0">
+            <a:spAutoFit/>
+          </a:bodyPr>
+          <a:lstStyle/>
+          <a:p>
+            <a:pPr algn="ctr"/>
+            <a:r>
+              <a:rPr lang="en-US" sz="2400" dirty="0"/>
+              <a:t>master</a:t>
+            </a:r>
+          </a:p>
+        </p:txBody>
+      </p:sp>
+      <p:sp>
+        <p:nvSpPr>
+          <p:cNvPr id="45" name="TextBox 44"/>
+          <p:cNvSpPr txBox="1"/>
+          <p:nvPr/>
+        </p:nvSpPr>
+        <p:spPr>
+          <a:xfrm>
+            <a:off x="5418878" y="5038932"/>
+            <a:ext cx="1171012" cy="461665"/>
+          </a:xfrm>
+          <a:prstGeom prst="rect">
+            <a:avLst/>
+          </a:prstGeom>
+          <a:noFill/>
+        </p:spPr>
+        <p:txBody>
+          <a:bodyPr wrap="square" rtlCol="0">
+            <a:spAutoFit/>
+          </a:bodyPr>
+          <a:lstStyle/>
+          <a:p>
+            <a:pPr algn="ctr"/>
+            <a:r>
+              <a:rPr lang="en-US" sz="2400" dirty="0"/>
+              <a:t>master</a:t>
+            </a:r>
+          </a:p>
+        </p:txBody>
+      </p:sp>
+      <p:sp>
+        <p:nvSpPr>
+          <p:cNvPr id="14" name="Oval 13"/>
+          <p:cNvSpPr/>
+          <p:nvPr/>
+        </p:nvSpPr>
+        <p:spPr>
+          <a:xfrm>
+            <a:off x="7060596" y="5620293"/>
+            <a:ext cx="238895" cy="251497"/>
+          </a:xfrm>
+          <a:prstGeom prst="ellipse">
+            <a:avLst/>
+          </a:prstGeom>
+        </p:spPr>
+        <p:style>
+          <a:lnRef idx="2">
+            <a:schemeClr val="accent6">
+              <a:shade val="50000"/>
+            </a:schemeClr>
+          </a:lnRef>
+          <a:fillRef idx="1">
+            <a:schemeClr val="accent6"/>
+          </a:fillRef>
+          <a:effectRef idx="0">
+            <a:schemeClr val="accent6"/>
+          </a:effectRef>
+          <a:fontRef idx="minor">
+            <a:schemeClr val="lt1"/>
+          </a:fontRef>
+        </p:style>
+        <p:txBody>
+          <a:bodyPr rtlCol="0" anchor="ctr"/>
+          <a:lstStyle/>
+          <a:p>
+            <a:pPr algn="ctr"/>
+            <a:endParaRPr lang="en-US" sz="2400"/>
+          </a:p>
+        </p:txBody>
+      </p:sp>
+      <p:cxnSp>
+        <p:nvCxnSpPr>
+          <p:cNvPr id="15" name="Straight Arrow Connector 14"/>
+          <p:cNvCxnSpPr>
+            <a:stCxn id="14" idx="4"/>
+            <a:endCxn id="24" idx="0"/>
+          </p:cNvCxnSpPr>
+          <p:nvPr/>
+        </p:nvCxnSpPr>
+        <p:spPr>
+          <a:xfrm flipH="1">
+            <a:off x="7178354" y="5871790"/>
+            <a:ext cx="1690" cy="262569"/>
+          </a:xfrm>
+          <a:prstGeom prst="straightConnector1">
+            <a:avLst/>
+          </a:prstGeom>
+          <a:ln>
+            <a:tailEnd type="arrow"/>
+          </a:ln>
+        </p:spPr>
+        <p:style>
+          <a:lnRef idx="2">
+            <a:schemeClr val="accent2"/>
+          </a:lnRef>
+          <a:fillRef idx="0">
+            <a:schemeClr val="accent2"/>
+          </a:fillRef>
+          <a:effectRef idx="1">
+            <a:schemeClr val="accent2"/>
+          </a:effectRef>
+          <a:fontRef idx="minor">
+            <a:schemeClr val="tx1"/>
+          </a:fontRef>
+        </p:style>
+      </p:cxnSp>
+      <p:sp>
+        <p:nvSpPr>
+          <p:cNvPr id="23" name="TextBox 22"/>
+          <p:cNvSpPr txBox="1"/>
+          <p:nvPr/>
+        </p:nvSpPr>
+        <p:spPr>
+          <a:xfrm>
+            <a:off x="7292592" y="4012377"/>
+            <a:ext cx="1171012" cy="461665"/>
+          </a:xfrm>
+          <a:prstGeom prst="rect">
+            <a:avLst/>
+          </a:prstGeom>
+          <a:noFill/>
+        </p:spPr>
+        <p:txBody>
+          <a:bodyPr wrap="square" rtlCol="0">
+            <a:spAutoFit/>
+          </a:bodyPr>
+          <a:lstStyle/>
+          <a:p>
+            <a:pPr algn="ctr"/>
+            <a:r>
+              <a:rPr lang="en-US" sz="2400" dirty="0"/>
+              <a:t>feature</a:t>
+            </a:r>
+          </a:p>
+        </p:txBody>
+      </p:sp>
+      <p:sp>
+        <p:nvSpPr>
+          <p:cNvPr id="2" name="Slide Number Placeholder 1"/>
+          <p:cNvSpPr>
+            <a:spLocks noGrp="1"/>
+          </p:cNvSpPr>
+          <p:nvPr>
+            <p:ph type="sldNum" sz="quarter" idx="12"/>
+          </p:nvPr>
+        </p:nvSpPr>
+        <p:spPr/>
+        <p:txBody>
+          <a:bodyPr/>
+          <a:lstStyle/>
+          <a:p>
+            <a:fld id="{359744D5-AA56-484C-8B57-85B289DA1210}" type="slidenum">
+              <a:rPr lang="en-US" smtClean="0"/>
+              <a:t>49</a:t>
             </a:fld>
             <a:endParaRPr lang="en-US"/>
           </a:p>
@@ -38510,7 +40381,7 @@
 </p:sld>
 </file>
 
-<file path=ppt/slides/slide49.xml><?xml version="1.0" encoding="utf-8"?>
+<file path=ppt/slides/slide5.xml><?xml version="1.0" encoding="utf-8"?>
 <p:sld xmlns:a="http://schemas.openxmlformats.org/drawingml/2006/main" xmlns:r="http://schemas.openxmlformats.org/officeDocument/2006/relationships" xmlns:p="http://schemas.openxmlformats.org/presentationml/2006/main">
   <p:cSld>
     <p:spTree>
@@ -38527,6 +40398,378 @@
           <a:chExt cx="0" cy="0"/>
         </a:xfrm>
       </p:grpSpPr>
+      <p:pic>
+        <p:nvPicPr>
+          <p:cNvPr id="8" name="Picture 7">
+            <a:extLst>
+              <a:ext uri="{FF2B5EF4-FFF2-40B4-BE49-F238E27FC236}">
+                <a16:creationId xmlns:a16="http://schemas.microsoft.com/office/drawing/2014/main" id="{CCEAAD3C-F686-384F-9A4E-0B5D57008AF8}"/>
+              </a:ext>
+            </a:extLst>
+          </p:cNvPr>
+          <p:cNvPicPr>
+            <a:picLocks noChangeAspect="1"/>
+          </p:cNvPicPr>
+          <p:nvPr/>
+        </p:nvPicPr>
+        <p:blipFill>
+          <a:blip r:embed="rId3"/>
+          <a:stretch>
+            <a:fillRect/>
+          </a:stretch>
+        </p:blipFill>
+        <p:spPr>
+          <a:xfrm>
+            <a:off x="621278" y="4433304"/>
+            <a:ext cx="2603500" cy="927100"/>
+          </a:xfrm>
+          <a:prstGeom prst="rect">
+            <a:avLst/>
+          </a:prstGeom>
+        </p:spPr>
+      </p:pic>
+      <p:sp>
+        <p:nvSpPr>
+          <p:cNvPr id="2" name="Title 1"/>
+          <p:cNvSpPr>
+            <a:spLocks noGrp="1"/>
+          </p:cNvSpPr>
+          <p:nvPr>
+            <p:ph type="title"/>
+          </p:nvPr>
+        </p:nvSpPr>
+        <p:spPr/>
+        <p:txBody>
+          <a:bodyPr/>
+          <a:lstStyle/>
+          <a:p>
+            <a:r>
+              <a:rPr lang="en-US" dirty="0"/>
+              <a:t>Fork the project</a:t>
+            </a:r>
+          </a:p>
+        </p:txBody>
+      </p:sp>
+      <p:sp>
+        <p:nvSpPr>
+          <p:cNvPr id="4" name="Cloud 3"/>
+          <p:cNvSpPr/>
+          <p:nvPr/>
+        </p:nvSpPr>
+        <p:spPr>
+          <a:xfrm>
+            <a:off x="570904" y="1845565"/>
+            <a:ext cx="7918186" cy="2139077"/>
+          </a:xfrm>
+          <a:prstGeom prst="cloud">
+            <a:avLst/>
+          </a:prstGeom>
+        </p:spPr>
+        <p:style>
+          <a:lnRef idx="1">
+            <a:schemeClr val="accent1"/>
+          </a:lnRef>
+          <a:fillRef idx="2">
+            <a:schemeClr val="accent1"/>
+          </a:fillRef>
+          <a:effectRef idx="1">
+            <a:schemeClr val="accent1"/>
+          </a:effectRef>
+          <a:fontRef idx="minor">
+            <a:schemeClr val="dk1"/>
+          </a:fontRef>
+        </p:style>
+        <p:txBody>
+          <a:bodyPr rtlCol="0" anchor="ctr"/>
+          <a:lstStyle/>
+          <a:p>
+            <a:pPr algn="ctr"/>
+            <a:endParaRPr lang="en-US" sz="6000" dirty="0"/>
+          </a:p>
+        </p:txBody>
+      </p:sp>
+      <p:sp>
+        <p:nvSpPr>
+          <p:cNvPr id="3" name="Can 2"/>
+          <p:cNvSpPr/>
+          <p:nvPr/>
+        </p:nvSpPr>
+        <p:spPr>
+          <a:xfrm>
+            <a:off x="1335321" y="1561462"/>
+            <a:ext cx="1871408" cy="1604308"/>
+          </a:xfrm>
+          <a:prstGeom prst="can">
+            <a:avLst/>
+          </a:prstGeom>
+        </p:spPr>
+        <p:style>
+          <a:lnRef idx="2">
+            <a:schemeClr val="accent1">
+              <a:shade val="50000"/>
+            </a:schemeClr>
+          </a:lnRef>
+          <a:fillRef idx="1">
+            <a:schemeClr val="accent1"/>
+          </a:fillRef>
+          <a:effectRef idx="0">
+            <a:schemeClr val="accent1"/>
+          </a:effectRef>
+          <a:fontRef idx="minor">
+            <a:schemeClr val="lt1"/>
+          </a:fontRef>
+        </p:style>
+        <p:txBody>
+          <a:bodyPr rtlCol="0" anchor="ctr"/>
+          <a:lstStyle/>
+          <a:p>
+            <a:pPr algn="ctr"/>
+            <a:r>
+              <a:rPr lang="en-US" sz="2800" dirty="0"/>
+              <a:t>project</a:t>
+            </a:r>
+          </a:p>
+          <a:p>
+            <a:pPr algn="ctr"/>
+            <a:r>
+              <a:rPr lang="en-US" sz="2800" dirty="0"/>
+              <a:t>(upstream)</a:t>
+            </a:r>
+          </a:p>
+        </p:txBody>
+      </p:sp>
+      <p:sp>
+        <p:nvSpPr>
+          <p:cNvPr id="5" name="Slide Number Placeholder 4"/>
+          <p:cNvSpPr>
+            <a:spLocks noGrp="1"/>
+          </p:cNvSpPr>
+          <p:nvPr>
+            <p:ph type="sldNum" sz="quarter" idx="12"/>
+          </p:nvPr>
+        </p:nvSpPr>
+        <p:spPr/>
+        <p:txBody>
+          <a:bodyPr/>
+          <a:lstStyle/>
+          <a:p>
+            <a:fld id="{359744D5-AA56-484C-8B57-85B289DA1210}" type="slidenum">
+              <a:rPr lang="en-US" smtClean="0"/>
+              <a:t>5</a:t>
+            </a:fld>
+            <a:endParaRPr lang="en-US"/>
+          </a:p>
+        </p:txBody>
+      </p:sp>
+      <p:sp>
+        <p:nvSpPr>
+          <p:cNvPr id="7" name="Can 6">
+            <a:extLst>
+              <a:ext uri="{FF2B5EF4-FFF2-40B4-BE49-F238E27FC236}">
+                <a16:creationId xmlns:a16="http://schemas.microsoft.com/office/drawing/2014/main" id="{124F46D5-6E2C-574A-AB23-5366FF20E1AC}"/>
+              </a:ext>
+            </a:extLst>
+          </p:cNvPr>
+          <p:cNvSpPr/>
+          <p:nvPr/>
+        </p:nvSpPr>
+        <p:spPr>
+          <a:xfrm>
+            <a:off x="5958924" y="1561462"/>
+            <a:ext cx="1871408" cy="1604308"/>
+          </a:xfrm>
+          <a:prstGeom prst="can">
+            <a:avLst/>
+          </a:prstGeom>
+        </p:spPr>
+        <p:style>
+          <a:lnRef idx="2">
+            <a:schemeClr val="accent1">
+              <a:shade val="50000"/>
+            </a:schemeClr>
+          </a:lnRef>
+          <a:fillRef idx="1">
+            <a:schemeClr val="accent1"/>
+          </a:fillRef>
+          <a:effectRef idx="0">
+            <a:schemeClr val="accent1"/>
+          </a:effectRef>
+          <a:fontRef idx="minor">
+            <a:schemeClr val="lt1"/>
+          </a:fontRef>
+        </p:style>
+        <p:txBody>
+          <a:bodyPr rtlCol="0" anchor="ctr"/>
+          <a:lstStyle/>
+          <a:p>
+            <a:pPr algn="ctr"/>
+            <a:r>
+              <a:rPr lang="en-US" sz="2800" dirty="0"/>
+              <a:t>your fork</a:t>
+            </a:r>
+            <a:br>
+              <a:rPr lang="en-US" sz="2800" dirty="0"/>
+            </a:br>
+            <a:r>
+              <a:rPr lang="en-US" sz="2800" dirty="0"/>
+              <a:t>(origin)</a:t>
+            </a:r>
+          </a:p>
+        </p:txBody>
+      </p:sp>
+      <p:cxnSp>
+        <p:nvCxnSpPr>
+          <p:cNvPr id="13" name="Straight Arrow Connector 12">
+            <a:extLst>
+              <a:ext uri="{FF2B5EF4-FFF2-40B4-BE49-F238E27FC236}">
+                <a16:creationId xmlns:a16="http://schemas.microsoft.com/office/drawing/2014/main" id="{678687A2-2C84-2E43-B143-A18ED3FBF6CD}"/>
+              </a:ext>
+            </a:extLst>
+          </p:cNvPr>
+          <p:cNvCxnSpPr>
+            <a:cxnSpLocks/>
+            <a:stCxn id="7" idx="2"/>
+            <a:endCxn id="3" idx="4"/>
+          </p:cNvCxnSpPr>
+          <p:nvPr/>
+        </p:nvCxnSpPr>
+        <p:spPr>
+          <a:xfrm flipH="1">
+            <a:off x="3206729" y="2363616"/>
+            <a:ext cx="2752195" cy="0"/>
+          </a:xfrm>
+          <a:prstGeom prst="straightConnector1">
+            <a:avLst/>
+          </a:prstGeom>
+          <a:ln w="76200">
+            <a:prstDash val="dash"/>
+            <a:tailEnd type="triangle"/>
+          </a:ln>
+        </p:spPr>
+        <p:style>
+          <a:lnRef idx="2">
+            <a:schemeClr val="accent1"/>
+          </a:lnRef>
+          <a:fillRef idx="0">
+            <a:schemeClr val="accent1"/>
+          </a:fillRef>
+          <a:effectRef idx="1">
+            <a:schemeClr val="accent1"/>
+          </a:effectRef>
+          <a:fontRef idx="minor">
+            <a:schemeClr val="tx1"/>
+          </a:fontRef>
+        </p:style>
+      </p:cxnSp>
+      <p:sp>
+        <p:nvSpPr>
+          <p:cNvPr id="21" name="Right Arrow 20">
+            <a:extLst>
+              <a:ext uri="{FF2B5EF4-FFF2-40B4-BE49-F238E27FC236}">
+                <a16:creationId xmlns:a16="http://schemas.microsoft.com/office/drawing/2014/main" id="{1CD601D4-365B-FB4A-A9B8-684ABA3E7835}"/>
+              </a:ext>
+            </a:extLst>
+          </p:cNvPr>
+          <p:cNvSpPr/>
+          <p:nvPr/>
+        </p:nvSpPr>
+        <p:spPr>
+          <a:xfrm>
+            <a:off x="3206729" y="1845565"/>
+            <a:ext cx="2752195" cy="1132412"/>
+          </a:xfrm>
+          <a:prstGeom prst="rightArrow">
+            <a:avLst/>
+          </a:prstGeom>
+        </p:spPr>
+        <p:style>
+          <a:lnRef idx="2">
+            <a:schemeClr val="accent1">
+              <a:shade val="50000"/>
+            </a:schemeClr>
+          </a:lnRef>
+          <a:fillRef idx="1">
+            <a:schemeClr val="accent1"/>
+          </a:fillRef>
+          <a:effectRef idx="0">
+            <a:schemeClr val="accent1"/>
+          </a:effectRef>
+          <a:fontRef idx="minor">
+            <a:schemeClr val="lt1"/>
+          </a:fontRef>
+        </p:style>
+        <p:txBody>
+          <a:bodyPr rtlCol="0" anchor="ctr"/>
+          <a:lstStyle/>
+          <a:p>
+            <a:pPr algn="ctr"/>
+            <a:r>
+              <a:rPr lang="en-US" sz="2800" dirty="0"/>
+              <a:t>Fork</a:t>
+            </a:r>
+          </a:p>
+        </p:txBody>
+      </p:sp>
+      <p:pic>
+        <p:nvPicPr>
+          <p:cNvPr id="11" name="Picture 10">
+            <a:extLst>
+              <a:ext uri="{FF2B5EF4-FFF2-40B4-BE49-F238E27FC236}">
+                <a16:creationId xmlns:a16="http://schemas.microsoft.com/office/drawing/2014/main" id="{F0929324-8630-EC43-B1F8-F2C94D7E93F6}"/>
+              </a:ext>
+            </a:extLst>
+          </p:cNvPr>
+          <p:cNvPicPr>
+            <a:picLocks noChangeAspect="1"/>
+          </p:cNvPicPr>
+          <p:nvPr/>
+        </p:nvPicPr>
+        <p:blipFill>
+          <a:blip r:embed="rId4"/>
+          <a:stretch>
+            <a:fillRect/>
+          </a:stretch>
+        </p:blipFill>
+        <p:spPr>
+          <a:xfrm>
+            <a:off x="1092359" y="5151266"/>
+            <a:ext cx="513343" cy="657800"/>
+          </a:xfrm>
+          <a:prstGeom prst="rect">
+            <a:avLst/>
+          </a:prstGeom>
+        </p:spPr>
+      </p:pic>
+    </p:spTree>
+    <p:extLst>
+      <p:ext uri="{BB962C8B-B14F-4D97-AF65-F5344CB8AC3E}">
+        <p14:creationId xmlns:p14="http://schemas.microsoft.com/office/powerpoint/2010/main" val="518819100"/>
+      </p:ext>
+    </p:extLst>
+  </p:cSld>
+  <p:clrMapOvr>
+    <a:masterClrMapping/>
+  </p:clrMapOvr>
+</p:sld>
+</file>
+
+<file path=ppt/slides/slide50.xml><?xml version="1.0" encoding="utf-8"?>
+<p:sld xmlns:a="http://schemas.openxmlformats.org/drawingml/2006/main" xmlns:r="http://schemas.openxmlformats.org/officeDocument/2006/relationships" xmlns:p="http://schemas.openxmlformats.org/presentationml/2006/main">
+  <p:cSld>
+    <p:spTree>
+      <p:nvGrpSpPr>
+        <p:cNvPr id="1" name=""/>
+        <p:cNvGrpSpPr/>
+        <p:nvPr/>
+      </p:nvGrpSpPr>
+      <p:grpSpPr>
+        <a:xfrm>
+          <a:off x="0" y="0"/>
+          <a:ext cx="0" cy="0"/>
+          <a:chOff x="0" y="0"/>
+          <a:chExt cx="0" cy="0"/>
+        </a:xfrm>
+      </p:grpSpPr>
       <p:sp>
         <p:nvSpPr>
           <p:cNvPr id="10" name="Oval 9"/>
@@ -38853,7 +41096,7 @@
           <a:p>
             <a:fld id="{359744D5-AA56-484C-8B57-85B289DA1210}" type="slidenum">
               <a:rPr lang="en-US" smtClean="0"/>
-              <a:t>49</a:t>
+              <a:t>50</a:t>
             </a:fld>
             <a:endParaRPr lang="en-US"/>
           </a:p>
@@ -39467,7 +41710,7 @@
 </p:sld>
 </file>
 
-<file path=ppt/slides/slide5.xml><?xml version="1.0" encoding="utf-8"?>
+<file path=ppt/slides/slide51.xml><?xml version="1.0" encoding="utf-8"?>
 <p:sld xmlns:a="http://schemas.openxmlformats.org/drawingml/2006/main" xmlns:r="http://schemas.openxmlformats.org/officeDocument/2006/relationships" xmlns:p="http://schemas.openxmlformats.org/presentationml/2006/main">
   <p:cSld>
     <p:spTree>
@@ -39484,378 +41727,6 @@
           <a:chExt cx="0" cy="0"/>
         </a:xfrm>
       </p:grpSpPr>
-      <p:pic>
-        <p:nvPicPr>
-          <p:cNvPr id="8" name="Picture 7">
-            <a:extLst>
-              <a:ext uri="{FF2B5EF4-FFF2-40B4-BE49-F238E27FC236}">
-                <a16:creationId xmlns:a16="http://schemas.microsoft.com/office/drawing/2014/main" id="{CCEAAD3C-F686-384F-9A4E-0B5D57008AF8}"/>
-              </a:ext>
-            </a:extLst>
-          </p:cNvPr>
-          <p:cNvPicPr>
-            <a:picLocks noChangeAspect="1"/>
-          </p:cNvPicPr>
-          <p:nvPr/>
-        </p:nvPicPr>
-        <p:blipFill>
-          <a:blip r:embed="rId3"/>
-          <a:stretch>
-            <a:fillRect/>
-          </a:stretch>
-        </p:blipFill>
-        <p:spPr>
-          <a:xfrm>
-            <a:off x="621278" y="4433304"/>
-            <a:ext cx="2603500" cy="927100"/>
-          </a:xfrm>
-          <a:prstGeom prst="rect">
-            <a:avLst/>
-          </a:prstGeom>
-        </p:spPr>
-      </p:pic>
-      <p:sp>
-        <p:nvSpPr>
-          <p:cNvPr id="2" name="Title 1"/>
-          <p:cNvSpPr>
-            <a:spLocks noGrp="1"/>
-          </p:cNvSpPr>
-          <p:nvPr>
-            <p:ph type="title"/>
-          </p:nvPr>
-        </p:nvSpPr>
-        <p:spPr/>
-        <p:txBody>
-          <a:bodyPr/>
-          <a:lstStyle/>
-          <a:p>
-            <a:r>
-              <a:rPr lang="en-US" dirty="0"/>
-              <a:t>Fork the project</a:t>
-            </a:r>
-          </a:p>
-        </p:txBody>
-      </p:sp>
-      <p:sp>
-        <p:nvSpPr>
-          <p:cNvPr id="4" name="Cloud 3"/>
-          <p:cNvSpPr/>
-          <p:nvPr/>
-        </p:nvSpPr>
-        <p:spPr>
-          <a:xfrm>
-            <a:off x="570904" y="1845565"/>
-            <a:ext cx="7918186" cy="2139077"/>
-          </a:xfrm>
-          <a:prstGeom prst="cloud">
-            <a:avLst/>
-          </a:prstGeom>
-        </p:spPr>
-        <p:style>
-          <a:lnRef idx="1">
-            <a:schemeClr val="accent1"/>
-          </a:lnRef>
-          <a:fillRef idx="2">
-            <a:schemeClr val="accent1"/>
-          </a:fillRef>
-          <a:effectRef idx="1">
-            <a:schemeClr val="accent1"/>
-          </a:effectRef>
-          <a:fontRef idx="minor">
-            <a:schemeClr val="dk1"/>
-          </a:fontRef>
-        </p:style>
-        <p:txBody>
-          <a:bodyPr rtlCol="0" anchor="ctr"/>
-          <a:lstStyle/>
-          <a:p>
-            <a:pPr algn="ctr"/>
-            <a:endParaRPr lang="en-US" sz="6000" dirty="0"/>
-          </a:p>
-        </p:txBody>
-      </p:sp>
-      <p:sp>
-        <p:nvSpPr>
-          <p:cNvPr id="3" name="Can 2"/>
-          <p:cNvSpPr/>
-          <p:nvPr/>
-        </p:nvSpPr>
-        <p:spPr>
-          <a:xfrm>
-            <a:off x="1335321" y="1561462"/>
-            <a:ext cx="1871408" cy="1604308"/>
-          </a:xfrm>
-          <a:prstGeom prst="can">
-            <a:avLst/>
-          </a:prstGeom>
-        </p:spPr>
-        <p:style>
-          <a:lnRef idx="2">
-            <a:schemeClr val="accent1">
-              <a:shade val="50000"/>
-            </a:schemeClr>
-          </a:lnRef>
-          <a:fillRef idx="1">
-            <a:schemeClr val="accent1"/>
-          </a:fillRef>
-          <a:effectRef idx="0">
-            <a:schemeClr val="accent1"/>
-          </a:effectRef>
-          <a:fontRef idx="minor">
-            <a:schemeClr val="lt1"/>
-          </a:fontRef>
-        </p:style>
-        <p:txBody>
-          <a:bodyPr rtlCol="0" anchor="ctr"/>
-          <a:lstStyle/>
-          <a:p>
-            <a:pPr algn="ctr"/>
-            <a:r>
-              <a:rPr lang="en-US" sz="2800" dirty="0"/>
-              <a:t>project</a:t>
-            </a:r>
-          </a:p>
-          <a:p>
-            <a:pPr algn="ctr"/>
-            <a:r>
-              <a:rPr lang="en-US" sz="2800" dirty="0"/>
-              <a:t>(upstream)</a:t>
-            </a:r>
-          </a:p>
-        </p:txBody>
-      </p:sp>
-      <p:sp>
-        <p:nvSpPr>
-          <p:cNvPr id="5" name="Slide Number Placeholder 4"/>
-          <p:cNvSpPr>
-            <a:spLocks noGrp="1"/>
-          </p:cNvSpPr>
-          <p:nvPr>
-            <p:ph type="sldNum" sz="quarter" idx="12"/>
-          </p:nvPr>
-        </p:nvSpPr>
-        <p:spPr/>
-        <p:txBody>
-          <a:bodyPr/>
-          <a:lstStyle/>
-          <a:p>
-            <a:fld id="{359744D5-AA56-484C-8B57-85B289DA1210}" type="slidenum">
-              <a:rPr lang="en-US" smtClean="0"/>
-              <a:t>5</a:t>
-            </a:fld>
-            <a:endParaRPr lang="en-US"/>
-          </a:p>
-        </p:txBody>
-      </p:sp>
-      <p:sp>
-        <p:nvSpPr>
-          <p:cNvPr id="7" name="Can 6">
-            <a:extLst>
-              <a:ext uri="{FF2B5EF4-FFF2-40B4-BE49-F238E27FC236}">
-                <a16:creationId xmlns:a16="http://schemas.microsoft.com/office/drawing/2014/main" id="{124F46D5-6E2C-574A-AB23-5366FF20E1AC}"/>
-              </a:ext>
-            </a:extLst>
-          </p:cNvPr>
-          <p:cNvSpPr/>
-          <p:nvPr/>
-        </p:nvSpPr>
-        <p:spPr>
-          <a:xfrm>
-            <a:off x="5958924" y="1561462"/>
-            <a:ext cx="1871408" cy="1604308"/>
-          </a:xfrm>
-          <a:prstGeom prst="can">
-            <a:avLst/>
-          </a:prstGeom>
-        </p:spPr>
-        <p:style>
-          <a:lnRef idx="2">
-            <a:schemeClr val="accent1">
-              <a:shade val="50000"/>
-            </a:schemeClr>
-          </a:lnRef>
-          <a:fillRef idx="1">
-            <a:schemeClr val="accent1"/>
-          </a:fillRef>
-          <a:effectRef idx="0">
-            <a:schemeClr val="accent1"/>
-          </a:effectRef>
-          <a:fontRef idx="minor">
-            <a:schemeClr val="lt1"/>
-          </a:fontRef>
-        </p:style>
-        <p:txBody>
-          <a:bodyPr rtlCol="0" anchor="ctr"/>
-          <a:lstStyle/>
-          <a:p>
-            <a:pPr algn="ctr"/>
-            <a:r>
-              <a:rPr lang="en-US" sz="2800" dirty="0"/>
-              <a:t>your fork</a:t>
-            </a:r>
-            <a:br>
-              <a:rPr lang="en-US" sz="2800" dirty="0"/>
-            </a:br>
-            <a:r>
-              <a:rPr lang="en-US" sz="2800" dirty="0"/>
-              <a:t>(origin)</a:t>
-            </a:r>
-          </a:p>
-        </p:txBody>
-      </p:sp>
-      <p:cxnSp>
-        <p:nvCxnSpPr>
-          <p:cNvPr id="13" name="Straight Arrow Connector 12">
-            <a:extLst>
-              <a:ext uri="{FF2B5EF4-FFF2-40B4-BE49-F238E27FC236}">
-                <a16:creationId xmlns:a16="http://schemas.microsoft.com/office/drawing/2014/main" id="{678687A2-2C84-2E43-B143-A18ED3FBF6CD}"/>
-              </a:ext>
-            </a:extLst>
-          </p:cNvPr>
-          <p:cNvCxnSpPr>
-            <a:cxnSpLocks/>
-            <a:stCxn id="7" idx="2"/>
-            <a:endCxn id="3" idx="4"/>
-          </p:cNvCxnSpPr>
-          <p:nvPr/>
-        </p:nvCxnSpPr>
-        <p:spPr>
-          <a:xfrm flipH="1">
-            <a:off x="3206729" y="2363616"/>
-            <a:ext cx="2752195" cy="0"/>
-          </a:xfrm>
-          <a:prstGeom prst="straightConnector1">
-            <a:avLst/>
-          </a:prstGeom>
-          <a:ln w="76200">
-            <a:prstDash val="dash"/>
-            <a:tailEnd type="triangle"/>
-          </a:ln>
-        </p:spPr>
-        <p:style>
-          <a:lnRef idx="2">
-            <a:schemeClr val="accent1"/>
-          </a:lnRef>
-          <a:fillRef idx="0">
-            <a:schemeClr val="accent1"/>
-          </a:fillRef>
-          <a:effectRef idx="1">
-            <a:schemeClr val="accent1"/>
-          </a:effectRef>
-          <a:fontRef idx="minor">
-            <a:schemeClr val="tx1"/>
-          </a:fontRef>
-        </p:style>
-      </p:cxnSp>
-      <p:sp>
-        <p:nvSpPr>
-          <p:cNvPr id="21" name="Right Arrow 20">
-            <a:extLst>
-              <a:ext uri="{FF2B5EF4-FFF2-40B4-BE49-F238E27FC236}">
-                <a16:creationId xmlns:a16="http://schemas.microsoft.com/office/drawing/2014/main" id="{1CD601D4-365B-FB4A-A9B8-684ABA3E7835}"/>
-              </a:ext>
-            </a:extLst>
-          </p:cNvPr>
-          <p:cNvSpPr/>
-          <p:nvPr/>
-        </p:nvSpPr>
-        <p:spPr>
-          <a:xfrm>
-            <a:off x="3206729" y="1845565"/>
-            <a:ext cx="2752195" cy="1132412"/>
-          </a:xfrm>
-          <a:prstGeom prst="rightArrow">
-            <a:avLst/>
-          </a:prstGeom>
-        </p:spPr>
-        <p:style>
-          <a:lnRef idx="2">
-            <a:schemeClr val="accent1">
-              <a:shade val="50000"/>
-            </a:schemeClr>
-          </a:lnRef>
-          <a:fillRef idx="1">
-            <a:schemeClr val="accent1"/>
-          </a:fillRef>
-          <a:effectRef idx="0">
-            <a:schemeClr val="accent1"/>
-          </a:effectRef>
-          <a:fontRef idx="minor">
-            <a:schemeClr val="lt1"/>
-          </a:fontRef>
-        </p:style>
-        <p:txBody>
-          <a:bodyPr rtlCol="0" anchor="ctr"/>
-          <a:lstStyle/>
-          <a:p>
-            <a:pPr algn="ctr"/>
-            <a:r>
-              <a:rPr lang="en-US" sz="2800" dirty="0"/>
-              <a:t>Fork</a:t>
-            </a:r>
-          </a:p>
-        </p:txBody>
-      </p:sp>
-      <p:pic>
-        <p:nvPicPr>
-          <p:cNvPr id="11" name="Picture 10">
-            <a:extLst>
-              <a:ext uri="{FF2B5EF4-FFF2-40B4-BE49-F238E27FC236}">
-                <a16:creationId xmlns:a16="http://schemas.microsoft.com/office/drawing/2014/main" id="{F0929324-8630-EC43-B1F8-F2C94D7E93F6}"/>
-              </a:ext>
-            </a:extLst>
-          </p:cNvPr>
-          <p:cNvPicPr>
-            <a:picLocks noChangeAspect="1"/>
-          </p:cNvPicPr>
-          <p:nvPr/>
-        </p:nvPicPr>
-        <p:blipFill>
-          <a:blip r:embed="rId4"/>
-          <a:stretch>
-            <a:fillRect/>
-          </a:stretch>
-        </p:blipFill>
-        <p:spPr>
-          <a:xfrm>
-            <a:off x="1092359" y="5151266"/>
-            <a:ext cx="513343" cy="657800"/>
-          </a:xfrm>
-          <a:prstGeom prst="rect">
-            <a:avLst/>
-          </a:prstGeom>
-        </p:spPr>
-      </p:pic>
-    </p:spTree>
-    <p:extLst>
-      <p:ext uri="{BB962C8B-B14F-4D97-AF65-F5344CB8AC3E}">
-        <p14:creationId xmlns:p14="http://schemas.microsoft.com/office/powerpoint/2010/main" val="518819100"/>
-      </p:ext>
-    </p:extLst>
-  </p:cSld>
-  <p:clrMapOvr>
-    <a:masterClrMapping/>
-  </p:clrMapOvr>
-</p:sld>
-</file>
-
-<file path=ppt/slides/slide50.xml><?xml version="1.0" encoding="utf-8"?>
-<p:sld xmlns:a="http://schemas.openxmlformats.org/drawingml/2006/main" xmlns:r="http://schemas.openxmlformats.org/officeDocument/2006/relationships" xmlns:p="http://schemas.openxmlformats.org/presentationml/2006/main">
-  <p:cSld>
-    <p:spTree>
-      <p:nvGrpSpPr>
-        <p:cNvPr id="1" name=""/>
-        <p:cNvGrpSpPr/>
-        <p:nvPr/>
-      </p:nvGrpSpPr>
-      <p:grpSpPr>
-        <a:xfrm>
-          <a:off x="0" y="0"/>
-          <a:ext cx="0" cy="0"/>
-          <a:chOff x="0" y="0"/>
-          <a:chExt cx="0" cy="0"/>
-        </a:xfrm>
-      </p:grpSpPr>
       <p:sp>
         <p:nvSpPr>
           <p:cNvPr id="10" name="Oval 9"/>
@@ -40182,7 +42053,7 @@
           <a:p>
             <a:fld id="{359744D5-AA56-484C-8B57-85B289DA1210}" type="slidenum">
               <a:rPr lang="en-US" smtClean="0"/>
-              <a:t>50</a:t>
+              <a:t>51</a:t>
             </a:fld>
             <a:endParaRPr lang="en-US"/>
           </a:p>
@@ -40871,917 +42742,6 @@
 </p:sld>
 </file>
 
-<file path=ppt/slides/slide51.xml><?xml version="1.0" encoding="utf-8"?>
-<p:sld xmlns:a="http://schemas.openxmlformats.org/drawingml/2006/main" xmlns:r="http://schemas.openxmlformats.org/officeDocument/2006/relationships" xmlns:p="http://schemas.openxmlformats.org/presentationml/2006/main">
-  <p:cSld>
-    <p:spTree>
-      <p:nvGrpSpPr>
-        <p:cNvPr id="1" name=""/>
-        <p:cNvGrpSpPr/>
-        <p:nvPr/>
-      </p:nvGrpSpPr>
-      <p:grpSpPr>
-        <a:xfrm>
-          <a:off x="0" y="0"/>
-          <a:ext cx="0" cy="0"/>
-          <a:chOff x="0" y="0"/>
-          <a:chExt cx="0" cy="0"/>
-        </a:xfrm>
-      </p:grpSpPr>
-      <p:sp>
-        <p:nvSpPr>
-          <p:cNvPr id="10" name="Oval 9"/>
-          <p:cNvSpPr/>
-          <p:nvPr/>
-        </p:nvSpPr>
-        <p:spPr>
-          <a:xfrm>
-            <a:off x="7053697" y="3191389"/>
-            <a:ext cx="238895" cy="251497"/>
-          </a:xfrm>
-          <a:prstGeom prst="ellipse">
-            <a:avLst/>
-          </a:prstGeom>
-        </p:spPr>
-        <p:style>
-          <a:lnRef idx="1">
-            <a:schemeClr val="accent1"/>
-          </a:lnRef>
-          <a:fillRef idx="3">
-            <a:schemeClr val="accent1"/>
-          </a:fillRef>
-          <a:effectRef idx="2">
-            <a:schemeClr val="accent1"/>
-          </a:effectRef>
-          <a:fontRef idx="minor">
-            <a:schemeClr val="lt1"/>
-          </a:fontRef>
-        </p:style>
-        <p:txBody>
-          <a:bodyPr rtlCol="0" anchor="ctr"/>
-          <a:lstStyle/>
-          <a:p>
-            <a:pPr algn="ctr"/>
-            <a:endParaRPr lang="en-US" sz="2400"/>
-          </a:p>
-        </p:txBody>
-      </p:sp>
-      <p:cxnSp>
-        <p:nvCxnSpPr>
-          <p:cNvPr id="12" name="Straight Arrow Connector 11"/>
-          <p:cNvCxnSpPr>
-            <a:stCxn id="10" idx="4"/>
-          </p:cNvCxnSpPr>
-          <p:nvPr/>
-        </p:nvCxnSpPr>
-        <p:spPr>
-          <a:xfrm>
-            <a:off x="7173145" y="3442886"/>
-            <a:ext cx="0" cy="224845"/>
-          </a:xfrm>
-          <a:prstGeom prst="straightConnector1">
-            <a:avLst/>
-          </a:prstGeom>
-          <a:ln>
-            <a:tailEnd type="arrow"/>
-          </a:ln>
-        </p:spPr>
-        <p:style>
-          <a:lnRef idx="2">
-            <a:schemeClr val="accent1"/>
-          </a:lnRef>
-          <a:fillRef idx="0">
-            <a:schemeClr val="accent1"/>
-          </a:fillRef>
-          <a:effectRef idx="1">
-            <a:schemeClr val="accent1"/>
-          </a:effectRef>
-          <a:fontRef idx="minor">
-            <a:schemeClr val="tx1"/>
-          </a:fontRef>
-        </p:style>
-      </p:cxnSp>
-      <p:sp>
-        <p:nvSpPr>
-          <p:cNvPr id="16" name="TextBox 15"/>
-          <p:cNvSpPr txBox="1"/>
-          <p:nvPr/>
-        </p:nvSpPr>
-        <p:spPr>
-          <a:xfrm>
-            <a:off x="1419788" y="2159343"/>
-            <a:ext cx="1171012" cy="461665"/>
-          </a:xfrm>
-          <a:prstGeom prst="rect">
-            <a:avLst/>
-          </a:prstGeom>
-          <a:noFill/>
-        </p:spPr>
-        <p:txBody>
-          <a:bodyPr wrap="square" rtlCol="0">
-            <a:spAutoFit/>
-          </a:bodyPr>
-          <a:lstStyle/>
-          <a:p>
-            <a:pPr algn="ctr"/>
-            <a:r>
-              <a:rPr lang="en-US" sz="2400" dirty="0"/>
-              <a:t>master</a:t>
-            </a:r>
-          </a:p>
-        </p:txBody>
-      </p:sp>
-      <p:sp>
-        <p:nvSpPr>
-          <p:cNvPr id="17" name="Oval 16"/>
-          <p:cNvSpPr/>
-          <p:nvPr/>
-        </p:nvSpPr>
-        <p:spPr>
-          <a:xfrm>
-            <a:off x="2528941" y="3191389"/>
-            <a:ext cx="238895" cy="251497"/>
-          </a:xfrm>
-          <a:prstGeom prst="ellipse">
-            <a:avLst/>
-          </a:prstGeom>
-        </p:spPr>
-        <p:style>
-          <a:lnRef idx="1">
-            <a:schemeClr val="accent1"/>
-          </a:lnRef>
-          <a:fillRef idx="3">
-            <a:schemeClr val="accent1"/>
-          </a:fillRef>
-          <a:effectRef idx="2">
-            <a:schemeClr val="accent1"/>
-          </a:effectRef>
-          <a:fontRef idx="minor">
-            <a:schemeClr val="lt1"/>
-          </a:fontRef>
-        </p:style>
-        <p:txBody>
-          <a:bodyPr rtlCol="0" anchor="ctr"/>
-          <a:lstStyle/>
-          <a:p>
-            <a:pPr algn="ctr"/>
-            <a:endParaRPr lang="en-US" sz="2400"/>
-          </a:p>
-        </p:txBody>
-      </p:sp>
-      <p:cxnSp>
-        <p:nvCxnSpPr>
-          <p:cNvPr id="18" name="Straight Arrow Connector 17"/>
-          <p:cNvCxnSpPr>
-            <a:stCxn id="17" idx="4"/>
-          </p:cNvCxnSpPr>
-          <p:nvPr/>
-        </p:nvCxnSpPr>
-        <p:spPr>
-          <a:xfrm>
-            <a:off x="2648389" y="3442886"/>
-            <a:ext cx="0" cy="224845"/>
-          </a:xfrm>
-          <a:prstGeom prst="straightConnector1">
-            <a:avLst/>
-          </a:prstGeom>
-          <a:ln>
-            <a:tailEnd type="arrow"/>
-          </a:ln>
-        </p:spPr>
-        <p:style>
-          <a:lnRef idx="2">
-            <a:schemeClr val="accent1"/>
-          </a:lnRef>
-          <a:fillRef idx="0">
-            <a:schemeClr val="accent1"/>
-          </a:fillRef>
-          <a:effectRef idx="1">
-            <a:schemeClr val="accent1"/>
-          </a:effectRef>
-          <a:fontRef idx="minor">
-            <a:schemeClr val="tx1"/>
-          </a:fontRef>
-        </p:style>
-      </p:cxnSp>
-      <p:sp>
-        <p:nvSpPr>
-          <p:cNvPr id="24" name="Oval 23"/>
-          <p:cNvSpPr/>
-          <p:nvPr/>
-        </p:nvSpPr>
-        <p:spPr>
-          <a:xfrm>
-            <a:off x="7058906" y="6134359"/>
-            <a:ext cx="238895" cy="251497"/>
-          </a:xfrm>
-          <a:prstGeom prst="ellipse">
-            <a:avLst/>
-          </a:prstGeom>
-        </p:spPr>
-        <p:style>
-          <a:lnRef idx="1">
-            <a:schemeClr val="accent1"/>
-          </a:lnRef>
-          <a:fillRef idx="3">
-            <a:schemeClr val="accent1"/>
-          </a:fillRef>
-          <a:effectRef idx="2">
-            <a:schemeClr val="accent1"/>
-          </a:effectRef>
-          <a:fontRef idx="minor">
-            <a:schemeClr val="lt1"/>
-          </a:fontRef>
-        </p:style>
-        <p:txBody>
-          <a:bodyPr rtlCol="0" anchor="ctr"/>
-          <a:lstStyle/>
-          <a:p>
-            <a:pPr algn="ctr"/>
-            <a:endParaRPr lang="en-US" sz="2400"/>
-          </a:p>
-        </p:txBody>
-      </p:sp>
-      <p:cxnSp>
-        <p:nvCxnSpPr>
-          <p:cNvPr id="25" name="Straight Arrow Connector 24"/>
-          <p:cNvCxnSpPr>
-            <a:stCxn id="24" idx="4"/>
-          </p:cNvCxnSpPr>
-          <p:nvPr/>
-        </p:nvCxnSpPr>
-        <p:spPr>
-          <a:xfrm>
-            <a:off x="7178354" y="6385856"/>
-            <a:ext cx="0" cy="224845"/>
-          </a:xfrm>
-          <a:prstGeom prst="straightConnector1">
-            <a:avLst/>
-          </a:prstGeom>
-          <a:ln>
-            <a:tailEnd type="arrow"/>
-          </a:ln>
-        </p:spPr>
-        <p:style>
-          <a:lnRef idx="2">
-            <a:schemeClr val="accent1"/>
-          </a:lnRef>
-          <a:fillRef idx="0">
-            <a:schemeClr val="accent1"/>
-          </a:fillRef>
-          <a:effectRef idx="1">
-            <a:schemeClr val="accent1"/>
-          </a:effectRef>
-          <a:fontRef idx="minor">
-            <a:schemeClr val="tx1"/>
-          </a:fontRef>
-        </p:style>
-      </p:cxnSp>
-      <p:sp>
-        <p:nvSpPr>
-          <p:cNvPr id="44" name="TextBox 43"/>
-          <p:cNvSpPr txBox="1"/>
-          <p:nvPr/>
-        </p:nvSpPr>
-        <p:spPr>
-          <a:xfrm>
-            <a:off x="5916306" y="2027058"/>
-            <a:ext cx="1171012" cy="461665"/>
-          </a:xfrm>
-          <a:prstGeom prst="rect">
-            <a:avLst/>
-          </a:prstGeom>
-          <a:noFill/>
-        </p:spPr>
-        <p:txBody>
-          <a:bodyPr wrap="square" rtlCol="0">
-            <a:spAutoFit/>
-          </a:bodyPr>
-          <a:lstStyle/>
-          <a:p>
-            <a:pPr algn="ctr"/>
-            <a:r>
-              <a:rPr lang="en-US" sz="2400" dirty="0"/>
-              <a:t>master</a:t>
-            </a:r>
-          </a:p>
-        </p:txBody>
-      </p:sp>
-      <p:sp>
-        <p:nvSpPr>
-          <p:cNvPr id="45" name="TextBox 44"/>
-          <p:cNvSpPr txBox="1"/>
-          <p:nvPr/>
-        </p:nvSpPr>
-        <p:spPr>
-          <a:xfrm>
-            <a:off x="5916306" y="5043009"/>
-            <a:ext cx="1171012" cy="461665"/>
-          </a:xfrm>
-          <a:prstGeom prst="rect">
-            <a:avLst/>
-          </a:prstGeom>
-          <a:noFill/>
-        </p:spPr>
-        <p:txBody>
-          <a:bodyPr wrap="square" rtlCol="0">
-            <a:spAutoFit/>
-          </a:bodyPr>
-          <a:lstStyle/>
-          <a:p>
-            <a:pPr algn="ctr"/>
-            <a:r>
-              <a:rPr lang="en-US" sz="2400" dirty="0"/>
-              <a:t>master</a:t>
-            </a:r>
-          </a:p>
-        </p:txBody>
-      </p:sp>
-      <p:sp>
-        <p:nvSpPr>
-          <p:cNvPr id="2" name="Slide Number Placeholder 1"/>
-          <p:cNvSpPr>
-            <a:spLocks noGrp="1"/>
-          </p:cNvSpPr>
-          <p:nvPr>
-            <p:ph type="sldNum" sz="quarter" idx="12"/>
-          </p:nvPr>
-        </p:nvSpPr>
-        <p:spPr/>
-        <p:txBody>
-          <a:bodyPr/>
-          <a:lstStyle/>
-          <a:p>
-            <a:fld id="{359744D5-AA56-484C-8B57-85B289DA1210}" type="slidenum">
-              <a:rPr lang="en-US" smtClean="0"/>
-              <a:t>51</a:t>
-            </a:fld>
-            <a:endParaRPr lang="en-US"/>
-          </a:p>
-        </p:txBody>
-      </p:sp>
-      <p:sp>
-        <p:nvSpPr>
-          <p:cNvPr id="30" name="Oval 29">
-            <a:extLst>
-              <a:ext uri="{FF2B5EF4-FFF2-40B4-BE49-F238E27FC236}">
-                <a16:creationId xmlns:a16="http://schemas.microsoft.com/office/drawing/2014/main" id="{7116067D-1426-CC40-B0E4-4F59C846EB13}"/>
-              </a:ext>
-            </a:extLst>
-          </p:cNvPr>
-          <p:cNvSpPr/>
-          <p:nvPr/>
-        </p:nvSpPr>
-        <p:spPr>
-          <a:xfrm>
-            <a:off x="2538378" y="2726339"/>
-            <a:ext cx="238895" cy="251497"/>
-          </a:xfrm>
-          <a:prstGeom prst="ellipse">
-            <a:avLst/>
-          </a:prstGeom>
-        </p:spPr>
-        <p:style>
-          <a:lnRef idx="2">
-            <a:schemeClr val="dk1"/>
-          </a:lnRef>
-          <a:fillRef idx="1">
-            <a:schemeClr val="lt1"/>
-          </a:fillRef>
-          <a:effectRef idx="0">
-            <a:schemeClr val="dk1"/>
-          </a:effectRef>
-          <a:fontRef idx="minor">
-            <a:schemeClr val="dk1"/>
-          </a:fontRef>
-        </p:style>
-        <p:txBody>
-          <a:bodyPr rtlCol="0" anchor="ctr"/>
-          <a:lstStyle/>
-          <a:p>
-            <a:pPr algn="ctr"/>
-            <a:endParaRPr lang="en-US" sz="2400"/>
-          </a:p>
-        </p:txBody>
-      </p:sp>
-      <p:cxnSp>
-        <p:nvCxnSpPr>
-          <p:cNvPr id="36" name="Straight Arrow Connector 35">
-            <a:extLst>
-              <a:ext uri="{FF2B5EF4-FFF2-40B4-BE49-F238E27FC236}">
-                <a16:creationId xmlns:a16="http://schemas.microsoft.com/office/drawing/2014/main" id="{AAA06A7D-B9F9-4F4B-93AA-A1389E9C452D}"/>
-              </a:ext>
-            </a:extLst>
-          </p:cNvPr>
-          <p:cNvCxnSpPr>
-            <a:stCxn id="30" idx="4"/>
-          </p:cNvCxnSpPr>
-          <p:nvPr/>
-        </p:nvCxnSpPr>
-        <p:spPr>
-          <a:xfrm>
-            <a:off x="2657826" y="2977836"/>
-            <a:ext cx="0" cy="236067"/>
-          </a:xfrm>
-          <a:prstGeom prst="straightConnector1">
-            <a:avLst/>
-          </a:prstGeom>
-          <a:ln>
-            <a:tailEnd type="arrow"/>
-          </a:ln>
-        </p:spPr>
-        <p:style>
-          <a:lnRef idx="2">
-            <a:schemeClr val="dk1"/>
-          </a:lnRef>
-          <a:fillRef idx="1">
-            <a:schemeClr val="lt1"/>
-          </a:fillRef>
-          <a:effectRef idx="0">
-            <a:schemeClr val="dk1"/>
-          </a:effectRef>
-          <a:fontRef idx="minor">
-            <a:schemeClr val="dk1"/>
-          </a:fontRef>
-        </p:style>
-      </p:cxnSp>
-      <p:sp>
-        <p:nvSpPr>
-          <p:cNvPr id="39" name="Oval 38">
-            <a:extLst>
-              <a:ext uri="{FF2B5EF4-FFF2-40B4-BE49-F238E27FC236}">
-                <a16:creationId xmlns:a16="http://schemas.microsoft.com/office/drawing/2014/main" id="{510FEC89-D079-D246-88A2-1662327F66D6}"/>
-              </a:ext>
-            </a:extLst>
-          </p:cNvPr>
-          <p:cNvSpPr/>
-          <p:nvPr/>
-        </p:nvSpPr>
-        <p:spPr>
-          <a:xfrm>
-            <a:off x="7053697" y="5658017"/>
-            <a:ext cx="238895" cy="251497"/>
-          </a:xfrm>
-          <a:prstGeom prst="ellipse">
-            <a:avLst/>
-          </a:prstGeom>
-        </p:spPr>
-        <p:style>
-          <a:lnRef idx="2">
-            <a:schemeClr val="dk1"/>
-          </a:lnRef>
-          <a:fillRef idx="1">
-            <a:schemeClr val="lt1"/>
-          </a:fillRef>
-          <a:effectRef idx="0">
-            <a:schemeClr val="dk1"/>
-          </a:effectRef>
-          <a:fontRef idx="minor">
-            <a:schemeClr val="dk1"/>
-          </a:fontRef>
-        </p:style>
-        <p:txBody>
-          <a:bodyPr rtlCol="0" anchor="ctr"/>
-          <a:lstStyle/>
-          <a:p>
-            <a:pPr algn="ctr"/>
-            <a:endParaRPr lang="en-US" sz="2400"/>
-          </a:p>
-        </p:txBody>
-      </p:sp>
-      <p:cxnSp>
-        <p:nvCxnSpPr>
-          <p:cNvPr id="40" name="Straight Arrow Connector 39">
-            <a:extLst>
-              <a:ext uri="{FF2B5EF4-FFF2-40B4-BE49-F238E27FC236}">
-                <a16:creationId xmlns:a16="http://schemas.microsoft.com/office/drawing/2014/main" id="{822450E1-FADD-5148-B3DF-53B10DB05A88}"/>
-              </a:ext>
-            </a:extLst>
-          </p:cNvPr>
-          <p:cNvCxnSpPr>
-            <a:cxnSpLocks/>
-            <a:stCxn id="39" idx="4"/>
-            <a:endCxn id="24" idx="0"/>
-          </p:cNvCxnSpPr>
-          <p:nvPr/>
-        </p:nvCxnSpPr>
-        <p:spPr>
-          <a:xfrm>
-            <a:off x="7173145" y="5909514"/>
-            <a:ext cx="5209" cy="224845"/>
-          </a:xfrm>
-          <a:prstGeom prst="straightConnector1">
-            <a:avLst/>
-          </a:prstGeom>
-          <a:ln>
-            <a:tailEnd type="arrow"/>
-          </a:ln>
-        </p:spPr>
-        <p:style>
-          <a:lnRef idx="2">
-            <a:schemeClr val="dk1"/>
-          </a:lnRef>
-          <a:fillRef idx="1">
-            <a:schemeClr val="lt1"/>
-          </a:fillRef>
-          <a:effectRef idx="0">
-            <a:schemeClr val="dk1"/>
-          </a:effectRef>
-          <a:fontRef idx="minor">
-            <a:schemeClr val="dk1"/>
-          </a:fontRef>
-        </p:style>
-      </p:cxnSp>
-      <p:sp>
-        <p:nvSpPr>
-          <p:cNvPr id="49" name="Oval 48">
-            <a:extLst>
-              <a:ext uri="{FF2B5EF4-FFF2-40B4-BE49-F238E27FC236}">
-                <a16:creationId xmlns:a16="http://schemas.microsoft.com/office/drawing/2014/main" id="{3CBD77C4-912E-DF47-8433-69AF41D4FB3A}"/>
-              </a:ext>
-            </a:extLst>
-          </p:cNvPr>
-          <p:cNvSpPr/>
-          <p:nvPr/>
-        </p:nvSpPr>
-        <p:spPr>
-          <a:xfrm>
-            <a:off x="7053697" y="2652757"/>
-            <a:ext cx="238895" cy="251497"/>
-          </a:xfrm>
-          <a:prstGeom prst="ellipse">
-            <a:avLst/>
-          </a:prstGeom>
-        </p:spPr>
-        <p:style>
-          <a:lnRef idx="2">
-            <a:schemeClr val="dk1"/>
-          </a:lnRef>
-          <a:fillRef idx="1">
-            <a:schemeClr val="lt1"/>
-          </a:fillRef>
-          <a:effectRef idx="0">
-            <a:schemeClr val="dk1"/>
-          </a:effectRef>
-          <a:fontRef idx="minor">
-            <a:schemeClr val="dk1"/>
-          </a:fontRef>
-        </p:style>
-        <p:txBody>
-          <a:bodyPr rtlCol="0" anchor="ctr"/>
-          <a:lstStyle/>
-          <a:p>
-            <a:pPr algn="ctr"/>
-            <a:endParaRPr lang="en-US" sz="2400"/>
-          </a:p>
-        </p:txBody>
-      </p:sp>
-      <p:cxnSp>
-        <p:nvCxnSpPr>
-          <p:cNvPr id="50" name="Straight Arrow Connector 49">
-            <a:extLst>
-              <a:ext uri="{FF2B5EF4-FFF2-40B4-BE49-F238E27FC236}">
-                <a16:creationId xmlns:a16="http://schemas.microsoft.com/office/drawing/2014/main" id="{A25C3796-AC74-E34B-845E-FF05C7B55D18}"/>
-              </a:ext>
-            </a:extLst>
-          </p:cNvPr>
-          <p:cNvCxnSpPr>
-            <a:cxnSpLocks/>
-            <a:stCxn id="49" idx="4"/>
-            <a:endCxn id="10" idx="0"/>
-          </p:cNvCxnSpPr>
-          <p:nvPr/>
-        </p:nvCxnSpPr>
-        <p:spPr>
-          <a:xfrm>
-            <a:off x="7173145" y="2904254"/>
-            <a:ext cx="0" cy="287135"/>
-          </a:xfrm>
-          <a:prstGeom prst="straightConnector1">
-            <a:avLst/>
-          </a:prstGeom>
-          <a:ln>
-            <a:tailEnd type="arrow"/>
-          </a:ln>
-        </p:spPr>
-        <p:style>
-          <a:lnRef idx="2">
-            <a:schemeClr val="dk1"/>
-          </a:lnRef>
-          <a:fillRef idx="1">
-            <a:schemeClr val="lt1"/>
-          </a:fillRef>
-          <a:effectRef idx="0">
-            <a:schemeClr val="dk1"/>
-          </a:effectRef>
-          <a:fontRef idx="minor">
-            <a:schemeClr val="dk1"/>
-          </a:fontRef>
-        </p:style>
-      </p:cxnSp>
-      <p:sp>
-        <p:nvSpPr>
-          <p:cNvPr id="46" name="Oval 45">
-            <a:extLst>
-              <a:ext uri="{FF2B5EF4-FFF2-40B4-BE49-F238E27FC236}">
-                <a16:creationId xmlns:a16="http://schemas.microsoft.com/office/drawing/2014/main" id="{BADAF235-8525-F04C-B5B3-1C046DFD7E70}"/>
-              </a:ext>
-            </a:extLst>
-          </p:cNvPr>
-          <p:cNvSpPr/>
-          <p:nvPr/>
-        </p:nvSpPr>
-        <p:spPr>
-          <a:xfrm>
-            <a:off x="2528941" y="2246503"/>
-            <a:ext cx="238895" cy="251497"/>
-          </a:xfrm>
-          <a:prstGeom prst="ellipse">
-            <a:avLst/>
-          </a:prstGeom>
-        </p:spPr>
-        <p:style>
-          <a:lnRef idx="2">
-            <a:schemeClr val="accent6">
-              <a:shade val="50000"/>
-            </a:schemeClr>
-          </a:lnRef>
-          <a:fillRef idx="1">
-            <a:schemeClr val="accent6"/>
-          </a:fillRef>
-          <a:effectRef idx="0">
-            <a:schemeClr val="accent6"/>
-          </a:effectRef>
-          <a:fontRef idx="minor">
-            <a:schemeClr val="lt1"/>
-          </a:fontRef>
-        </p:style>
-        <p:txBody>
-          <a:bodyPr rtlCol="0" anchor="ctr"/>
-          <a:lstStyle/>
-          <a:p>
-            <a:pPr algn="ctr"/>
-            <a:endParaRPr lang="en-US" sz="2400"/>
-          </a:p>
-        </p:txBody>
-      </p:sp>
-      <p:cxnSp>
-        <p:nvCxnSpPr>
-          <p:cNvPr id="47" name="Straight Arrow Connector 46">
-            <a:extLst>
-              <a:ext uri="{FF2B5EF4-FFF2-40B4-BE49-F238E27FC236}">
-                <a16:creationId xmlns:a16="http://schemas.microsoft.com/office/drawing/2014/main" id="{40C84811-ADA9-5E48-8790-AAD80A4DB6F6}"/>
-              </a:ext>
-            </a:extLst>
-          </p:cNvPr>
-          <p:cNvCxnSpPr/>
-          <p:nvPr/>
-        </p:nvCxnSpPr>
-        <p:spPr>
-          <a:xfrm flipH="1">
-            <a:off x="2656170" y="2480826"/>
-            <a:ext cx="1690" cy="262569"/>
-          </a:xfrm>
-          <a:prstGeom prst="straightConnector1">
-            <a:avLst/>
-          </a:prstGeom>
-          <a:ln>
-            <a:tailEnd type="arrow"/>
-          </a:ln>
-        </p:spPr>
-        <p:style>
-          <a:lnRef idx="2">
-            <a:schemeClr val="accent2"/>
-          </a:lnRef>
-          <a:fillRef idx="0">
-            <a:schemeClr val="accent2"/>
-          </a:fillRef>
-          <a:effectRef idx="1">
-            <a:schemeClr val="accent2"/>
-          </a:effectRef>
-          <a:fontRef idx="minor">
-            <a:schemeClr val="tx1"/>
-          </a:fontRef>
-        </p:style>
-      </p:cxnSp>
-      <p:sp>
-        <p:nvSpPr>
-          <p:cNvPr id="48" name="Oval 47">
-            <a:extLst>
-              <a:ext uri="{FF2B5EF4-FFF2-40B4-BE49-F238E27FC236}">
-                <a16:creationId xmlns:a16="http://schemas.microsoft.com/office/drawing/2014/main" id="{FA40081F-65E9-3948-B496-AEA2099F56EE}"/>
-              </a:ext>
-            </a:extLst>
-          </p:cNvPr>
-          <p:cNvSpPr/>
-          <p:nvPr/>
-        </p:nvSpPr>
-        <p:spPr>
-          <a:xfrm>
-            <a:off x="7053697" y="5148094"/>
-            <a:ext cx="238895" cy="251497"/>
-          </a:xfrm>
-          <a:prstGeom prst="ellipse">
-            <a:avLst/>
-          </a:prstGeom>
-        </p:spPr>
-        <p:style>
-          <a:lnRef idx="2">
-            <a:schemeClr val="accent6">
-              <a:shade val="50000"/>
-            </a:schemeClr>
-          </a:lnRef>
-          <a:fillRef idx="1">
-            <a:schemeClr val="accent6"/>
-          </a:fillRef>
-          <a:effectRef idx="0">
-            <a:schemeClr val="accent6"/>
-          </a:effectRef>
-          <a:fontRef idx="minor">
-            <a:schemeClr val="lt1"/>
-          </a:fontRef>
-        </p:style>
-        <p:txBody>
-          <a:bodyPr rtlCol="0" anchor="ctr"/>
-          <a:lstStyle/>
-          <a:p>
-            <a:pPr algn="ctr"/>
-            <a:endParaRPr lang="en-US" sz="2400"/>
-          </a:p>
-        </p:txBody>
-      </p:sp>
-      <p:cxnSp>
-        <p:nvCxnSpPr>
-          <p:cNvPr id="54" name="Straight Arrow Connector 53">
-            <a:extLst>
-              <a:ext uri="{FF2B5EF4-FFF2-40B4-BE49-F238E27FC236}">
-                <a16:creationId xmlns:a16="http://schemas.microsoft.com/office/drawing/2014/main" id="{67E9808C-8729-E840-B61E-1DA145C3E66B}"/>
-              </a:ext>
-            </a:extLst>
-          </p:cNvPr>
-          <p:cNvCxnSpPr>
-            <a:cxnSpLocks/>
-            <a:stCxn id="48" idx="4"/>
-            <a:endCxn id="39" idx="0"/>
-          </p:cNvCxnSpPr>
-          <p:nvPr/>
-        </p:nvCxnSpPr>
-        <p:spPr>
-          <a:xfrm>
-            <a:off x="7173145" y="5399591"/>
-            <a:ext cx="0" cy="258426"/>
-          </a:xfrm>
-          <a:prstGeom prst="straightConnector1">
-            <a:avLst/>
-          </a:prstGeom>
-          <a:ln>
-            <a:tailEnd type="arrow"/>
-          </a:ln>
-        </p:spPr>
-        <p:style>
-          <a:lnRef idx="2">
-            <a:schemeClr val="accent2"/>
-          </a:lnRef>
-          <a:fillRef idx="0">
-            <a:schemeClr val="accent2"/>
-          </a:fillRef>
-          <a:effectRef idx="1">
-            <a:schemeClr val="accent2"/>
-          </a:effectRef>
-          <a:fontRef idx="minor">
-            <a:schemeClr val="tx1"/>
-          </a:fontRef>
-        </p:style>
-      </p:cxnSp>
-      <p:sp>
-        <p:nvSpPr>
-          <p:cNvPr id="23" name="Oval 22">
-            <a:extLst>
-              <a:ext uri="{FF2B5EF4-FFF2-40B4-BE49-F238E27FC236}">
-                <a16:creationId xmlns:a16="http://schemas.microsoft.com/office/drawing/2014/main" id="{5E7E6757-0FC1-FC43-A9A4-339EF77A61A7}"/>
-              </a:ext>
-            </a:extLst>
-          </p:cNvPr>
-          <p:cNvSpPr/>
-          <p:nvPr/>
-        </p:nvSpPr>
-        <p:spPr>
-          <a:xfrm>
-            <a:off x="7053697" y="2128661"/>
-            <a:ext cx="238895" cy="251497"/>
-          </a:xfrm>
-          <a:prstGeom prst="ellipse">
-            <a:avLst/>
-          </a:prstGeom>
-        </p:spPr>
-        <p:style>
-          <a:lnRef idx="2">
-            <a:schemeClr val="accent6">
-              <a:shade val="50000"/>
-            </a:schemeClr>
-          </a:lnRef>
-          <a:fillRef idx="1">
-            <a:schemeClr val="accent6"/>
-          </a:fillRef>
-          <a:effectRef idx="0">
-            <a:schemeClr val="accent6"/>
-          </a:effectRef>
-          <a:fontRef idx="minor">
-            <a:schemeClr val="lt1"/>
-          </a:fontRef>
-        </p:style>
-        <p:txBody>
-          <a:bodyPr rtlCol="0" anchor="ctr"/>
-          <a:lstStyle/>
-          <a:p>
-            <a:pPr algn="ctr"/>
-            <a:endParaRPr lang="en-US" sz="2400"/>
-          </a:p>
-        </p:txBody>
-      </p:sp>
-      <p:cxnSp>
-        <p:nvCxnSpPr>
-          <p:cNvPr id="26" name="Straight Arrow Connector 25">
-            <a:extLst>
-              <a:ext uri="{FF2B5EF4-FFF2-40B4-BE49-F238E27FC236}">
-                <a16:creationId xmlns:a16="http://schemas.microsoft.com/office/drawing/2014/main" id="{FE73492F-FA1A-BB45-AE34-D82F42231CDA}"/>
-              </a:ext>
-            </a:extLst>
-          </p:cNvPr>
-          <p:cNvCxnSpPr>
-            <a:cxnSpLocks/>
-            <a:stCxn id="23" idx="4"/>
-          </p:cNvCxnSpPr>
-          <p:nvPr/>
-        </p:nvCxnSpPr>
-        <p:spPr>
-          <a:xfrm>
-            <a:off x="7173145" y="2380158"/>
-            <a:ext cx="0" cy="258426"/>
-          </a:xfrm>
-          <a:prstGeom prst="straightConnector1">
-            <a:avLst/>
-          </a:prstGeom>
-          <a:ln>
-            <a:tailEnd type="arrow"/>
-          </a:ln>
-        </p:spPr>
-        <p:style>
-          <a:lnRef idx="2">
-            <a:schemeClr val="accent2"/>
-          </a:lnRef>
-          <a:fillRef idx="0">
-            <a:schemeClr val="accent2"/>
-          </a:fillRef>
-          <a:effectRef idx="1">
-            <a:schemeClr val="accent2"/>
-          </a:effectRef>
-          <a:fontRef idx="minor">
-            <a:schemeClr val="tx1"/>
-          </a:fontRef>
-        </p:style>
-      </p:cxnSp>
-      <p:sp>
-        <p:nvSpPr>
-          <p:cNvPr id="4" name="Title 3">
-            <a:extLst>
-              <a:ext uri="{FF2B5EF4-FFF2-40B4-BE49-F238E27FC236}">
-                <a16:creationId xmlns:a16="http://schemas.microsoft.com/office/drawing/2014/main" id="{FD96998F-10BC-FA49-841C-D3CD3650F501}"/>
-              </a:ext>
-            </a:extLst>
-          </p:cNvPr>
-          <p:cNvSpPr>
-            <a:spLocks noGrp="1"/>
-          </p:cNvSpPr>
-          <p:nvPr>
-            <p:ph type="title"/>
-          </p:nvPr>
-        </p:nvSpPr>
-        <p:spPr/>
-        <p:txBody>
-          <a:bodyPr/>
-          <a:lstStyle/>
-          <a:p>
-            <a:r>
-              <a:rPr lang="en-US" dirty="0"/>
-              <a:t>Time for beers?</a:t>
-            </a:r>
-          </a:p>
-        </p:txBody>
-      </p:sp>
-    </p:spTree>
-    <p:extLst>
-      <p:ext uri="{BB962C8B-B14F-4D97-AF65-F5344CB8AC3E}">
-        <p14:creationId xmlns:p14="http://schemas.microsoft.com/office/powerpoint/2010/main" val="4230491802"/>
-      </p:ext>
-    </p:extLst>
-  </p:cSld>
-  <p:clrMapOvr>
-    <a:masterClrMapping/>
-  </p:clrMapOvr>
-</p:sld>
-</file>
-
 <file path=ppt/slides/slide52.xml><?xml version="1.0" encoding="utf-8"?>
 <p:sld xmlns:a="http://schemas.openxmlformats.org/drawingml/2006/main" xmlns:r="http://schemas.openxmlformats.org/officeDocument/2006/relationships" xmlns:p="http://schemas.openxmlformats.org/presentationml/2006/main">
   <p:cSld>
@@ -42675,7 +43635,7 @@
           <a:p>
             <a:r>
               <a:rPr lang="en-US" dirty="0"/>
-              <a:t>Time for beers!</a:t>
+              <a:t>Time for beers?</a:t>
             </a:r>
           </a:p>
         </p:txBody>
@@ -42683,7 +43643,7 @@
     </p:spTree>
     <p:extLst>
       <p:ext uri="{BB962C8B-B14F-4D97-AF65-F5344CB8AC3E}">
-        <p14:creationId xmlns:p14="http://schemas.microsoft.com/office/powerpoint/2010/main" val="4135741123"/>
+        <p14:creationId xmlns:p14="http://schemas.microsoft.com/office/powerpoint/2010/main" val="4230491802"/>
       </p:ext>
     </p:extLst>
   </p:cSld>
@@ -42712,6 +43672,917 @@
       </p:grpSpPr>
       <p:sp>
         <p:nvSpPr>
+          <p:cNvPr id="10" name="Oval 9"/>
+          <p:cNvSpPr/>
+          <p:nvPr/>
+        </p:nvSpPr>
+        <p:spPr>
+          <a:xfrm>
+            <a:off x="7053697" y="3191389"/>
+            <a:ext cx="238895" cy="251497"/>
+          </a:xfrm>
+          <a:prstGeom prst="ellipse">
+            <a:avLst/>
+          </a:prstGeom>
+        </p:spPr>
+        <p:style>
+          <a:lnRef idx="1">
+            <a:schemeClr val="accent1"/>
+          </a:lnRef>
+          <a:fillRef idx="3">
+            <a:schemeClr val="accent1"/>
+          </a:fillRef>
+          <a:effectRef idx="2">
+            <a:schemeClr val="accent1"/>
+          </a:effectRef>
+          <a:fontRef idx="minor">
+            <a:schemeClr val="lt1"/>
+          </a:fontRef>
+        </p:style>
+        <p:txBody>
+          <a:bodyPr rtlCol="0" anchor="ctr"/>
+          <a:lstStyle/>
+          <a:p>
+            <a:pPr algn="ctr"/>
+            <a:endParaRPr lang="en-US" sz="2400"/>
+          </a:p>
+        </p:txBody>
+      </p:sp>
+      <p:cxnSp>
+        <p:nvCxnSpPr>
+          <p:cNvPr id="12" name="Straight Arrow Connector 11"/>
+          <p:cNvCxnSpPr>
+            <a:stCxn id="10" idx="4"/>
+          </p:cNvCxnSpPr>
+          <p:nvPr/>
+        </p:nvCxnSpPr>
+        <p:spPr>
+          <a:xfrm>
+            <a:off x="7173145" y="3442886"/>
+            <a:ext cx="0" cy="224845"/>
+          </a:xfrm>
+          <a:prstGeom prst="straightConnector1">
+            <a:avLst/>
+          </a:prstGeom>
+          <a:ln>
+            <a:tailEnd type="arrow"/>
+          </a:ln>
+        </p:spPr>
+        <p:style>
+          <a:lnRef idx="2">
+            <a:schemeClr val="accent1"/>
+          </a:lnRef>
+          <a:fillRef idx="0">
+            <a:schemeClr val="accent1"/>
+          </a:fillRef>
+          <a:effectRef idx="1">
+            <a:schemeClr val="accent1"/>
+          </a:effectRef>
+          <a:fontRef idx="minor">
+            <a:schemeClr val="tx1"/>
+          </a:fontRef>
+        </p:style>
+      </p:cxnSp>
+      <p:sp>
+        <p:nvSpPr>
+          <p:cNvPr id="16" name="TextBox 15"/>
+          <p:cNvSpPr txBox="1"/>
+          <p:nvPr/>
+        </p:nvSpPr>
+        <p:spPr>
+          <a:xfrm>
+            <a:off x="1419788" y="2159343"/>
+            <a:ext cx="1171012" cy="461665"/>
+          </a:xfrm>
+          <a:prstGeom prst="rect">
+            <a:avLst/>
+          </a:prstGeom>
+          <a:noFill/>
+        </p:spPr>
+        <p:txBody>
+          <a:bodyPr wrap="square" rtlCol="0">
+            <a:spAutoFit/>
+          </a:bodyPr>
+          <a:lstStyle/>
+          <a:p>
+            <a:pPr algn="ctr"/>
+            <a:r>
+              <a:rPr lang="en-US" sz="2400" dirty="0"/>
+              <a:t>master</a:t>
+            </a:r>
+          </a:p>
+        </p:txBody>
+      </p:sp>
+      <p:sp>
+        <p:nvSpPr>
+          <p:cNvPr id="17" name="Oval 16"/>
+          <p:cNvSpPr/>
+          <p:nvPr/>
+        </p:nvSpPr>
+        <p:spPr>
+          <a:xfrm>
+            <a:off x="2528941" y="3191389"/>
+            <a:ext cx="238895" cy="251497"/>
+          </a:xfrm>
+          <a:prstGeom prst="ellipse">
+            <a:avLst/>
+          </a:prstGeom>
+        </p:spPr>
+        <p:style>
+          <a:lnRef idx="1">
+            <a:schemeClr val="accent1"/>
+          </a:lnRef>
+          <a:fillRef idx="3">
+            <a:schemeClr val="accent1"/>
+          </a:fillRef>
+          <a:effectRef idx="2">
+            <a:schemeClr val="accent1"/>
+          </a:effectRef>
+          <a:fontRef idx="minor">
+            <a:schemeClr val="lt1"/>
+          </a:fontRef>
+        </p:style>
+        <p:txBody>
+          <a:bodyPr rtlCol="0" anchor="ctr"/>
+          <a:lstStyle/>
+          <a:p>
+            <a:pPr algn="ctr"/>
+            <a:endParaRPr lang="en-US" sz="2400"/>
+          </a:p>
+        </p:txBody>
+      </p:sp>
+      <p:cxnSp>
+        <p:nvCxnSpPr>
+          <p:cNvPr id="18" name="Straight Arrow Connector 17"/>
+          <p:cNvCxnSpPr>
+            <a:stCxn id="17" idx="4"/>
+          </p:cNvCxnSpPr>
+          <p:nvPr/>
+        </p:nvCxnSpPr>
+        <p:spPr>
+          <a:xfrm>
+            <a:off x="2648389" y="3442886"/>
+            <a:ext cx="0" cy="224845"/>
+          </a:xfrm>
+          <a:prstGeom prst="straightConnector1">
+            <a:avLst/>
+          </a:prstGeom>
+          <a:ln>
+            <a:tailEnd type="arrow"/>
+          </a:ln>
+        </p:spPr>
+        <p:style>
+          <a:lnRef idx="2">
+            <a:schemeClr val="accent1"/>
+          </a:lnRef>
+          <a:fillRef idx="0">
+            <a:schemeClr val="accent1"/>
+          </a:fillRef>
+          <a:effectRef idx="1">
+            <a:schemeClr val="accent1"/>
+          </a:effectRef>
+          <a:fontRef idx="minor">
+            <a:schemeClr val="tx1"/>
+          </a:fontRef>
+        </p:style>
+      </p:cxnSp>
+      <p:sp>
+        <p:nvSpPr>
+          <p:cNvPr id="24" name="Oval 23"/>
+          <p:cNvSpPr/>
+          <p:nvPr/>
+        </p:nvSpPr>
+        <p:spPr>
+          <a:xfrm>
+            <a:off x="7058906" y="6134359"/>
+            <a:ext cx="238895" cy="251497"/>
+          </a:xfrm>
+          <a:prstGeom prst="ellipse">
+            <a:avLst/>
+          </a:prstGeom>
+        </p:spPr>
+        <p:style>
+          <a:lnRef idx="1">
+            <a:schemeClr val="accent1"/>
+          </a:lnRef>
+          <a:fillRef idx="3">
+            <a:schemeClr val="accent1"/>
+          </a:fillRef>
+          <a:effectRef idx="2">
+            <a:schemeClr val="accent1"/>
+          </a:effectRef>
+          <a:fontRef idx="minor">
+            <a:schemeClr val="lt1"/>
+          </a:fontRef>
+        </p:style>
+        <p:txBody>
+          <a:bodyPr rtlCol="0" anchor="ctr"/>
+          <a:lstStyle/>
+          <a:p>
+            <a:pPr algn="ctr"/>
+            <a:endParaRPr lang="en-US" sz="2400"/>
+          </a:p>
+        </p:txBody>
+      </p:sp>
+      <p:cxnSp>
+        <p:nvCxnSpPr>
+          <p:cNvPr id="25" name="Straight Arrow Connector 24"/>
+          <p:cNvCxnSpPr>
+            <a:stCxn id="24" idx="4"/>
+          </p:cNvCxnSpPr>
+          <p:nvPr/>
+        </p:nvCxnSpPr>
+        <p:spPr>
+          <a:xfrm>
+            <a:off x="7178354" y="6385856"/>
+            <a:ext cx="0" cy="224845"/>
+          </a:xfrm>
+          <a:prstGeom prst="straightConnector1">
+            <a:avLst/>
+          </a:prstGeom>
+          <a:ln>
+            <a:tailEnd type="arrow"/>
+          </a:ln>
+        </p:spPr>
+        <p:style>
+          <a:lnRef idx="2">
+            <a:schemeClr val="accent1"/>
+          </a:lnRef>
+          <a:fillRef idx="0">
+            <a:schemeClr val="accent1"/>
+          </a:fillRef>
+          <a:effectRef idx="1">
+            <a:schemeClr val="accent1"/>
+          </a:effectRef>
+          <a:fontRef idx="minor">
+            <a:schemeClr val="tx1"/>
+          </a:fontRef>
+        </p:style>
+      </p:cxnSp>
+      <p:sp>
+        <p:nvSpPr>
+          <p:cNvPr id="44" name="TextBox 43"/>
+          <p:cNvSpPr txBox="1"/>
+          <p:nvPr/>
+        </p:nvSpPr>
+        <p:spPr>
+          <a:xfrm>
+            <a:off x="5916306" y="2027058"/>
+            <a:ext cx="1171012" cy="461665"/>
+          </a:xfrm>
+          <a:prstGeom prst="rect">
+            <a:avLst/>
+          </a:prstGeom>
+          <a:noFill/>
+        </p:spPr>
+        <p:txBody>
+          <a:bodyPr wrap="square" rtlCol="0">
+            <a:spAutoFit/>
+          </a:bodyPr>
+          <a:lstStyle/>
+          <a:p>
+            <a:pPr algn="ctr"/>
+            <a:r>
+              <a:rPr lang="en-US" sz="2400" dirty="0"/>
+              <a:t>master</a:t>
+            </a:r>
+          </a:p>
+        </p:txBody>
+      </p:sp>
+      <p:sp>
+        <p:nvSpPr>
+          <p:cNvPr id="45" name="TextBox 44"/>
+          <p:cNvSpPr txBox="1"/>
+          <p:nvPr/>
+        </p:nvSpPr>
+        <p:spPr>
+          <a:xfrm>
+            <a:off x="5916306" y="5043009"/>
+            <a:ext cx="1171012" cy="461665"/>
+          </a:xfrm>
+          <a:prstGeom prst="rect">
+            <a:avLst/>
+          </a:prstGeom>
+          <a:noFill/>
+        </p:spPr>
+        <p:txBody>
+          <a:bodyPr wrap="square" rtlCol="0">
+            <a:spAutoFit/>
+          </a:bodyPr>
+          <a:lstStyle/>
+          <a:p>
+            <a:pPr algn="ctr"/>
+            <a:r>
+              <a:rPr lang="en-US" sz="2400" dirty="0"/>
+              <a:t>master</a:t>
+            </a:r>
+          </a:p>
+        </p:txBody>
+      </p:sp>
+      <p:sp>
+        <p:nvSpPr>
+          <p:cNvPr id="2" name="Slide Number Placeholder 1"/>
+          <p:cNvSpPr>
+            <a:spLocks noGrp="1"/>
+          </p:cNvSpPr>
+          <p:nvPr>
+            <p:ph type="sldNum" sz="quarter" idx="12"/>
+          </p:nvPr>
+        </p:nvSpPr>
+        <p:spPr/>
+        <p:txBody>
+          <a:bodyPr/>
+          <a:lstStyle/>
+          <a:p>
+            <a:fld id="{359744D5-AA56-484C-8B57-85B289DA1210}" type="slidenum">
+              <a:rPr lang="en-US" smtClean="0"/>
+              <a:t>53</a:t>
+            </a:fld>
+            <a:endParaRPr lang="en-US"/>
+          </a:p>
+        </p:txBody>
+      </p:sp>
+      <p:sp>
+        <p:nvSpPr>
+          <p:cNvPr id="30" name="Oval 29">
+            <a:extLst>
+              <a:ext uri="{FF2B5EF4-FFF2-40B4-BE49-F238E27FC236}">
+                <a16:creationId xmlns:a16="http://schemas.microsoft.com/office/drawing/2014/main" id="{7116067D-1426-CC40-B0E4-4F59C846EB13}"/>
+              </a:ext>
+            </a:extLst>
+          </p:cNvPr>
+          <p:cNvSpPr/>
+          <p:nvPr/>
+        </p:nvSpPr>
+        <p:spPr>
+          <a:xfrm>
+            <a:off x="2538378" y="2726339"/>
+            <a:ext cx="238895" cy="251497"/>
+          </a:xfrm>
+          <a:prstGeom prst="ellipse">
+            <a:avLst/>
+          </a:prstGeom>
+        </p:spPr>
+        <p:style>
+          <a:lnRef idx="2">
+            <a:schemeClr val="dk1"/>
+          </a:lnRef>
+          <a:fillRef idx="1">
+            <a:schemeClr val="lt1"/>
+          </a:fillRef>
+          <a:effectRef idx="0">
+            <a:schemeClr val="dk1"/>
+          </a:effectRef>
+          <a:fontRef idx="minor">
+            <a:schemeClr val="dk1"/>
+          </a:fontRef>
+        </p:style>
+        <p:txBody>
+          <a:bodyPr rtlCol="0" anchor="ctr"/>
+          <a:lstStyle/>
+          <a:p>
+            <a:pPr algn="ctr"/>
+            <a:endParaRPr lang="en-US" sz="2400"/>
+          </a:p>
+        </p:txBody>
+      </p:sp>
+      <p:cxnSp>
+        <p:nvCxnSpPr>
+          <p:cNvPr id="36" name="Straight Arrow Connector 35">
+            <a:extLst>
+              <a:ext uri="{FF2B5EF4-FFF2-40B4-BE49-F238E27FC236}">
+                <a16:creationId xmlns:a16="http://schemas.microsoft.com/office/drawing/2014/main" id="{AAA06A7D-B9F9-4F4B-93AA-A1389E9C452D}"/>
+              </a:ext>
+            </a:extLst>
+          </p:cNvPr>
+          <p:cNvCxnSpPr>
+            <a:stCxn id="30" idx="4"/>
+          </p:cNvCxnSpPr>
+          <p:nvPr/>
+        </p:nvCxnSpPr>
+        <p:spPr>
+          <a:xfrm>
+            <a:off x="2657826" y="2977836"/>
+            <a:ext cx="0" cy="236067"/>
+          </a:xfrm>
+          <a:prstGeom prst="straightConnector1">
+            <a:avLst/>
+          </a:prstGeom>
+          <a:ln>
+            <a:tailEnd type="arrow"/>
+          </a:ln>
+        </p:spPr>
+        <p:style>
+          <a:lnRef idx="2">
+            <a:schemeClr val="dk1"/>
+          </a:lnRef>
+          <a:fillRef idx="1">
+            <a:schemeClr val="lt1"/>
+          </a:fillRef>
+          <a:effectRef idx="0">
+            <a:schemeClr val="dk1"/>
+          </a:effectRef>
+          <a:fontRef idx="minor">
+            <a:schemeClr val="dk1"/>
+          </a:fontRef>
+        </p:style>
+      </p:cxnSp>
+      <p:sp>
+        <p:nvSpPr>
+          <p:cNvPr id="39" name="Oval 38">
+            <a:extLst>
+              <a:ext uri="{FF2B5EF4-FFF2-40B4-BE49-F238E27FC236}">
+                <a16:creationId xmlns:a16="http://schemas.microsoft.com/office/drawing/2014/main" id="{510FEC89-D079-D246-88A2-1662327F66D6}"/>
+              </a:ext>
+            </a:extLst>
+          </p:cNvPr>
+          <p:cNvSpPr/>
+          <p:nvPr/>
+        </p:nvSpPr>
+        <p:spPr>
+          <a:xfrm>
+            <a:off x="7053697" y="5658017"/>
+            <a:ext cx="238895" cy="251497"/>
+          </a:xfrm>
+          <a:prstGeom prst="ellipse">
+            <a:avLst/>
+          </a:prstGeom>
+        </p:spPr>
+        <p:style>
+          <a:lnRef idx="2">
+            <a:schemeClr val="dk1"/>
+          </a:lnRef>
+          <a:fillRef idx="1">
+            <a:schemeClr val="lt1"/>
+          </a:fillRef>
+          <a:effectRef idx="0">
+            <a:schemeClr val="dk1"/>
+          </a:effectRef>
+          <a:fontRef idx="minor">
+            <a:schemeClr val="dk1"/>
+          </a:fontRef>
+        </p:style>
+        <p:txBody>
+          <a:bodyPr rtlCol="0" anchor="ctr"/>
+          <a:lstStyle/>
+          <a:p>
+            <a:pPr algn="ctr"/>
+            <a:endParaRPr lang="en-US" sz="2400"/>
+          </a:p>
+        </p:txBody>
+      </p:sp>
+      <p:cxnSp>
+        <p:nvCxnSpPr>
+          <p:cNvPr id="40" name="Straight Arrow Connector 39">
+            <a:extLst>
+              <a:ext uri="{FF2B5EF4-FFF2-40B4-BE49-F238E27FC236}">
+                <a16:creationId xmlns:a16="http://schemas.microsoft.com/office/drawing/2014/main" id="{822450E1-FADD-5148-B3DF-53B10DB05A88}"/>
+              </a:ext>
+            </a:extLst>
+          </p:cNvPr>
+          <p:cNvCxnSpPr>
+            <a:cxnSpLocks/>
+            <a:stCxn id="39" idx="4"/>
+            <a:endCxn id="24" idx="0"/>
+          </p:cNvCxnSpPr>
+          <p:nvPr/>
+        </p:nvCxnSpPr>
+        <p:spPr>
+          <a:xfrm>
+            <a:off x="7173145" y="5909514"/>
+            <a:ext cx="5209" cy="224845"/>
+          </a:xfrm>
+          <a:prstGeom prst="straightConnector1">
+            <a:avLst/>
+          </a:prstGeom>
+          <a:ln>
+            <a:tailEnd type="arrow"/>
+          </a:ln>
+        </p:spPr>
+        <p:style>
+          <a:lnRef idx="2">
+            <a:schemeClr val="dk1"/>
+          </a:lnRef>
+          <a:fillRef idx="1">
+            <a:schemeClr val="lt1"/>
+          </a:fillRef>
+          <a:effectRef idx="0">
+            <a:schemeClr val="dk1"/>
+          </a:effectRef>
+          <a:fontRef idx="minor">
+            <a:schemeClr val="dk1"/>
+          </a:fontRef>
+        </p:style>
+      </p:cxnSp>
+      <p:sp>
+        <p:nvSpPr>
+          <p:cNvPr id="49" name="Oval 48">
+            <a:extLst>
+              <a:ext uri="{FF2B5EF4-FFF2-40B4-BE49-F238E27FC236}">
+                <a16:creationId xmlns:a16="http://schemas.microsoft.com/office/drawing/2014/main" id="{3CBD77C4-912E-DF47-8433-69AF41D4FB3A}"/>
+              </a:ext>
+            </a:extLst>
+          </p:cNvPr>
+          <p:cNvSpPr/>
+          <p:nvPr/>
+        </p:nvSpPr>
+        <p:spPr>
+          <a:xfrm>
+            <a:off x="7053697" y="2652757"/>
+            <a:ext cx="238895" cy="251497"/>
+          </a:xfrm>
+          <a:prstGeom prst="ellipse">
+            <a:avLst/>
+          </a:prstGeom>
+        </p:spPr>
+        <p:style>
+          <a:lnRef idx="2">
+            <a:schemeClr val="dk1"/>
+          </a:lnRef>
+          <a:fillRef idx="1">
+            <a:schemeClr val="lt1"/>
+          </a:fillRef>
+          <a:effectRef idx="0">
+            <a:schemeClr val="dk1"/>
+          </a:effectRef>
+          <a:fontRef idx="minor">
+            <a:schemeClr val="dk1"/>
+          </a:fontRef>
+        </p:style>
+        <p:txBody>
+          <a:bodyPr rtlCol="0" anchor="ctr"/>
+          <a:lstStyle/>
+          <a:p>
+            <a:pPr algn="ctr"/>
+            <a:endParaRPr lang="en-US" sz="2400"/>
+          </a:p>
+        </p:txBody>
+      </p:sp>
+      <p:cxnSp>
+        <p:nvCxnSpPr>
+          <p:cNvPr id="50" name="Straight Arrow Connector 49">
+            <a:extLst>
+              <a:ext uri="{FF2B5EF4-FFF2-40B4-BE49-F238E27FC236}">
+                <a16:creationId xmlns:a16="http://schemas.microsoft.com/office/drawing/2014/main" id="{A25C3796-AC74-E34B-845E-FF05C7B55D18}"/>
+              </a:ext>
+            </a:extLst>
+          </p:cNvPr>
+          <p:cNvCxnSpPr>
+            <a:cxnSpLocks/>
+            <a:stCxn id="49" idx="4"/>
+            <a:endCxn id="10" idx="0"/>
+          </p:cNvCxnSpPr>
+          <p:nvPr/>
+        </p:nvCxnSpPr>
+        <p:spPr>
+          <a:xfrm>
+            <a:off x="7173145" y="2904254"/>
+            <a:ext cx="0" cy="287135"/>
+          </a:xfrm>
+          <a:prstGeom prst="straightConnector1">
+            <a:avLst/>
+          </a:prstGeom>
+          <a:ln>
+            <a:tailEnd type="arrow"/>
+          </a:ln>
+        </p:spPr>
+        <p:style>
+          <a:lnRef idx="2">
+            <a:schemeClr val="dk1"/>
+          </a:lnRef>
+          <a:fillRef idx="1">
+            <a:schemeClr val="lt1"/>
+          </a:fillRef>
+          <a:effectRef idx="0">
+            <a:schemeClr val="dk1"/>
+          </a:effectRef>
+          <a:fontRef idx="minor">
+            <a:schemeClr val="dk1"/>
+          </a:fontRef>
+        </p:style>
+      </p:cxnSp>
+      <p:sp>
+        <p:nvSpPr>
+          <p:cNvPr id="46" name="Oval 45">
+            <a:extLst>
+              <a:ext uri="{FF2B5EF4-FFF2-40B4-BE49-F238E27FC236}">
+                <a16:creationId xmlns:a16="http://schemas.microsoft.com/office/drawing/2014/main" id="{BADAF235-8525-F04C-B5B3-1C046DFD7E70}"/>
+              </a:ext>
+            </a:extLst>
+          </p:cNvPr>
+          <p:cNvSpPr/>
+          <p:nvPr/>
+        </p:nvSpPr>
+        <p:spPr>
+          <a:xfrm>
+            <a:off x="2528941" y="2246503"/>
+            <a:ext cx="238895" cy="251497"/>
+          </a:xfrm>
+          <a:prstGeom prst="ellipse">
+            <a:avLst/>
+          </a:prstGeom>
+        </p:spPr>
+        <p:style>
+          <a:lnRef idx="2">
+            <a:schemeClr val="accent6">
+              <a:shade val="50000"/>
+            </a:schemeClr>
+          </a:lnRef>
+          <a:fillRef idx="1">
+            <a:schemeClr val="accent6"/>
+          </a:fillRef>
+          <a:effectRef idx="0">
+            <a:schemeClr val="accent6"/>
+          </a:effectRef>
+          <a:fontRef idx="minor">
+            <a:schemeClr val="lt1"/>
+          </a:fontRef>
+        </p:style>
+        <p:txBody>
+          <a:bodyPr rtlCol="0" anchor="ctr"/>
+          <a:lstStyle/>
+          <a:p>
+            <a:pPr algn="ctr"/>
+            <a:endParaRPr lang="en-US" sz="2400"/>
+          </a:p>
+        </p:txBody>
+      </p:sp>
+      <p:cxnSp>
+        <p:nvCxnSpPr>
+          <p:cNvPr id="47" name="Straight Arrow Connector 46">
+            <a:extLst>
+              <a:ext uri="{FF2B5EF4-FFF2-40B4-BE49-F238E27FC236}">
+                <a16:creationId xmlns:a16="http://schemas.microsoft.com/office/drawing/2014/main" id="{40C84811-ADA9-5E48-8790-AAD80A4DB6F6}"/>
+              </a:ext>
+            </a:extLst>
+          </p:cNvPr>
+          <p:cNvCxnSpPr/>
+          <p:nvPr/>
+        </p:nvCxnSpPr>
+        <p:spPr>
+          <a:xfrm flipH="1">
+            <a:off x="2656170" y="2480826"/>
+            <a:ext cx="1690" cy="262569"/>
+          </a:xfrm>
+          <a:prstGeom prst="straightConnector1">
+            <a:avLst/>
+          </a:prstGeom>
+          <a:ln>
+            <a:tailEnd type="arrow"/>
+          </a:ln>
+        </p:spPr>
+        <p:style>
+          <a:lnRef idx="2">
+            <a:schemeClr val="accent2"/>
+          </a:lnRef>
+          <a:fillRef idx="0">
+            <a:schemeClr val="accent2"/>
+          </a:fillRef>
+          <a:effectRef idx="1">
+            <a:schemeClr val="accent2"/>
+          </a:effectRef>
+          <a:fontRef idx="minor">
+            <a:schemeClr val="tx1"/>
+          </a:fontRef>
+        </p:style>
+      </p:cxnSp>
+      <p:sp>
+        <p:nvSpPr>
+          <p:cNvPr id="48" name="Oval 47">
+            <a:extLst>
+              <a:ext uri="{FF2B5EF4-FFF2-40B4-BE49-F238E27FC236}">
+                <a16:creationId xmlns:a16="http://schemas.microsoft.com/office/drawing/2014/main" id="{FA40081F-65E9-3948-B496-AEA2099F56EE}"/>
+              </a:ext>
+            </a:extLst>
+          </p:cNvPr>
+          <p:cNvSpPr/>
+          <p:nvPr/>
+        </p:nvSpPr>
+        <p:spPr>
+          <a:xfrm>
+            <a:off x="7053697" y="5148094"/>
+            <a:ext cx="238895" cy="251497"/>
+          </a:xfrm>
+          <a:prstGeom prst="ellipse">
+            <a:avLst/>
+          </a:prstGeom>
+        </p:spPr>
+        <p:style>
+          <a:lnRef idx="2">
+            <a:schemeClr val="accent6">
+              <a:shade val="50000"/>
+            </a:schemeClr>
+          </a:lnRef>
+          <a:fillRef idx="1">
+            <a:schemeClr val="accent6"/>
+          </a:fillRef>
+          <a:effectRef idx="0">
+            <a:schemeClr val="accent6"/>
+          </a:effectRef>
+          <a:fontRef idx="minor">
+            <a:schemeClr val="lt1"/>
+          </a:fontRef>
+        </p:style>
+        <p:txBody>
+          <a:bodyPr rtlCol="0" anchor="ctr"/>
+          <a:lstStyle/>
+          <a:p>
+            <a:pPr algn="ctr"/>
+            <a:endParaRPr lang="en-US" sz="2400"/>
+          </a:p>
+        </p:txBody>
+      </p:sp>
+      <p:cxnSp>
+        <p:nvCxnSpPr>
+          <p:cNvPr id="54" name="Straight Arrow Connector 53">
+            <a:extLst>
+              <a:ext uri="{FF2B5EF4-FFF2-40B4-BE49-F238E27FC236}">
+                <a16:creationId xmlns:a16="http://schemas.microsoft.com/office/drawing/2014/main" id="{67E9808C-8729-E840-B61E-1DA145C3E66B}"/>
+              </a:ext>
+            </a:extLst>
+          </p:cNvPr>
+          <p:cNvCxnSpPr>
+            <a:cxnSpLocks/>
+            <a:stCxn id="48" idx="4"/>
+            <a:endCxn id="39" idx="0"/>
+          </p:cNvCxnSpPr>
+          <p:nvPr/>
+        </p:nvCxnSpPr>
+        <p:spPr>
+          <a:xfrm>
+            <a:off x="7173145" y="5399591"/>
+            <a:ext cx="0" cy="258426"/>
+          </a:xfrm>
+          <a:prstGeom prst="straightConnector1">
+            <a:avLst/>
+          </a:prstGeom>
+          <a:ln>
+            <a:tailEnd type="arrow"/>
+          </a:ln>
+        </p:spPr>
+        <p:style>
+          <a:lnRef idx="2">
+            <a:schemeClr val="accent2"/>
+          </a:lnRef>
+          <a:fillRef idx="0">
+            <a:schemeClr val="accent2"/>
+          </a:fillRef>
+          <a:effectRef idx="1">
+            <a:schemeClr val="accent2"/>
+          </a:effectRef>
+          <a:fontRef idx="minor">
+            <a:schemeClr val="tx1"/>
+          </a:fontRef>
+        </p:style>
+      </p:cxnSp>
+      <p:sp>
+        <p:nvSpPr>
+          <p:cNvPr id="23" name="Oval 22">
+            <a:extLst>
+              <a:ext uri="{FF2B5EF4-FFF2-40B4-BE49-F238E27FC236}">
+                <a16:creationId xmlns:a16="http://schemas.microsoft.com/office/drawing/2014/main" id="{5E7E6757-0FC1-FC43-A9A4-339EF77A61A7}"/>
+              </a:ext>
+            </a:extLst>
+          </p:cNvPr>
+          <p:cNvSpPr/>
+          <p:nvPr/>
+        </p:nvSpPr>
+        <p:spPr>
+          <a:xfrm>
+            <a:off x="7053697" y="2128661"/>
+            <a:ext cx="238895" cy="251497"/>
+          </a:xfrm>
+          <a:prstGeom prst="ellipse">
+            <a:avLst/>
+          </a:prstGeom>
+        </p:spPr>
+        <p:style>
+          <a:lnRef idx="2">
+            <a:schemeClr val="accent6">
+              <a:shade val="50000"/>
+            </a:schemeClr>
+          </a:lnRef>
+          <a:fillRef idx="1">
+            <a:schemeClr val="accent6"/>
+          </a:fillRef>
+          <a:effectRef idx="0">
+            <a:schemeClr val="accent6"/>
+          </a:effectRef>
+          <a:fontRef idx="minor">
+            <a:schemeClr val="lt1"/>
+          </a:fontRef>
+        </p:style>
+        <p:txBody>
+          <a:bodyPr rtlCol="0" anchor="ctr"/>
+          <a:lstStyle/>
+          <a:p>
+            <a:pPr algn="ctr"/>
+            <a:endParaRPr lang="en-US" sz="2400"/>
+          </a:p>
+        </p:txBody>
+      </p:sp>
+      <p:cxnSp>
+        <p:nvCxnSpPr>
+          <p:cNvPr id="26" name="Straight Arrow Connector 25">
+            <a:extLst>
+              <a:ext uri="{FF2B5EF4-FFF2-40B4-BE49-F238E27FC236}">
+                <a16:creationId xmlns:a16="http://schemas.microsoft.com/office/drawing/2014/main" id="{FE73492F-FA1A-BB45-AE34-D82F42231CDA}"/>
+              </a:ext>
+            </a:extLst>
+          </p:cNvPr>
+          <p:cNvCxnSpPr>
+            <a:cxnSpLocks/>
+            <a:stCxn id="23" idx="4"/>
+          </p:cNvCxnSpPr>
+          <p:nvPr/>
+        </p:nvCxnSpPr>
+        <p:spPr>
+          <a:xfrm>
+            <a:off x="7173145" y="2380158"/>
+            <a:ext cx="0" cy="258426"/>
+          </a:xfrm>
+          <a:prstGeom prst="straightConnector1">
+            <a:avLst/>
+          </a:prstGeom>
+          <a:ln>
+            <a:tailEnd type="arrow"/>
+          </a:ln>
+        </p:spPr>
+        <p:style>
+          <a:lnRef idx="2">
+            <a:schemeClr val="accent2"/>
+          </a:lnRef>
+          <a:fillRef idx="0">
+            <a:schemeClr val="accent2"/>
+          </a:fillRef>
+          <a:effectRef idx="1">
+            <a:schemeClr val="accent2"/>
+          </a:effectRef>
+          <a:fontRef idx="minor">
+            <a:schemeClr val="tx1"/>
+          </a:fontRef>
+        </p:style>
+      </p:cxnSp>
+      <p:sp>
+        <p:nvSpPr>
+          <p:cNvPr id="4" name="Title 3">
+            <a:extLst>
+              <a:ext uri="{FF2B5EF4-FFF2-40B4-BE49-F238E27FC236}">
+                <a16:creationId xmlns:a16="http://schemas.microsoft.com/office/drawing/2014/main" id="{FD96998F-10BC-FA49-841C-D3CD3650F501}"/>
+              </a:ext>
+            </a:extLst>
+          </p:cNvPr>
+          <p:cNvSpPr>
+            <a:spLocks noGrp="1"/>
+          </p:cNvSpPr>
+          <p:nvPr>
+            <p:ph type="title"/>
+          </p:nvPr>
+        </p:nvSpPr>
+        <p:spPr/>
+        <p:txBody>
+          <a:bodyPr/>
+          <a:lstStyle/>
+          <a:p>
+            <a:r>
+              <a:rPr lang="en-US" dirty="0"/>
+              <a:t>Time for beers!</a:t>
+            </a:r>
+          </a:p>
+        </p:txBody>
+      </p:sp>
+    </p:spTree>
+    <p:extLst>
+      <p:ext uri="{BB962C8B-B14F-4D97-AF65-F5344CB8AC3E}">
+        <p14:creationId xmlns:p14="http://schemas.microsoft.com/office/powerpoint/2010/main" val="4135741123"/>
+      </p:ext>
+    </p:extLst>
+  </p:cSld>
+  <p:clrMapOvr>
+    <a:masterClrMapping/>
+  </p:clrMapOvr>
+</p:sld>
+</file>
+
+<file path=ppt/slides/slide54.xml><?xml version="1.0" encoding="utf-8"?>
+<p:sld xmlns:a="http://schemas.openxmlformats.org/drawingml/2006/main" xmlns:r="http://schemas.openxmlformats.org/officeDocument/2006/relationships" xmlns:p="http://schemas.openxmlformats.org/presentationml/2006/main">
+  <p:cSld>
+    <p:spTree>
+      <p:nvGrpSpPr>
+        <p:cNvPr id="1" name=""/>
+        <p:cNvGrpSpPr/>
+        <p:nvPr/>
+      </p:nvGrpSpPr>
+      <p:grpSpPr>
+        <a:xfrm>
+          <a:off x="0" y="0"/>
+          <a:ext cx="0" cy="0"/>
+          <a:chOff x="0" y="0"/>
+          <a:chExt cx="0" cy="0"/>
+        </a:xfrm>
+      </p:grpSpPr>
+      <p:sp>
+        <p:nvSpPr>
           <p:cNvPr id="2" name="Title 1"/>
           <p:cNvSpPr>
             <a:spLocks noGrp="1"/>
@@ -42754,7 +44625,7 @@
           <a:p>
             <a:fld id="{359744D5-AA56-484C-8B57-85B289DA1210}" type="slidenum">
               <a:rPr lang="en-US" smtClean="0"/>
-              <a:t>53</a:t>
+              <a:t>54</a:t>
             </a:fld>
             <a:endParaRPr lang="en-US" dirty="0"/>
           </a:p>
@@ -44091,7 +45962,7 @@
 </p:sld>
 </file>
 
-<file path=ppt/slides/slide54.xml><?xml version="1.0" encoding="utf-8"?>
+<file path=ppt/slides/slide55.xml><?xml version="1.0" encoding="utf-8"?>
 <p:sld xmlns:a="http://schemas.openxmlformats.org/drawingml/2006/main" xmlns:r="http://schemas.openxmlformats.org/officeDocument/2006/relationships" xmlns:p="http://schemas.openxmlformats.org/presentationml/2006/main">
   <p:cSld>
     <p:spTree>
@@ -44359,7 +46230,7 @@
           <a:p>
             <a:fld id="{359744D5-AA56-484C-8B57-85B289DA1210}" type="slidenum">
               <a:rPr lang="en-US" smtClean="0"/>
-              <a:t>54</a:t>
+              <a:t>55</a:t>
             </a:fld>
             <a:endParaRPr lang="en-US" dirty="0"/>
           </a:p>
@@ -44397,7 +46268,7 @@
           <a:noFill/>
           <a:extLst>
             <a:ext uri="{909E8E84-426E-40dd-AFC4-6F175D3DCCD1}">
-              <a14:hiddenFill xmlns="" xmlns:a14="http://schemas.microsoft.com/office/drawing/2010/main">
+              <a14:hiddenFill xmlns:a14="http://schemas.microsoft.com/office/drawing/2010/main" xmlns="">
                 <a:solidFill>
                   <a:srgbClr val="FFFFFF"/>
                 </a:solidFill>
